--- a/DSA07-Tree/figures/figures.pptx
+++ b/DSA07-Tree/figures/figures.pptx
@@ -5,7 +5,7 @@
     <p:sldMasterId id="2147483648" r:id="rId1"/>
   </p:sldMasterIdLst>
   <p:notesMasterIdLst>
-    <p:notesMasterId r:id="rId37"/>
+    <p:notesMasterId r:id="rId41"/>
   </p:notesMasterIdLst>
   <p:sldIdLst>
     <p:sldId id="256" r:id="rId2"/>
@@ -43,6 +43,10 @@
     <p:sldId id="289" r:id="rId34"/>
     <p:sldId id="288" r:id="rId35"/>
     <p:sldId id="290" r:id="rId36"/>
+    <p:sldId id="291" r:id="rId37"/>
+    <p:sldId id="292" r:id="rId38"/>
+    <p:sldId id="293" r:id="rId39"/>
+    <p:sldId id="294" r:id="rId40"/>
   </p:sldIdLst>
   <p:sldSz cx="12192000" cy="6858000"/>
   <p:notesSz cx="6858000" cy="9144000"/>
@@ -51659,6 +51663,5696 @@
 </p:sld>
 </file>
 
+<file path=ppt/slides/slide36.xml><?xml version="1.0" encoding="utf-8"?>
+<p:sld xmlns:a="http://schemas.openxmlformats.org/drawingml/2006/main" xmlns:r="http://schemas.openxmlformats.org/officeDocument/2006/relationships" xmlns:p="http://schemas.openxmlformats.org/presentationml/2006/main">
+  <p:cSld>
+    <p:spTree>
+      <p:nvGrpSpPr>
+        <p:cNvPr id="1" name=""/>
+        <p:cNvGrpSpPr/>
+        <p:nvPr/>
+      </p:nvGrpSpPr>
+      <p:grpSpPr>
+        <a:xfrm>
+          <a:off x="0" y="0"/>
+          <a:ext cx="0" cy="0"/>
+          <a:chOff x="0" y="0"/>
+          <a:chExt cx="0" cy="0"/>
+        </a:xfrm>
+      </p:grpSpPr>
+      <p:sp>
+        <p:nvSpPr>
+          <p:cNvPr id="4" name="Oval 3"/>
+          <p:cNvSpPr/>
+          <p:nvPr/>
+        </p:nvSpPr>
+        <p:spPr>
+          <a:xfrm>
+            <a:off x="4349498" y="1435474"/>
+            <a:ext cx="523245" cy="523245"/>
+          </a:xfrm>
+          <a:prstGeom prst="ellipse">
+            <a:avLst/>
+          </a:prstGeom>
+          <a:ln w="28575">
+            <a:solidFill>
+              <a:schemeClr val="tx1"/>
+            </a:solidFill>
+          </a:ln>
+        </p:spPr>
+        <p:style>
+          <a:lnRef idx="2">
+            <a:schemeClr val="accent6"/>
+          </a:lnRef>
+          <a:fillRef idx="1">
+            <a:schemeClr val="lt1"/>
+          </a:fillRef>
+          <a:effectRef idx="0">
+            <a:schemeClr val="accent6"/>
+          </a:effectRef>
+          <a:fontRef idx="minor">
+            <a:schemeClr val="dk1"/>
+          </a:fontRef>
+        </p:style>
+        <p:txBody>
+          <a:bodyPr lIns="0" tIns="0" rIns="0" bIns="0" rtlCol="0" anchor="ctr"/>
+          <a:lstStyle/>
+          <a:p>
+            <a:pPr algn="ctr"/>
+            <a:r>
+              <a:rPr lang="en-US" dirty="0" smtClean="0">
+                <a:solidFill>
+                  <a:schemeClr val="tx1"/>
+                </a:solidFill>
+              </a:rPr>
+              <a:t>20</a:t>
+            </a:r>
+            <a:endParaRPr lang="en-US" dirty="0">
+              <a:solidFill>
+                <a:schemeClr val="tx1"/>
+              </a:solidFill>
+            </a:endParaRPr>
+          </a:p>
+        </p:txBody>
+      </p:sp>
+      <p:sp>
+        <p:nvSpPr>
+          <p:cNvPr id="5" name="Oval 4"/>
+          <p:cNvSpPr/>
+          <p:nvPr/>
+        </p:nvSpPr>
+        <p:spPr>
+          <a:xfrm>
+            <a:off x="3345527" y="2109511"/>
+            <a:ext cx="523245" cy="523245"/>
+          </a:xfrm>
+          <a:prstGeom prst="ellipse">
+            <a:avLst/>
+          </a:prstGeom>
+          <a:ln w="28575">
+            <a:solidFill>
+              <a:schemeClr val="tx1"/>
+            </a:solidFill>
+          </a:ln>
+        </p:spPr>
+        <p:style>
+          <a:lnRef idx="2">
+            <a:schemeClr val="accent6"/>
+          </a:lnRef>
+          <a:fillRef idx="1">
+            <a:schemeClr val="lt1"/>
+          </a:fillRef>
+          <a:effectRef idx="0">
+            <a:schemeClr val="accent6"/>
+          </a:effectRef>
+          <a:fontRef idx="minor">
+            <a:schemeClr val="dk1"/>
+          </a:fontRef>
+        </p:style>
+        <p:txBody>
+          <a:bodyPr lIns="0" tIns="0" rIns="0" bIns="0" rtlCol="0" anchor="ctr"/>
+          <a:lstStyle/>
+          <a:p>
+            <a:pPr algn="ctr"/>
+            <a:r>
+              <a:rPr lang="en-US" dirty="0" smtClean="0">
+                <a:solidFill>
+                  <a:schemeClr val="tx1"/>
+                </a:solidFill>
+              </a:rPr>
+              <a:t>15</a:t>
+            </a:r>
+            <a:endParaRPr lang="en-US" dirty="0">
+              <a:solidFill>
+                <a:schemeClr val="tx1"/>
+              </a:solidFill>
+            </a:endParaRPr>
+          </a:p>
+        </p:txBody>
+      </p:sp>
+      <p:sp>
+        <p:nvSpPr>
+          <p:cNvPr id="6" name="Oval 5"/>
+          <p:cNvSpPr/>
+          <p:nvPr/>
+        </p:nvSpPr>
+        <p:spPr>
+          <a:xfrm>
+            <a:off x="2726566" y="2780987"/>
+            <a:ext cx="523245" cy="523245"/>
+          </a:xfrm>
+          <a:prstGeom prst="ellipse">
+            <a:avLst/>
+          </a:prstGeom>
+          <a:ln w="28575">
+            <a:solidFill>
+              <a:schemeClr val="tx1"/>
+            </a:solidFill>
+          </a:ln>
+        </p:spPr>
+        <p:style>
+          <a:lnRef idx="2">
+            <a:schemeClr val="accent6"/>
+          </a:lnRef>
+          <a:fillRef idx="1">
+            <a:schemeClr val="lt1"/>
+          </a:fillRef>
+          <a:effectRef idx="0">
+            <a:schemeClr val="accent6"/>
+          </a:effectRef>
+          <a:fontRef idx="minor">
+            <a:schemeClr val="dk1"/>
+          </a:fontRef>
+        </p:style>
+        <p:txBody>
+          <a:bodyPr lIns="0" tIns="0" rIns="0" bIns="0" rtlCol="0" anchor="ctr"/>
+          <a:lstStyle/>
+          <a:p>
+            <a:pPr algn="ctr"/>
+            <a:r>
+              <a:rPr lang="en-US" dirty="0" smtClean="0">
+                <a:solidFill>
+                  <a:schemeClr val="tx1"/>
+                </a:solidFill>
+              </a:rPr>
+              <a:t>12</a:t>
+            </a:r>
+            <a:endParaRPr lang="en-US" dirty="0">
+              <a:solidFill>
+                <a:schemeClr val="tx1"/>
+              </a:solidFill>
+            </a:endParaRPr>
+          </a:p>
+        </p:txBody>
+      </p:sp>
+      <p:cxnSp>
+        <p:nvCxnSpPr>
+          <p:cNvPr id="8" name="Straight Connector 7"/>
+          <p:cNvCxnSpPr>
+            <a:stCxn id="4" idx="3"/>
+            <a:endCxn id="5" idx="7"/>
+          </p:cNvCxnSpPr>
+          <p:nvPr/>
+        </p:nvCxnSpPr>
+        <p:spPr>
+          <a:xfrm flipH="1">
+            <a:off x="3792145" y="1882092"/>
+            <a:ext cx="633980" cy="304046"/>
+          </a:xfrm>
+          <a:prstGeom prst="line">
+            <a:avLst/>
+          </a:prstGeom>
+          <a:ln w="25400">
+            <a:solidFill>
+              <a:schemeClr val="tx1"/>
+            </a:solidFill>
+          </a:ln>
+        </p:spPr>
+        <p:style>
+          <a:lnRef idx="1">
+            <a:schemeClr val="accent1"/>
+          </a:lnRef>
+          <a:fillRef idx="0">
+            <a:schemeClr val="accent1"/>
+          </a:fillRef>
+          <a:effectRef idx="0">
+            <a:schemeClr val="accent1"/>
+          </a:effectRef>
+          <a:fontRef idx="minor">
+            <a:schemeClr val="tx1"/>
+          </a:fontRef>
+        </p:style>
+      </p:cxnSp>
+      <p:cxnSp>
+        <p:nvCxnSpPr>
+          <p:cNvPr id="9" name="Straight Connector 8"/>
+          <p:cNvCxnSpPr>
+            <a:stCxn id="5" idx="3"/>
+            <a:endCxn id="6" idx="7"/>
+          </p:cNvCxnSpPr>
+          <p:nvPr/>
+        </p:nvCxnSpPr>
+        <p:spPr>
+          <a:xfrm flipH="1">
+            <a:off x="3173184" y="2556129"/>
+            <a:ext cx="248970" cy="301485"/>
+          </a:xfrm>
+          <a:prstGeom prst="line">
+            <a:avLst/>
+          </a:prstGeom>
+          <a:ln w="25400">
+            <a:solidFill>
+              <a:schemeClr val="tx1"/>
+            </a:solidFill>
+          </a:ln>
+        </p:spPr>
+        <p:style>
+          <a:lnRef idx="1">
+            <a:schemeClr val="accent1"/>
+          </a:lnRef>
+          <a:fillRef idx="0">
+            <a:schemeClr val="accent1"/>
+          </a:fillRef>
+          <a:effectRef idx="0">
+            <a:schemeClr val="accent1"/>
+          </a:effectRef>
+          <a:fontRef idx="minor">
+            <a:schemeClr val="tx1"/>
+          </a:fontRef>
+        </p:style>
+      </p:cxnSp>
+      <p:sp>
+        <p:nvSpPr>
+          <p:cNvPr id="15" name="Oval 14"/>
+          <p:cNvSpPr/>
+          <p:nvPr/>
+        </p:nvSpPr>
+        <p:spPr>
+          <a:xfrm>
+            <a:off x="3964488" y="2780987"/>
+            <a:ext cx="523245" cy="523245"/>
+          </a:xfrm>
+          <a:prstGeom prst="ellipse">
+            <a:avLst/>
+          </a:prstGeom>
+          <a:ln w="28575">
+            <a:solidFill>
+              <a:schemeClr val="tx1"/>
+            </a:solidFill>
+          </a:ln>
+        </p:spPr>
+        <p:style>
+          <a:lnRef idx="2">
+            <a:schemeClr val="accent6"/>
+          </a:lnRef>
+          <a:fillRef idx="1">
+            <a:schemeClr val="lt1"/>
+          </a:fillRef>
+          <a:effectRef idx="0">
+            <a:schemeClr val="accent6"/>
+          </a:effectRef>
+          <a:fontRef idx="minor">
+            <a:schemeClr val="dk1"/>
+          </a:fontRef>
+        </p:style>
+        <p:txBody>
+          <a:bodyPr lIns="0" tIns="0" rIns="0" bIns="0" rtlCol="0" anchor="ctr"/>
+          <a:lstStyle/>
+          <a:p>
+            <a:pPr algn="ctr"/>
+            <a:r>
+              <a:rPr lang="en-US" dirty="0" smtClean="0">
+                <a:solidFill>
+                  <a:schemeClr val="tx1"/>
+                </a:solidFill>
+              </a:rPr>
+              <a:t>8</a:t>
+            </a:r>
+            <a:endParaRPr lang="en-US" dirty="0">
+              <a:solidFill>
+                <a:schemeClr val="tx1"/>
+              </a:solidFill>
+            </a:endParaRPr>
+          </a:p>
+        </p:txBody>
+      </p:sp>
+      <p:cxnSp>
+        <p:nvCxnSpPr>
+          <p:cNvPr id="16" name="Straight Connector 15"/>
+          <p:cNvCxnSpPr>
+            <a:endCxn id="15" idx="1"/>
+          </p:cNvCxnSpPr>
+          <p:nvPr/>
+        </p:nvCxnSpPr>
+        <p:spPr>
+          <a:xfrm>
+            <a:off x="3792145" y="2553568"/>
+            <a:ext cx="248970" cy="304046"/>
+          </a:xfrm>
+          <a:prstGeom prst="line">
+            <a:avLst/>
+          </a:prstGeom>
+          <a:ln w="25400">
+            <a:solidFill>
+              <a:schemeClr val="tx1"/>
+            </a:solidFill>
+          </a:ln>
+        </p:spPr>
+        <p:style>
+          <a:lnRef idx="1">
+            <a:schemeClr val="accent1"/>
+          </a:lnRef>
+          <a:fillRef idx="0">
+            <a:schemeClr val="accent1"/>
+          </a:fillRef>
+          <a:effectRef idx="0">
+            <a:schemeClr val="accent1"/>
+          </a:effectRef>
+          <a:fontRef idx="minor">
+            <a:schemeClr val="tx1"/>
+          </a:fontRef>
+        </p:style>
+      </p:cxnSp>
+      <p:sp>
+        <p:nvSpPr>
+          <p:cNvPr id="17" name="Oval 16"/>
+          <p:cNvSpPr/>
+          <p:nvPr/>
+        </p:nvSpPr>
+        <p:spPr>
+          <a:xfrm>
+            <a:off x="5361336" y="2109511"/>
+            <a:ext cx="523245" cy="523245"/>
+          </a:xfrm>
+          <a:prstGeom prst="ellipse">
+            <a:avLst/>
+          </a:prstGeom>
+          <a:ln w="28575">
+            <a:solidFill>
+              <a:schemeClr val="tx1"/>
+            </a:solidFill>
+          </a:ln>
+        </p:spPr>
+        <p:style>
+          <a:lnRef idx="2">
+            <a:schemeClr val="accent6"/>
+          </a:lnRef>
+          <a:fillRef idx="1">
+            <a:schemeClr val="lt1"/>
+          </a:fillRef>
+          <a:effectRef idx="0">
+            <a:schemeClr val="accent6"/>
+          </a:effectRef>
+          <a:fontRef idx="minor">
+            <a:schemeClr val="dk1"/>
+          </a:fontRef>
+        </p:style>
+        <p:txBody>
+          <a:bodyPr lIns="0" tIns="0" rIns="0" bIns="0" rtlCol="0" anchor="ctr"/>
+          <a:lstStyle/>
+          <a:p>
+            <a:pPr algn="ctr"/>
+            <a:r>
+              <a:rPr lang="en-US" dirty="0" smtClean="0">
+                <a:solidFill>
+                  <a:schemeClr val="tx1"/>
+                </a:solidFill>
+              </a:rPr>
+              <a:t>25</a:t>
+            </a:r>
+            <a:endParaRPr lang="en-US" dirty="0">
+              <a:solidFill>
+                <a:schemeClr val="tx1"/>
+              </a:solidFill>
+            </a:endParaRPr>
+          </a:p>
+        </p:txBody>
+      </p:sp>
+      <p:cxnSp>
+        <p:nvCxnSpPr>
+          <p:cNvPr id="24" name="Straight Connector 23"/>
+          <p:cNvCxnSpPr>
+            <a:stCxn id="4" idx="5"/>
+            <a:endCxn id="17" idx="1"/>
+          </p:cNvCxnSpPr>
+          <p:nvPr/>
+        </p:nvCxnSpPr>
+        <p:spPr>
+          <a:xfrm>
+            <a:off x="4796116" y="1882092"/>
+            <a:ext cx="641847" cy="304046"/>
+          </a:xfrm>
+          <a:prstGeom prst="line">
+            <a:avLst/>
+          </a:prstGeom>
+          <a:ln w="25400">
+            <a:solidFill>
+              <a:schemeClr val="tx1"/>
+            </a:solidFill>
+          </a:ln>
+        </p:spPr>
+        <p:style>
+          <a:lnRef idx="1">
+            <a:schemeClr val="accent1"/>
+          </a:lnRef>
+          <a:fillRef idx="0">
+            <a:schemeClr val="accent1"/>
+          </a:fillRef>
+          <a:effectRef idx="0">
+            <a:schemeClr val="accent1"/>
+          </a:effectRef>
+          <a:fontRef idx="minor">
+            <a:schemeClr val="tx1"/>
+          </a:fontRef>
+        </p:style>
+      </p:cxnSp>
+      <p:sp>
+        <p:nvSpPr>
+          <p:cNvPr id="35" name="Oval 34"/>
+          <p:cNvSpPr/>
+          <p:nvPr/>
+        </p:nvSpPr>
+        <p:spPr>
+          <a:xfrm>
+            <a:off x="5960204" y="2780987"/>
+            <a:ext cx="523245" cy="523245"/>
+          </a:xfrm>
+          <a:prstGeom prst="ellipse">
+            <a:avLst/>
+          </a:prstGeom>
+          <a:ln w="28575">
+            <a:solidFill>
+              <a:schemeClr val="tx1"/>
+            </a:solidFill>
+          </a:ln>
+        </p:spPr>
+        <p:style>
+          <a:lnRef idx="2">
+            <a:schemeClr val="accent6"/>
+          </a:lnRef>
+          <a:fillRef idx="1">
+            <a:schemeClr val="lt1"/>
+          </a:fillRef>
+          <a:effectRef idx="0">
+            <a:schemeClr val="accent6"/>
+          </a:effectRef>
+          <a:fontRef idx="minor">
+            <a:schemeClr val="dk1"/>
+          </a:fontRef>
+        </p:style>
+        <p:txBody>
+          <a:bodyPr lIns="0" tIns="0" rIns="0" bIns="0" rtlCol="0" anchor="ctr"/>
+          <a:lstStyle/>
+          <a:p>
+            <a:pPr algn="ctr"/>
+            <a:r>
+              <a:rPr lang="en-US" dirty="0" smtClean="0">
+                <a:solidFill>
+                  <a:schemeClr val="tx1"/>
+                </a:solidFill>
+              </a:rPr>
+              <a:t>22</a:t>
+            </a:r>
+            <a:endParaRPr lang="en-US" dirty="0">
+              <a:solidFill>
+                <a:schemeClr val="tx1"/>
+              </a:solidFill>
+            </a:endParaRPr>
+          </a:p>
+        </p:txBody>
+      </p:sp>
+      <p:cxnSp>
+        <p:nvCxnSpPr>
+          <p:cNvPr id="37" name="Straight Connector 36"/>
+          <p:cNvCxnSpPr>
+            <a:endCxn id="35" idx="1"/>
+          </p:cNvCxnSpPr>
+          <p:nvPr/>
+        </p:nvCxnSpPr>
+        <p:spPr>
+          <a:xfrm>
+            <a:off x="5787861" y="2589856"/>
+            <a:ext cx="248970" cy="267758"/>
+          </a:xfrm>
+          <a:prstGeom prst="line">
+            <a:avLst/>
+          </a:prstGeom>
+          <a:ln w="25400">
+            <a:solidFill>
+              <a:schemeClr val="tx1"/>
+            </a:solidFill>
+          </a:ln>
+        </p:spPr>
+        <p:style>
+          <a:lnRef idx="1">
+            <a:schemeClr val="accent1"/>
+          </a:lnRef>
+          <a:fillRef idx="0">
+            <a:schemeClr val="accent1"/>
+          </a:fillRef>
+          <a:effectRef idx="0">
+            <a:schemeClr val="accent1"/>
+          </a:effectRef>
+          <a:fontRef idx="minor">
+            <a:schemeClr val="tx1"/>
+          </a:fontRef>
+        </p:style>
+      </p:cxnSp>
+      <p:sp>
+        <p:nvSpPr>
+          <p:cNvPr id="38" name="Oval 37"/>
+          <p:cNvSpPr/>
+          <p:nvPr/>
+        </p:nvSpPr>
+        <p:spPr>
+          <a:xfrm>
+            <a:off x="4164502" y="3839297"/>
+            <a:ext cx="523245" cy="523245"/>
+          </a:xfrm>
+          <a:prstGeom prst="ellipse">
+            <a:avLst/>
+          </a:prstGeom>
+          <a:ln w="28575">
+            <a:solidFill>
+              <a:schemeClr val="tx1"/>
+            </a:solidFill>
+          </a:ln>
+        </p:spPr>
+        <p:style>
+          <a:lnRef idx="2">
+            <a:schemeClr val="accent6"/>
+          </a:lnRef>
+          <a:fillRef idx="1">
+            <a:schemeClr val="lt1"/>
+          </a:fillRef>
+          <a:effectRef idx="0">
+            <a:schemeClr val="accent6"/>
+          </a:effectRef>
+          <a:fontRef idx="minor">
+            <a:schemeClr val="dk1"/>
+          </a:fontRef>
+        </p:style>
+        <p:txBody>
+          <a:bodyPr lIns="0" tIns="0" rIns="0" bIns="0" rtlCol="0" anchor="ctr"/>
+          <a:lstStyle/>
+          <a:p>
+            <a:pPr algn="ctr"/>
+            <a:r>
+              <a:rPr lang="en-US" dirty="0">
+                <a:solidFill>
+                  <a:schemeClr val="tx1"/>
+                </a:solidFill>
+              </a:rPr>
+              <a:t>3</a:t>
+            </a:r>
+            <a:r>
+              <a:rPr lang="en-US" dirty="0" smtClean="0">
+                <a:solidFill>
+                  <a:schemeClr val="tx1"/>
+                </a:solidFill>
+              </a:rPr>
+              <a:t>0</a:t>
+            </a:r>
+            <a:endParaRPr lang="en-US" dirty="0">
+              <a:solidFill>
+                <a:schemeClr val="tx1"/>
+              </a:solidFill>
+            </a:endParaRPr>
+          </a:p>
+        </p:txBody>
+      </p:sp>
+      <p:sp>
+        <p:nvSpPr>
+          <p:cNvPr id="44" name="Oval 43"/>
+          <p:cNvSpPr/>
+          <p:nvPr/>
+        </p:nvSpPr>
+        <p:spPr>
+          <a:xfrm>
+            <a:off x="3160531" y="4513334"/>
+            <a:ext cx="523245" cy="523245"/>
+          </a:xfrm>
+          <a:prstGeom prst="ellipse">
+            <a:avLst/>
+          </a:prstGeom>
+          <a:ln w="28575">
+            <a:solidFill>
+              <a:schemeClr val="tx1"/>
+            </a:solidFill>
+          </a:ln>
+        </p:spPr>
+        <p:style>
+          <a:lnRef idx="2">
+            <a:schemeClr val="accent6"/>
+          </a:lnRef>
+          <a:fillRef idx="1">
+            <a:schemeClr val="lt1"/>
+          </a:fillRef>
+          <a:effectRef idx="0">
+            <a:schemeClr val="accent6"/>
+          </a:effectRef>
+          <a:fontRef idx="minor">
+            <a:schemeClr val="dk1"/>
+          </a:fontRef>
+        </p:style>
+        <p:txBody>
+          <a:bodyPr lIns="0" tIns="0" rIns="0" bIns="0" rtlCol="0" anchor="ctr"/>
+          <a:lstStyle/>
+          <a:p>
+            <a:pPr algn="ctr"/>
+            <a:r>
+              <a:rPr lang="en-US" dirty="0" smtClean="0">
+                <a:solidFill>
+                  <a:schemeClr val="tx1"/>
+                </a:solidFill>
+              </a:rPr>
+              <a:t>5</a:t>
+            </a:r>
+            <a:endParaRPr lang="en-US" dirty="0">
+              <a:solidFill>
+                <a:schemeClr val="tx1"/>
+              </a:solidFill>
+            </a:endParaRPr>
+          </a:p>
+        </p:txBody>
+      </p:sp>
+      <p:sp>
+        <p:nvSpPr>
+          <p:cNvPr id="45" name="Oval 44"/>
+          <p:cNvSpPr/>
+          <p:nvPr/>
+        </p:nvSpPr>
+        <p:spPr>
+          <a:xfrm>
+            <a:off x="2541570" y="5184810"/>
+            <a:ext cx="523245" cy="523245"/>
+          </a:xfrm>
+          <a:prstGeom prst="ellipse">
+            <a:avLst/>
+          </a:prstGeom>
+          <a:ln w="28575">
+            <a:solidFill>
+              <a:schemeClr val="tx1"/>
+            </a:solidFill>
+          </a:ln>
+        </p:spPr>
+        <p:style>
+          <a:lnRef idx="2">
+            <a:schemeClr val="accent6"/>
+          </a:lnRef>
+          <a:fillRef idx="1">
+            <a:schemeClr val="lt1"/>
+          </a:fillRef>
+          <a:effectRef idx="0">
+            <a:schemeClr val="accent6"/>
+          </a:effectRef>
+          <a:fontRef idx="minor">
+            <a:schemeClr val="dk1"/>
+          </a:fontRef>
+        </p:style>
+        <p:txBody>
+          <a:bodyPr lIns="0" tIns="0" rIns="0" bIns="0" rtlCol="0" anchor="ctr"/>
+          <a:lstStyle/>
+          <a:p>
+            <a:pPr algn="ctr"/>
+            <a:r>
+              <a:rPr lang="en-US" dirty="0" smtClean="0">
+                <a:solidFill>
+                  <a:schemeClr val="tx1"/>
+                </a:solidFill>
+              </a:rPr>
+              <a:t>2</a:t>
+            </a:r>
+            <a:endParaRPr lang="en-US" dirty="0">
+              <a:solidFill>
+                <a:schemeClr val="tx1"/>
+              </a:solidFill>
+            </a:endParaRPr>
+          </a:p>
+        </p:txBody>
+      </p:sp>
+      <p:cxnSp>
+        <p:nvCxnSpPr>
+          <p:cNvPr id="48" name="Straight Connector 47"/>
+          <p:cNvCxnSpPr>
+            <a:stCxn id="38" idx="3"/>
+            <a:endCxn id="44" idx="7"/>
+          </p:cNvCxnSpPr>
+          <p:nvPr/>
+        </p:nvCxnSpPr>
+        <p:spPr>
+          <a:xfrm flipH="1">
+            <a:off x="3607149" y="4285915"/>
+            <a:ext cx="633980" cy="304046"/>
+          </a:xfrm>
+          <a:prstGeom prst="line">
+            <a:avLst/>
+          </a:prstGeom>
+          <a:ln w="25400">
+            <a:solidFill>
+              <a:schemeClr val="tx1"/>
+            </a:solidFill>
+          </a:ln>
+        </p:spPr>
+        <p:style>
+          <a:lnRef idx="1">
+            <a:schemeClr val="accent1"/>
+          </a:lnRef>
+          <a:fillRef idx="0">
+            <a:schemeClr val="accent1"/>
+          </a:fillRef>
+          <a:effectRef idx="0">
+            <a:schemeClr val="accent1"/>
+          </a:effectRef>
+          <a:fontRef idx="minor">
+            <a:schemeClr val="tx1"/>
+          </a:fontRef>
+        </p:style>
+      </p:cxnSp>
+      <p:cxnSp>
+        <p:nvCxnSpPr>
+          <p:cNvPr id="50" name="Straight Connector 49"/>
+          <p:cNvCxnSpPr>
+            <a:stCxn id="44" idx="3"/>
+            <a:endCxn id="45" idx="7"/>
+          </p:cNvCxnSpPr>
+          <p:nvPr/>
+        </p:nvCxnSpPr>
+        <p:spPr>
+          <a:xfrm flipH="1">
+            <a:off x="2988188" y="4959952"/>
+            <a:ext cx="248970" cy="301485"/>
+          </a:xfrm>
+          <a:prstGeom prst="line">
+            <a:avLst/>
+          </a:prstGeom>
+          <a:ln w="25400">
+            <a:solidFill>
+              <a:schemeClr val="tx1"/>
+            </a:solidFill>
+          </a:ln>
+        </p:spPr>
+        <p:style>
+          <a:lnRef idx="1">
+            <a:schemeClr val="accent1"/>
+          </a:lnRef>
+          <a:fillRef idx="0">
+            <a:schemeClr val="accent1"/>
+          </a:fillRef>
+          <a:effectRef idx="0">
+            <a:schemeClr val="accent1"/>
+          </a:effectRef>
+          <a:fontRef idx="minor">
+            <a:schemeClr val="tx1"/>
+          </a:fontRef>
+        </p:style>
+      </p:cxnSp>
+      <p:sp>
+        <p:nvSpPr>
+          <p:cNvPr id="55" name="Oval 54"/>
+          <p:cNvSpPr/>
+          <p:nvPr/>
+        </p:nvSpPr>
+        <p:spPr>
+          <a:xfrm>
+            <a:off x="5176340" y="4513334"/>
+            <a:ext cx="523245" cy="523245"/>
+          </a:xfrm>
+          <a:prstGeom prst="ellipse">
+            <a:avLst/>
+          </a:prstGeom>
+          <a:ln w="28575">
+            <a:solidFill>
+              <a:schemeClr val="tx1"/>
+            </a:solidFill>
+          </a:ln>
+        </p:spPr>
+        <p:style>
+          <a:lnRef idx="2">
+            <a:schemeClr val="accent6"/>
+          </a:lnRef>
+          <a:fillRef idx="1">
+            <a:schemeClr val="lt1"/>
+          </a:fillRef>
+          <a:effectRef idx="0">
+            <a:schemeClr val="accent6"/>
+          </a:effectRef>
+          <a:fontRef idx="minor">
+            <a:schemeClr val="dk1"/>
+          </a:fontRef>
+        </p:style>
+        <p:txBody>
+          <a:bodyPr lIns="0" tIns="0" rIns="0" bIns="0" rtlCol="0" anchor="ctr"/>
+          <a:lstStyle/>
+          <a:p>
+            <a:pPr algn="ctr"/>
+            <a:r>
+              <a:rPr lang="en-US" dirty="0">
+                <a:solidFill>
+                  <a:schemeClr val="tx1"/>
+                </a:solidFill>
+              </a:rPr>
+              <a:t>3</a:t>
+            </a:r>
+            <a:r>
+              <a:rPr lang="en-US" dirty="0" smtClean="0">
+                <a:solidFill>
+                  <a:schemeClr val="tx1"/>
+                </a:solidFill>
+              </a:rPr>
+              <a:t>5</a:t>
+            </a:r>
+            <a:endParaRPr lang="en-US" dirty="0">
+              <a:solidFill>
+                <a:schemeClr val="tx1"/>
+              </a:solidFill>
+            </a:endParaRPr>
+          </a:p>
+        </p:txBody>
+      </p:sp>
+      <p:cxnSp>
+        <p:nvCxnSpPr>
+          <p:cNvPr id="56" name="Straight Connector 55"/>
+          <p:cNvCxnSpPr>
+            <a:stCxn id="38" idx="5"/>
+            <a:endCxn id="55" idx="1"/>
+          </p:cNvCxnSpPr>
+          <p:nvPr/>
+        </p:nvCxnSpPr>
+        <p:spPr>
+          <a:xfrm>
+            <a:off x="4611120" y="4285915"/>
+            <a:ext cx="641847" cy="304046"/>
+          </a:xfrm>
+          <a:prstGeom prst="line">
+            <a:avLst/>
+          </a:prstGeom>
+          <a:ln w="25400">
+            <a:solidFill>
+              <a:schemeClr val="tx1"/>
+            </a:solidFill>
+          </a:ln>
+        </p:spPr>
+        <p:style>
+          <a:lnRef idx="1">
+            <a:schemeClr val="accent1"/>
+          </a:lnRef>
+          <a:fillRef idx="0">
+            <a:schemeClr val="accent1"/>
+          </a:fillRef>
+          <a:effectRef idx="0">
+            <a:schemeClr val="accent1"/>
+          </a:effectRef>
+          <a:fontRef idx="minor">
+            <a:schemeClr val="tx1"/>
+          </a:fontRef>
+        </p:style>
+      </p:cxnSp>
+      <p:sp>
+        <p:nvSpPr>
+          <p:cNvPr id="66" name="Oval 65"/>
+          <p:cNvSpPr/>
+          <p:nvPr/>
+        </p:nvSpPr>
+        <p:spPr>
+          <a:xfrm flipH="1">
+            <a:off x="8641794" y="3691066"/>
+            <a:ext cx="523245" cy="523245"/>
+          </a:xfrm>
+          <a:prstGeom prst="ellipse">
+            <a:avLst/>
+          </a:prstGeom>
+          <a:ln w="28575">
+            <a:solidFill>
+              <a:schemeClr val="tx1"/>
+            </a:solidFill>
+          </a:ln>
+        </p:spPr>
+        <p:style>
+          <a:lnRef idx="2">
+            <a:schemeClr val="accent6"/>
+          </a:lnRef>
+          <a:fillRef idx="1">
+            <a:schemeClr val="lt1"/>
+          </a:fillRef>
+          <a:effectRef idx="0">
+            <a:schemeClr val="accent6"/>
+          </a:effectRef>
+          <a:fontRef idx="minor">
+            <a:schemeClr val="dk1"/>
+          </a:fontRef>
+        </p:style>
+        <p:txBody>
+          <a:bodyPr lIns="0" tIns="0" rIns="0" bIns="0" rtlCol="0" anchor="ctr"/>
+          <a:lstStyle/>
+          <a:p>
+            <a:pPr algn="ctr"/>
+            <a:r>
+              <a:rPr lang="en-US" dirty="0">
+                <a:solidFill>
+                  <a:schemeClr val="tx1"/>
+                </a:solidFill>
+              </a:rPr>
+              <a:t>5</a:t>
+            </a:r>
+            <a:r>
+              <a:rPr lang="en-US" dirty="0" smtClean="0">
+                <a:solidFill>
+                  <a:schemeClr val="tx1"/>
+                </a:solidFill>
+              </a:rPr>
+              <a:t>0</a:t>
+            </a:r>
+            <a:endParaRPr lang="en-US" dirty="0">
+              <a:solidFill>
+                <a:schemeClr val="tx1"/>
+              </a:solidFill>
+            </a:endParaRPr>
+          </a:p>
+        </p:txBody>
+      </p:sp>
+      <p:sp>
+        <p:nvSpPr>
+          <p:cNvPr id="67" name="Oval 66"/>
+          <p:cNvSpPr/>
+          <p:nvPr/>
+        </p:nvSpPr>
+        <p:spPr>
+          <a:xfrm flipH="1">
+            <a:off x="9645765" y="4365103"/>
+            <a:ext cx="523245" cy="523245"/>
+          </a:xfrm>
+          <a:prstGeom prst="ellipse">
+            <a:avLst/>
+          </a:prstGeom>
+          <a:ln w="28575">
+            <a:solidFill>
+              <a:schemeClr val="tx1"/>
+            </a:solidFill>
+          </a:ln>
+        </p:spPr>
+        <p:style>
+          <a:lnRef idx="2">
+            <a:schemeClr val="accent6"/>
+          </a:lnRef>
+          <a:fillRef idx="1">
+            <a:schemeClr val="lt1"/>
+          </a:fillRef>
+          <a:effectRef idx="0">
+            <a:schemeClr val="accent6"/>
+          </a:effectRef>
+          <a:fontRef idx="minor">
+            <a:schemeClr val="dk1"/>
+          </a:fontRef>
+        </p:style>
+        <p:txBody>
+          <a:bodyPr lIns="0" tIns="0" rIns="0" bIns="0" rtlCol="0" anchor="ctr"/>
+          <a:lstStyle/>
+          <a:p>
+            <a:pPr algn="ctr"/>
+            <a:r>
+              <a:rPr lang="en-US" dirty="0">
+                <a:solidFill>
+                  <a:schemeClr val="tx1"/>
+                </a:solidFill>
+              </a:rPr>
+              <a:t>7</a:t>
+            </a:r>
+            <a:r>
+              <a:rPr lang="en-US" dirty="0" smtClean="0">
+                <a:solidFill>
+                  <a:schemeClr val="tx1"/>
+                </a:solidFill>
+              </a:rPr>
+              <a:t>5</a:t>
+            </a:r>
+            <a:endParaRPr lang="en-US" dirty="0">
+              <a:solidFill>
+                <a:schemeClr val="tx1"/>
+              </a:solidFill>
+            </a:endParaRPr>
+          </a:p>
+        </p:txBody>
+      </p:sp>
+      <p:sp>
+        <p:nvSpPr>
+          <p:cNvPr id="68" name="Oval 67"/>
+          <p:cNvSpPr/>
+          <p:nvPr/>
+        </p:nvSpPr>
+        <p:spPr>
+          <a:xfrm flipH="1">
+            <a:off x="10264726" y="5036579"/>
+            <a:ext cx="523245" cy="523245"/>
+          </a:xfrm>
+          <a:prstGeom prst="ellipse">
+            <a:avLst/>
+          </a:prstGeom>
+          <a:ln w="28575">
+            <a:solidFill>
+              <a:schemeClr val="tx1"/>
+            </a:solidFill>
+          </a:ln>
+        </p:spPr>
+        <p:style>
+          <a:lnRef idx="2">
+            <a:schemeClr val="accent6"/>
+          </a:lnRef>
+          <a:fillRef idx="1">
+            <a:schemeClr val="lt1"/>
+          </a:fillRef>
+          <a:effectRef idx="0">
+            <a:schemeClr val="accent6"/>
+          </a:effectRef>
+          <a:fontRef idx="minor">
+            <a:schemeClr val="dk1"/>
+          </a:fontRef>
+        </p:style>
+        <p:txBody>
+          <a:bodyPr lIns="0" tIns="0" rIns="0" bIns="0" rtlCol="0" anchor="ctr"/>
+          <a:lstStyle/>
+          <a:p>
+            <a:pPr algn="ctr"/>
+            <a:r>
+              <a:rPr lang="en-US" dirty="0" smtClean="0">
+                <a:solidFill>
+                  <a:schemeClr val="tx1"/>
+                </a:solidFill>
+              </a:rPr>
+              <a:t>80</a:t>
+            </a:r>
+            <a:endParaRPr lang="en-US" dirty="0">
+              <a:solidFill>
+                <a:schemeClr val="tx1"/>
+              </a:solidFill>
+            </a:endParaRPr>
+          </a:p>
+        </p:txBody>
+      </p:sp>
+      <p:cxnSp>
+        <p:nvCxnSpPr>
+          <p:cNvPr id="69" name="Straight Connector 68"/>
+          <p:cNvCxnSpPr>
+            <a:stCxn id="68" idx="3"/>
+            <a:endCxn id="69" idx="7"/>
+          </p:cNvCxnSpPr>
+          <p:nvPr/>
+        </p:nvCxnSpPr>
+        <p:spPr>
+          <a:xfrm>
+            <a:off x="9088412" y="4137684"/>
+            <a:ext cx="633980" cy="304046"/>
+          </a:xfrm>
+          <a:prstGeom prst="line">
+            <a:avLst/>
+          </a:prstGeom>
+          <a:ln w="25400">
+            <a:solidFill>
+              <a:schemeClr val="tx1"/>
+            </a:solidFill>
+          </a:ln>
+        </p:spPr>
+        <p:style>
+          <a:lnRef idx="1">
+            <a:schemeClr val="accent1"/>
+          </a:lnRef>
+          <a:fillRef idx="0">
+            <a:schemeClr val="accent1"/>
+          </a:fillRef>
+          <a:effectRef idx="0">
+            <a:schemeClr val="accent1"/>
+          </a:effectRef>
+          <a:fontRef idx="minor">
+            <a:schemeClr val="tx1"/>
+          </a:fontRef>
+        </p:style>
+      </p:cxnSp>
+      <p:cxnSp>
+        <p:nvCxnSpPr>
+          <p:cNvPr id="70" name="Straight Connector 69"/>
+          <p:cNvCxnSpPr>
+            <a:stCxn id="69" idx="3"/>
+            <a:endCxn id="70" idx="7"/>
+          </p:cNvCxnSpPr>
+          <p:nvPr/>
+        </p:nvCxnSpPr>
+        <p:spPr>
+          <a:xfrm>
+            <a:off x="10092383" y="4811721"/>
+            <a:ext cx="248970" cy="301485"/>
+          </a:xfrm>
+          <a:prstGeom prst="line">
+            <a:avLst/>
+          </a:prstGeom>
+          <a:ln w="25400">
+            <a:solidFill>
+              <a:schemeClr val="tx1"/>
+            </a:solidFill>
+          </a:ln>
+        </p:spPr>
+        <p:style>
+          <a:lnRef idx="1">
+            <a:schemeClr val="accent1"/>
+          </a:lnRef>
+          <a:fillRef idx="0">
+            <a:schemeClr val="accent1"/>
+          </a:fillRef>
+          <a:effectRef idx="0">
+            <a:schemeClr val="accent1"/>
+          </a:effectRef>
+          <a:fontRef idx="minor">
+            <a:schemeClr val="tx1"/>
+          </a:fontRef>
+        </p:style>
+      </p:cxnSp>
+      <p:sp>
+        <p:nvSpPr>
+          <p:cNvPr id="71" name="Oval 70"/>
+          <p:cNvSpPr/>
+          <p:nvPr/>
+        </p:nvSpPr>
+        <p:spPr>
+          <a:xfrm flipH="1">
+            <a:off x="9026804" y="5036579"/>
+            <a:ext cx="523245" cy="523245"/>
+          </a:xfrm>
+          <a:prstGeom prst="ellipse">
+            <a:avLst/>
+          </a:prstGeom>
+          <a:ln w="28575">
+            <a:solidFill>
+              <a:schemeClr val="tx1"/>
+            </a:solidFill>
+          </a:ln>
+        </p:spPr>
+        <p:style>
+          <a:lnRef idx="2">
+            <a:schemeClr val="accent6"/>
+          </a:lnRef>
+          <a:fillRef idx="1">
+            <a:schemeClr val="lt1"/>
+          </a:fillRef>
+          <a:effectRef idx="0">
+            <a:schemeClr val="accent6"/>
+          </a:effectRef>
+          <a:fontRef idx="minor">
+            <a:schemeClr val="dk1"/>
+          </a:fontRef>
+        </p:style>
+        <p:txBody>
+          <a:bodyPr lIns="0" tIns="0" rIns="0" bIns="0" rtlCol="0" anchor="ctr"/>
+          <a:lstStyle/>
+          <a:p>
+            <a:pPr algn="ctr"/>
+            <a:r>
+              <a:rPr lang="en-US" dirty="0" smtClean="0">
+                <a:solidFill>
+                  <a:schemeClr val="tx1"/>
+                </a:solidFill>
+              </a:rPr>
+              <a:t>68</a:t>
+            </a:r>
+            <a:endParaRPr lang="en-US" dirty="0">
+              <a:solidFill>
+                <a:schemeClr val="tx1"/>
+              </a:solidFill>
+            </a:endParaRPr>
+          </a:p>
+        </p:txBody>
+      </p:sp>
+      <p:cxnSp>
+        <p:nvCxnSpPr>
+          <p:cNvPr id="72" name="Straight Connector 71"/>
+          <p:cNvCxnSpPr/>
+          <p:nvPr/>
+        </p:nvCxnSpPr>
+        <p:spPr>
+          <a:xfrm flipH="1">
+            <a:off x="9473422" y="4809160"/>
+            <a:ext cx="248970" cy="304046"/>
+          </a:xfrm>
+          <a:prstGeom prst="line">
+            <a:avLst/>
+          </a:prstGeom>
+          <a:ln w="25400">
+            <a:solidFill>
+              <a:schemeClr val="tx1"/>
+            </a:solidFill>
+          </a:ln>
+        </p:spPr>
+        <p:style>
+          <a:lnRef idx="1">
+            <a:schemeClr val="accent1"/>
+          </a:lnRef>
+          <a:fillRef idx="0">
+            <a:schemeClr val="accent1"/>
+          </a:fillRef>
+          <a:effectRef idx="0">
+            <a:schemeClr val="accent1"/>
+          </a:effectRef>
+          <a:fontRef idx="minor">
+            <a:schemeClr val="tx1"/>
+          </a:fontRef>
+        </p:style>
+      </p:cxnSp>
+    </p:spTree>
+    <p:extLst>
+      <p:ext uri="{BB962C8B-B14F-4D97-AF65-F5344CB8AC3E}">
+        <p14:creationId xmlns:p14="http://schemas.microsoft.com/office/powerpoint/2010/main" val="1064298776"/>
+      </p:ext>
+    </p:extLst>
+  </p:cSld>
+  <p:clrMapOvr>
+    <a:masterClrMapping/>
+  </p:clrMapOvr>
+</p:sld>
+</file>
+
+<file path=ppt/slides/slide37.xml><?xml version="1.0" encoding="utf-8"?>
+<p:sld xmlns:a="http://schemas.openxmlformats.org/drawingml/2006/main" xmlns:r="http://schemas.openxmlformats.org/officeDocument/2006/relationships" xmlns:p="http://schemas.openxmlformats.org/presentationml/2006/main">
+  <p:cSld>
+    <p:spTree>
+      <p:nvGrpSpPr>
+        <p:cNvPr id="1" name=""/>
+        <p:cNvGrpSpPr/>
+        <p:nvPr/>
+      </p:nvGrpSpPr>
+      <p:grpSpPr>
+        <a:xfrm>
+          <a:off x="0" y="0"/>
+          <a:ext cx="0" cy="0"/>
+          <a:chOff x="0" y="0"/>
+          <a:chExt cx="0" cy="0"/>
+        </a:xfrm>
+      </p:grpSpPr>
+      <p:grpSp>
+        <p:nvGrpSpPr>
+          <p:cNvPr id="2" name="Group 1"/>
+          <p:cNvGrpSpPr/>
+          <p:nvPr/>
+        </p:nvGrpSpPr>
+        <p:grpSpPr>
+          <a:xfrm flipH="1">
+            <a:off x="2726566" y="1435474"/>
+            <a:ext cx="3756883" cy="1868758"/>
+            <a:chOff x="2726566" y="1435474"/>
+            <a:chExt cx="3756883" cy="1868758"/>
+          </a:xfrm>
+        </p:grpSpPr>
+        <p:sp>
+          <p:nvSpPr>
+            <p:cNvPr id="4" name="Oval 3"/>
+            <p:cNvSpPr/>
+            <p:nvPr/>
+          </p:nvSpPr>
+          <p:spPr>
+            <a:xfrm>
+              <a:off x="4349498" y="1435474"/>
+              <a:ext cx="523245" cy="523245"/>
+            </a:xfrm>
+            <a:prstGeom prst="ellipse">
+              <a:avLst/>
+            </a:prstGeom>
+            <a:ln w="28575">
+              <a:solidFill>
+                <a:schemeClr val="tx1"/>
+              </a:solidFill>
+            </a:ln>
+          </p:spPr>
+          <p:style>
+            <a:lnRef idx="2">
+              <a:schemeClr val="accent6"/>
+            </a:lnRef>
+            <a:fillRef idx="1">
+              <a:schemeClr val="lt1"/>
+            </a:fillRef>
+            <a:effectRef idx="0">
+              <a:schemeClr val="accent6"/>
+            </a:effectRef>
+            <a:fontRef idx="minor">
+              <a:schemeClr val="dk1"/>
+            </a:fontRef>
+          </p:style>
+          <p:txBody>
+            <a:bodyPr lIns="0" tIns="0" rIns="0" bIns="0" rtlCol="0" anchor="ctr"/>
+            <a:lstStyle/>
+            <a:p>
+              <a:pPr algn="ctr"/>
+              <a:r>
+                <a:rPr lang="en-US" dirty="0">
+                  <a:solidFill>
+                    <a:schemeClr val="tx1"/>
+                  </a:solidFill>
+                </a:rPr>
+                <a:t>3</a:t>
+              </a:r>
+              <a:r>
+                <a:rPr lang="en-US" dirty="0" smtClean="0">
+                  <a:solidFill>
+                    <a:schemeClr val="tx1"/>
+                  </a:solidFill>
+                </a:rPr>
+                <a:t>0</a:t>
+              </a:r>
+              <a:endParaRPr lang="en-US" dirty="0">
+                <a:solidFill>
+                  <a:schemeClr val="tx1"/>
+                </a:solidFill>
+              </a:endParaRPr>
+            </a:p>
+          </p:txBody>
+        </p:sp>
+        <p:sp>
+          <p:nvSpPr>
+            <p:cNvPr id="5" name="Oval 4"/>
+            <p:cNvSpPr/>
+            <p:nvPr/>
+          </p:nvSpPr>
+          <p:spPr>
+            <a:xfrm>
+              <a:off x="3345527" y="2109511"/>
+              <a:ext cx="523245" cy="523245"/>
+            </a:xfrm>
+            <a:prstGeom prst="ellipse">
+              <a:avLst/>
+            </a:prstGeom>
+            <a:ln w="28575">
+              <a:solidFill>
+                <a:schemeClr val="tx1"/>
+              </a:solidFill>
+            </a:ln>
+          </p:spPr>
+          <p:style>
+            <a:lnRef idx="2">
+              <a:schemeClr val="accent6"/>
+            </a:lnRef>
+            <a:fillRef idx="1">
+              <a:schemeClr val="lt1"/>
+            </a:fillRef>
+            <a:effectRef idx="0">
+              <a:schemeClr val="accent6"/>
+            </a:effectRef>
+            <a:fontRef idx="minor">
+              <a:schemeClr val="dk1"/>
+            </a:fontRef>
+          </p:style>
+          <p:txBody>
+            <a:bodyPr lIns="0" tIns="0" rIns="0" bIns="0" rtlCol="0" anchor="ctr"/>
+            <a:lstStyle/>
+            <a:p>
+              <a:pPr algn="ctr"/>
+              <a:r>
+                <a:rPr lang="en-US" dirty="0" smtClean="0">
+                  <a:solidFill>
+                    <a:schemeClr val="tx1"/>
+                  </a:solidFill>
+                </a:rPr>
+                <a:t>40</a:t>
+              </a:r>
+              <a:endParaRPr lang="en-US" dirty="0">
+                <a:solidFill>
+                  <a:schemeClr val="tx1"/>
+                </a:solidFill>
+              </a:endParaRPr>
+            </a:p>
+          </p:txBody>
+        </p:sp>
+        <p:sp>
+          <p:nvSpPr>
+            <p:cNvPr id="6" name="Oval 5"/>
+            <p:cNvSpPr/>
+            <p:nvPr/>
+          </p:nvSpPr>
+          <p:spPr>
+            <a:xfrm>
+              <a:off x="2726566" y="2780987"/>
+              <a:ext cx="523245" cy="523245"/>
+            </a:xfrm>
+            <a:prstGeom prst="ellipse">
+              <a:avLst/>
+            </a:prstGeom>
+            <a:ln w="28575">
+              <a:solidFill>
+                <a:schemeClr val="tx1"/>
+              </a:solidFill>
+            </a:ln>
+          </p:spPr>
+          <p:style>
+            <a:lnRef idx="2">
+              <a:schemeClr val="accent6"/>
+            </a:lnRef>
+            <a:fillRef idx="1">
+              <a:schemeClr val="lt1"/>
+            </a:fillRef>
+            <a:effectRef idx="0">
+              <a:schemeClr val="accent6"/>
+            </a:effectRef>
+            <a:fontRef idx="minor">
+              <a:schemeClr val="dk1"/>
+            </a:fontRef>
+          </p:style>
+          <p:txBody>
+            <a:bodyPr lIns="0" tIns="0" rIns="0" bIns="0" rtlCol="0" anchor="ctr"/>
+            <a:lstStyle/>
+            <a:p>
+              <a:pPr algn="ctr"/>
+              <a:r>
+                <a:rPr lang="en-US" dirty="0" smtClean="0">
+                  <a:solidFill>
+                    <a:schemeClr val="tx1"/>
+                  </a:solidFill>
+                </a:rPr>
+                <a:t>80</a:t>
+              </a:r>
+              <a:endParaRPr lang="en-US" dirty="0">
+                <a:solidFill>
+                  <a:schemeClr val="tx1"/>
+                </a:solidFill>
+              </a:endParaRPr>
+            </a:p>
+          </p:txBody>
+        </p:sp>
+        <p:cxnSp>
+          <p:nvCxnSpPr>
+            <p:cNvPr id="8" name="Straight Connector 7"/>
+            <p:cNvCxnSpPr>
+              <a:stCxn id="4" idx="3"/>
+              <a:endCxn id="5" idx="7"/>
+            </p:cNvCxnSpPr>
+            <p:nvPr/>
+          </p:nvCxnSpPr>
+          <p:spPr>
+            <a:xfrm flipH="1">
+              <a:off x="3792145" y="1882092"/>
+              <a:ext cx="633980" cy="304046"/>
+            </a:xfrm>
+            <a:prstGeom prst="line">
+              <a:avLst/>
+            </a:prstGeom>
+            <a:ln w="25400">
+              <a:solidFill>
+                <a:schemeClr val="tx1"/>
+              </a:solidFill>
+            </a:ln>
+          </p:spPr>
+          <p:style>
+            <a:lnRef idx="1">
+              <a:schemeClr val="accent1"/>
+            </a:lnRef>
+            <a:fillRef idx="0">
+              <a:schemeClr val="accent1"/>
+            </a:fillRef>
+            <a:effectRef idx="0">
+              <a:schemeClr val="accent1"/>
+            </a:effectRef>
+            <a:fontRef idx="minor">
+              <a:schemeClr val="tx1"/>
+            </a:fontRef>
+          </p:style>
+        </p:cxnSp>
+        <p:cxnSp>
+          <p:nvCxnSpPr>
+            <p:cNvPr id="9" name="Straight Connector 8"/>
+            <p:cNvCxnSpPr>
+              <a:stCxn id="5" idx="3"/>
+              <a:endCxn id="6" idx="7"/>
+            </p:cNvCxnSpPr>
+            <p:nvPr/>
+          </p:nvCxnSpPr>
+          <p:spPr>
+            <a:xfrm flipH="1">
+              <a:off x="3173184" y="2556129"/>
+              <a:ext cx="248970" cy="301485"/>
+            </a:xfrm>
+            <a:prstGeom prst="line">
+              <a:avLst/>
+            </a:prstGeom>
+            <a:ln w="25400">
+              <a:solidFill>
+                <a:schemeClr val="tx1"/>
+              </a:solidFill>
+            </a:ln>
+          </p:spPr>
+          <p:style>
+            <a:lnRef idx="1">
+              <a:schemeClr val="accent1"/>
+            </a:lnRef>
+            <a:fillRef idx="0">
+              <a:schemeClr val="accent1"/>
+            </a:fillRef>
+            <a:effectRef idx="0">
+              <a:schemeClr val="accent1"/>
+            </a:effectRef>
+            <a:fontRef idx="minor">
+              <a:schemeClr val="tx1"/>
+            </a:fontRef>
+          </p:style>
+        </p:cxnSp>
+        <p:sp>
+          <p:nvSpPr>
+            <p:cNvPr id="17" name="Oval 16"/>
+            <p:cNvSpPr/>
+            <p:nvPr/>
+          </p:nvSpPr>
+          <p:spPr>
+            <a:xfrm>
+              <a:off x="5361336" y="2109511"/>
+              <a:ext cx="523245" cy="523245"/>
+            </a:xfrm>
+            <a:prstGeom prst="ellipse">
+              <a:avLst/>
+            </a:prstGeom>
+            <a:ln w="28575">
+              <a:solidFill>
+                <a:schemeClr val="tx1"/>
+              </a:solidFill>
+            </a:ln>
+          </p:spPr>
+          <p:style>
+            <a:lnRef idx="2">
+              <a:schemeClr val="accent6"/>
+            </a:lnRef>
+            <a:fillRef idx="1">
+              <a:schemeClr val="lt1"/>
+            </a:fillRef>
+            <a:effectRef idx="0">
+              <a:schemeClr val="accent6"/>
+            </a:effectRef>
+            <a:fontRef idx="minor">
+              <a:schemeClr val="dk1"/>
+            </a:fontRef>
+          </p:style>
+          <p:txBody>
+            <a:bodyPr lIns="0" tIns="0" rIns="0" bIns="0" rtlCol="0" anchor="ctr"/>
+            <a:lstStyle/>
+            <a:p>
+              <a:pPr algn="ctr"/>
+              <a:r>
+                <a:rPr lang="en-US" dirty="0" smtClean="0">
+                  <a:solidFill>
+                    <a:schemeClr val="tx1"/>
+                  </a:solidFill>
+                </a:rPr>
+                <a:t>5</a:t>
+              </a:r>
+              <a:endParaRPr lang="en-US" dirty="0">
+                <a:solidFill>
+                  <a:schemeClr val="tx1"/>
+                </a:solidFill>
+              </a:endParaRPr>
+            </a:p>
+          </p:txBody>
+        </p:sp>
+        <p:cxnSp>
+          <p:nvCxnSpPr>
+            <p:cNvPr id="24" name="Straight Connector 23"/>
+            <p:cNvCxnSpPr>
+              <a:stCxn id="4" idx="5"/>
+              <a:endCxn id="17" idx="1"/>
+            </p:cNvCxnSpPr>
+            <p:nvPr/>
+          </p:nvCxnSpPr>
+          <p:spPr>
+            <a:xfrm>
+              <a:off x="4796116" y="1882092"/>
+              <a:ext cx="641847" cy="304046"/>
+            </a:xfrm>
+            <a:prstGeom prst="line">
+              <a:avLst/>
+            </a:prstGeom>
+            <a:ln w="25400">
+              <a:solidFill>
+                <a:schemeClr val="tx1"/>
+              </a:solidFill>
+            </a:ln>
+          </p:spPr>
+          <p:style>
+            <a:lnRef idx="1">
+              <a:schemeClr val="accent1"/>
+            </a:lnRef>
+            <a:fillRef idx="0">
+              <a:schemeClr val="accent1"/>
+            </a:fillRef>
+            <a:effectRef idx="0">
+              <a:schemeClr val="accent1"/>
+            </a:effectRef>
+            <a:fontRef idx="minor">
+              <a:schemeClr val="tx1"/>
+            </a:fontRef>
+          </p:style>
+        </p:cxnSp>
+        <p:sp>
+          <p:nvSpPr>
+            <p:cNvPr id="35" name="Oval 34"/>
+            <p:cNvSpPr/>
+            <p:nvPr/>
+          </p:nvSpPr>
+          <p:spPr>
+            <a:xfrm>
+              <a:off x="5960204" y="2780987"/>
+              <a:ext cx="523245" cy="523245"/>
+            </a:xfrm>
+            <a:prstGeom prst="ellipse">
+              <a:avLst/>
+            </a:prstGeom>
+            <a:ln w="28575">
+              <a:solidFill>
+                <a:schemeClr val="tx1"/>
+              </a:solidFill>
+            </a:ln>
+          </p:spPr>
+          <p:style>
+            <a:lnRef idx="2">
+              <a:schemeClr val="accent6"/>
+            </a:lnRef>
+            <a:fillRef idx="1">
+              <a:schemeClr val="lt1"/>
+            </a:fillRef>
+            <a:effectRef idx="0">
+              <a:schemeClr val="accent6"/>
+            </a:effectRef>
+            <a:fontRef idx="minor">
+              <a:schemeClr val="dk1"/>
+            </a:fontRef>
+          </p:style>
+          <p:txBody>
+            <a:bodyPr lIns="0" tIns="0" rIns="0" bIns="0" rtlCol="0" anchor="ctr"/>
+            <a:lstStyle/>
+            <a:p>
+              <a:pPr algn="ctr"/>
+              <a:r>
+                <a:rPr lang="en-US" dirty="0" smtClean="0">
+                  <a:solidFill>
+                    <a:schemeClr val="tx1"/>
+                  </a:solidFill>
+                </a:rPr>
+                <a:t>2</a:t>
+              </a:r>
+              <a:endParaRPr lang="en-US" dirty="0">
+                <a:solidFill>
+                  <a:schemeClr val="tx1"/>
+                </a:solidFill>
+              </a:endParaRPr>
+            </a:p>
+          </p:txBody>
+        </p:sp>
+        <p:cxnSp>
+          <p:nvCxnSpPr>
+            <p:cNvPr id="37" name="Straight Connector 36"/>
+            <p:cNvCxnSpPr>
+              <a:endCxn id="35" idx="1"/>
+            </p:cNvCxnSpPr>
+            <p:nvPr/>
+          </p:nvCxnSpPr>
+          <p:spPr>
+            <a:xfrm>
+              <a:off x="5787861" y="2589856"/>
+              <a:ext cx="248970" cy="267758"/>
+            </a:xfrm>
+            <a:prstGeom prst="line">
+              <a:avLst/>
+            </a:prstGeom>
+            <a:ln w="25400">
+              <a:solidFill>
+                <a:schemeClr val="tx1"/>
+              </a:solidFill>
+            </a:ln>
+          </p:spPr>
+          <p:style>
+            <a:lnRef idx="1">
+              <a:schemeClr val="accent1"/>
+            </a:lnRef>
+            <a:fillRef idx="0">
+              <a:schemeClr val="accent1"/>
+            </a:fillRef>
+            <a:effectRef idx="0">
+              <a:schemeClr val="accent1"/>
+            </a:effectRef>
+            <a:fontRef idx="minor">
+              <a:schemeClr val="tx1"/>
+            </a:fontRef>
+          </p:style>
+        </p:cxnSp>
+      </p:grpSp>
+      <p:sp>
+        <p:nvSpPr>
+          <p:cNvPr id="38" name="Oval 37"/>
+          <p:cNvSpPr/>
+          <p:nvPr/>
+        </p:nvSpPr>
+        <p:spPr>
+          <a:xfrm>
+            <a:off x="4164502" y="3839297"/>
+            <a:ext cx="523245" cy="523245"/>
+          </a:xfrm>
+          <a:prstGeom prst="ellipse">
+            <a:avLst/>
+          </a:prstGeom>
+          <a:ln w="28575">
+            <a:solidFill>
+              <a:schemeClr val="tx1"/>
+            </a:solidFill>
+          </a:ln>
+        </p:spPr>
+        <p:style>
+          <a:lnRef idx="2">
+            <a:schemeClr val="accent6"/>
+          </a:lnRef>
+          <a:fillRef idx="1">
+            <a:schemeClr val="lt1"/>
+          </a:fillRef>
+          <a:effectRef idx="0">
+            <a:schemeClr val="accent6"/>
+          </a:effectRef>
+          <a:fontRef idx="minor">
+            <a:schemeClr val="dk1"/>
+          </a:fontRef>
+        </p:style>
+        <p:txBody>
+          <a:bodyPr lIns="0" tIns="0" rIns="0" bIns="0" rtlCol="0" anchor="ctr"/>
+          <a:lstStyle/>
+          <a:p>
+            <a:pPr algn="ctr"/>
+            <a:r>
+              <a:rPr lang="en-US" dirty="0">
+                <a:solidFill>
+                  <a:schemeClr val="tx1"/>
+                </a:solidFill>
+              </a:rPr>
+              <a:t>3</a:t>
+            </a:r>
+            <a:r>
+              <a:rPr lang="en-US" dirty="0" smtClean="0">
+                <a:solidFill>
+                  <a:schemeClr val="tx1"/>
+                </a:solidFill>
+              </a:rPr>
+              <a:t>0</a:t>
+            </a:r>
+            <a:endParaRPr lang="en-US" dirty="0">
+              <a:solidFill>
+                <a:schemeClr val="tx1"/>
+              </a:solidFill>
+            </a:endParaRPr>
+          </a:p>
+        </p:txBody>
+      </p:sp>
+      <p:sp>
+        <p:nvSpPr>
+          <p:cNvPr id="44" name="Oval 43"/>
+          <p:cNvSpPr/>
+          <p:nvPr/>
+        </p:nvSpPr>
+        <p:spPr>
+          <a:xfrm>
+            <a:off x="3160531" y="4513334"/>
+            <a:ext cx="523245" cy="523245"/>
+          </a:xfrm>
+          <a:prstGeom prst="ellipse">
+            <a:avLst/>
+          </a:prstGeom>
+          <a:ln w="28575">
+            <a:solidFill>
+              <a:schemeClr val="tx1"/>
+            </a:solidFill>
+          </a:ln>
+        </p:spPr>
+        <p:style>
+          <a:lnRef idx="2">
+            <a:schemeClr val="accent6"/>
+          </a:lnRef>
+          <a:fillRef idx="1">
+            <a:schemeClr val="lt1"/>
+          </a:fillRef>
+          <a:effectRef idx="0">
+            <a:schemeClr val="accent6"/>
+          </a:effectRef>
+          <a:fontRef idx="minor">
+            <a:schemeClr val="dk1"/>
+          </a:fontRef>
+        </p:style>
+        <p:txBody>
+          <a:bodyPr lIns="0" tIns="0" rIns="0" bIns="0" rtlCol="0" anchor="ctr"/>
+          <a:lstStyle/>
+          <a:p>
+            <a:pPr algn="ctr"/>
+            <a:r>
+              <a:rPr lang="en-US" dirty="0" smtClean="0">
+                <a:solidFill>
+                  <a:schemeClr val="tx1"/>
+                </a:solidFill>
+              </a:rPr>
+              <a:t>5</a:t>
+            </a:r>
+            <a:endParaRPr lang="en-US" dirty="0">
+              <a:solidFill>
+                <a:schemeClr val="tx1"/>
+              </a:solidFill>
+            </a:endParaRPr>
+          </a:p>
+        </p:txBody>
+      </p:sp>
+      <p:sp>
+        <p:nvSpPr>
+          <p:cNvPr id="45" name="Oval 44"/>
+          <p:cNvSpPr/>
+          <p:nvPr/>
+        </p:nvSpPr>
+        <p:spPr>
+          <a:xfrm>
+            <a:off x="2541570" y="5184810"/>
+            <a:ext cx="523245" cy="523245"/>
+          </a:xfrm>
+          <a:prstGeom prst="ellipse">
+            <a:avLst/>
+          </a:prstGeom>
+          <a:ln w="28575">
+            <a:solidFill>
+              <a:schemeClr val="tx1"/>
+            </a:solidFill>
+          </a:ln>
+        </p:spPr>
+        <p:style>
+          <a:lnRef idx="2">
+            <a:schemeClr val="accent6"/>
+          </a:lnRef>
+          <a:fillRef idx="1">
+            <a:schemeClr val="lt1"/>
+          </a:fillRef>
+          <a:effectRef idx="0">
+            <a:schemeClr val="accent6"/>
+          </a:effectRef>
+          <a:fontRef idx="minor">
+            <a:schemeClr val="dk1"/>
+          </a:fontRef>
+        </p:style>
+        <p:txBody>
+          <a:bodyPr lIns="0" tIns="0" rIns="0" bIns="0" rtlCol="0" anchor="ctr"/>
+          <a:lstStyle/>
+          <a:p>
+            <a:pPr algn="ctr"/>
+            <a:r>
+              <a:rPr lang="en-US" dirty="0" smtClean="0">
+                <a:solidFill>
+                  <a:schemeClr val="tx1"/>
+                </a:solidFill>
+              </a:rPr>
+              <a:t>2</a:t>
+            </a:r>
+            <a:endParaRPr lang="en-US" dirty="0">
+              <a:solidFill>
+                <a:schemeClr val="tx1"/>
+              </a:solidFill>
+            </a:endParaRPr>
+          </a:p>
+        </p:txBody>
+      </p:sp>
+      <p:cxnSp>
+        <p:nvCxnSpPr>
+          <p:cNvPr id="48" name="Straight Connector 47"/>
+          <p:cNvCxnSpPr>
+            <a:stCxn id="38" idx="3"/>
+            <a:endCxn id="44" idx="7"/>
+          </p:cNvCxnSpPr>
+          <p:nvPr/>
+        </p:nvCxnSpPr>
+        <p:spPr>
+          <a:xfrm flipH="1">
+            <a:off x="3607149" y="4285915"/>
+            <a:ext cx="633980" cy="304046"/>
+          </a:xfrm>
+          <a:prstGeom prst="line">
+            <a:avLst/>
+          </a:prstGeom>
+          <a:ln w="25400">
+            <a:solidFill>
+              <a:schemeClr val="tx1"/>
+            </a:solidFill>
+          </a:ln>
+        </p:spPr>
+        <p:style>
+          <a:lnRef idx="1">
+            <a:schemeClr val="accent1"/>
+          </a:lnRef>
+          <a:fillRef idx="0">
+            <a:schemeClr val="accent1"/>
+          </a:fillRef>
+          <a:effectRef idx="0">
+            <a:schemeClr val="accent1"/>
+          </a:effectRef>
+          <a:fontRef idx="minor">
+            <a:schemeClr val="tx1"/>
+          </a:fontRef>
+        </p:style>
+      </p:cxnSp>
+      <p:cxnSp>
+        <p:nvCxnSpPr>
+          <p:cNvPr id="50" name="Straight Connector 49"/>
+          <p:cNvCxnSpPr>
+            <a:stCxn id="44" idx="3"/>
+            <a:endCxn id="45" idx="7"/>
+          </p:cNvCxnSpPr>
+          <p:nvPr/>
+        </p:nvCxnSpPr>
+        <p:spPr>
+          <a:xfrm flipH="1">
+            <a:off x="2988188" y="4959952"/>
+            <a:ext cx="248970" cy="301485"/>
+          </a:xfrm>
+          <a:prstGeom prst="line">
+            <a:avLst/>
+          </a:prstGeom>
+          <a:ln w="25400">
+            <a:solidFill>
+              <a:schemeClr val="tx1"/>
+            </a:solidFill>
+          </a:ln>
+        </p:spPr>
+        <p:style>
+          <a:lnRef idx="1">
+            <a:schemeClr val="accent1"/>
+          </a:lnRef>
+          <a:fillRef idx="0">
+            <a:schemeClr val="accent1"/>
+          </a:fillRef>
+          <a:effectRef idx="0">
+            <a:schemeClr val="accent1"/>
+          </a:effectRef>
+          <a:fontRef idx="minor">
+            <a:schemeClr val="tx1"/>
+          </a:fontRef>
+        </p:style>
+      </p:cxnSp>
+      <p:sp>
+        <p:nvSpPr>
+          <p:cNvPr id="55" name="Oval 54"/>
+          <p:cNvSpPr/>
+          <p:nvPr/>
+        </p:nvSpPr>
+        <p:spPr>
+          <a:xfrm>
+            <a:off x="5176340" y="4513334"/>
+            <a:ext cx="523245" cy="523245"/>
+          </a:xfrm>
+          <a:prstGeom prst="ellipse">
+            <a:avLst/>
+          </a:prstGeom>
+          <a:ln w="28575">
+            <a:solidFill>
+              <a:schemeClr val="tx1"/>
+            </a:solidFill>
+          </a:ln>
+        </p:spPr>
+        <p:style>
+          <a:lnRef idx="2">
+            <a:schemeClr val="accent6"/>
+          </a:lnRef>
+          <a:fillRef idx="1">
+            <a:schemeClr val="lt1"/>
+          </a:fillRef>
+          <a:effectRef idx="0">
+            <a:schemeClr val="accent6"/>
+          </a:effectRef>
+          <a:fontRef idx="minor">
+            <a:schemeClr val="dk1"/>
+          </a:fontRef>
+        </p:style>
+        <p:txBody>
+          <a:bodyPr lIns="0" tIns="0" rIns="0" bIns="0" rtlCol="0" anchor="ctr"/>
+          <a:lstStyle/>
+          <a:p>
+            <a:pPr algn="ctr"/>
+            <a:r>
+              <a:rPr lang="en-US" dirty="0" smtClean="0">
+                <a:solidFill>
+                  <a:schemeClr val="tx1"/>
+                </a:solidFill>
+              </a:rPr>
+              <a:t>40</a:t>
+            </a:r>
+            <a:endParaRPr lang="en-US" dirty="0">
+              <a:solidFill>
+                <a:schemeClr val="tx1"/>
+              </a:solidFill>
+            </a:endParaRPr>
+          </a:p>
+        </p:txBody>
+      </p:sp>
+      <p:cxnSp>
+        <p:nvCxnSpPr>
+          <p:cNvPr id="56" name="Straight Connector 55"/>
+          <p:cNvCxnSpPr>
+            <a:stCxn id="38" idx="5"/>
+            <a:endCxn id="55" idx="1"/>
+          </p:cNvCxnSpPr>
+          <p:nvPr/>
+        </p:nvCxnSpPr>
+        <p:spPr>
+          <a:xfrm>
+            <a:off x="4611120" y="4285915"/>
+            <a:ext cx="641847" cy="304046"/>
+          </a:xfrm>
+          <a:prstGeom prst="line">
+            <a:avLst/>
+          </a:prstGeom>
+          <a:ln w="25400">
+            <a:solidFill>
+              <a:schemeClr val="tx1"/>
+            </a:solidFill>
+          </a:ln>
+        </p:spPr>
+        <p:style>
+          <a:lnRef idx="1">
+            <a:schemeClr val="accent1"/>
+          </a:lnRef>
+          <a:fillRef idx="0">
+            <a:schemeClr val="accent1"/>
+          </a:fillRef>
+          <a:effectRef idx="0">
+            <a:schemeClr val="accent1"/>
+          </a:effectRef>
+          <a:fontRef idx="minor">
+            <a:schemeClr val="tx1"/>
+          </a:fontRef>
+        </p:style>
+      </p:cxnSp>
+      <p:grpSp>
+        <p:nvGrpSpPr>
+          <p:cNvPr id="3" name="Group 2"/>
+          <p:cNvGrpSpPr/>
+          <p:nvPr/>
+        </p:nvGrpSpPr>
+        <p:grpSpPr>
+          <a:xfrm flipH="1">
+            <a:off x="6745531" y="3691066"/>
+            <a:ext cx="3756883" cy="1868758"/>
+            <a:chOff x="6745531" y="3691066"/>
+            <a:chExt cx="3756883" cy="1868758"/>
+          </a:xfrm>
+        </p:grpSpPr>
+        <p:sp>
+          <p:nvSpPr>
+            <p:cNvPr id="27" name="Oval 26"/>
+            <p:cNvSpPr/>
+            <p:nvPr/>
+          </p:nvSpPr>
+          <p:spPr>
+            <a:xfrm>
+              <a:off x="8368463" y="3691066"/>
+              <a:ext cx="523245" cy="523245"/>
+            </a:xfrm>
+            <a:prstGeom prst="ellipse">
+              <a:avLst/>
+            </a:prstGeom>
+            <a:ln w="28575">
+              <a:solidFill>
+                <a:schemeClr val="tx1"/>
+              </a:solidFill>
+            </a:ln>
+          </p:spPr>
+          <p:style>
+            <a:lnRef idx="2">
+              <a:schemeClr val="accent6"/>
+            </a:lnRef>
+            <a:fillRef idx="1">
+              <a:schemeClr val="lt1"/>
+            </a:fillRef>
+            <a:effectRef idx="0">
+              <a:schemeClr val="accent6"/>
+            </a:effectRef>
+            <a:fontRef idx="minor">
+              <a:schemeClr val="dk1"/>
+            </a:fontRef>
+          </p:style>
+          <p:txBody>
+            <a:bodyPr lIns="0" tIns="0" rIns="0" bIns="0" rtlCol="0" anchor="ctr"/>
+            <a:lstStyle/>
+            <a:p>
+              <a:pPr algn="ctr"/>
+              <a:r>
+                <a:rPr lang="en-US" dirty="0">
+                  <a:solidFill>
+                    <a:schemeClr val="tx1"/>
+                  </a:solidFill>
+                </a:rPr>
+                <a:t>3</a:t>
+              </a:r>
+              <a:r>
+                <a:rPr lang="en-US" dirty="0" smtClean="0">
+                  <a:solidFill>
+                    <a:schemeClr val="tx1"/>
+                  </a:solidFill>
+                </a:rPr>
+                <a:t>0</a:t>
+              </a:r>
+              <a:endParaRPr lang="en-US" dirty="0">
+                <a:solidFill>
+                  <a:schemeClr val="tx1"/>
+                </a:solidFill>
+              </a:endParaRPr>
+            </a:p>
+          </p:txBody>
+        </p:sp>
+        <p:sp>
+          <p:nvSpPr>
+            <p:cNvPr id="28" name="Oval 27"/>
+            <p:cNvSpPr/>
+            <p:nvPr/>
+          </p:nvSpPr>
+          <p:spPr>
+            <a:xfrm>
+              <a:off x="7364492" y="4365103"/>
+              <a:ext cx="523245" cy="523245"/>
+            </a:xfrm>
+            <a:prstGeom prst="ellipse">
+              <a:avLst/>
+            </a:prstGeom>
+            <a:ln w="28575">
+              <a:solidFill>
+                <a:schemeClr val="tx1"/>
+              </a:solidFill>
+            </a:ln>
+          </p:spPr>
+          <p:style>
+            <a:lnRef idx="2">
+              <a:schemeClr val="accent6"/>
+            </a:lnRef>
+            <a:fillRef idx="1">
+              <a:schemeClr val="lt1"/>
+            </a:fillRef>
+            <a:effectRef idx="0">
+              <a:schemeClr val="accent6"/>
+            </a:effectRef>
+            <a:fontRef idx="minor">
+              <a:schemeClr val="dk1"/>
+            </a:fontRef>
+          </p:style>
+          <p:txBody>
+            <a:bodyPr lIns="0" tIns="0" rIns="0" bIns="0" rtlCol="0" anchor="ctr"/>
+            <a:lstStyle/>
+            <a:p>
+              <a:pPr algn="ctr"/>
+              <a:r>
+                <a:rPr lang="en-US" dirty="0" smtClean="0">
+                  <a:solidFill>
+                    <a:schemeClr val="tx1"/>
+                  </a:solidFill>
+                </a:rPr>
+                <a:t>40</a:t>
+              </a:r>
+              <a:endParaRPr lang="en-US" dirty="0">
+                <a:solidFill>
+                  <a:schemeClr val="tx1"/>
+                </a:solidFill>
+              </a:endParaRPr>
+            </a:p>
+          </p:txBody>
+        </p:sp>
+        <p:sp>
+          <p:nvSpPr>
+            <p:cNvPr id="29" name="Oval 28"/>
+            <p:cNvSpPr/>
+            <p:nvPr/>
+          </p:nvSpPr>
+          <p:spPr>
+            <a:xfrm>
+              <a:off x="6745531" y="5036579"/>
+              <a:ext cx="523245" cy="523245"/>
+            </a:xfrm>
+            <a:prstGeom prst="ellipse">
+              <a:avLst/>
+            </a:prstGeom>
+            <a:ln w="28575">
+              <a:solidFill>
+                <a:schemeClr val="tx1"/>
+              </a:solidFill>
+            </a:ln>
+          </p:spPr>
+          <p:style>
+            <a:lnRef idx="2">
+              <a:schemeClr val="accent6"/>
+            </a:lnRef>
+            <a:fillRef idx="1">
+              <a:schemeClr val="lt1"/>
+            </a:fillRef>
+            <a:effectRef idx="0">
+              <a:schemeClr val="accent6"/>
+            </a:effectRef>
+            <a:fontRef idx="minor">
+              <a:schemeClr val="dk1"/>
+            </a:fontRef>
+          </p:style>
+          <p:txBody>
+            <a:bodyPr lIns="0" tIns="0" rIns="0" bIns="0" rtlCol="0" anchor="ctr"/>
+            <a:lstStyle/>
+            <a:p>
+              <a:pPr algn="ctr"/>
+              <a:r>
+                <a:rPr lang="en-US" dirty="0" smtClean="0">
+                  <a:solidFill>
+                    <a:schemeClr val="tx1"/>
+                  </a:solidFill>
+                </a:rPr>
+                <a:t>80</a:t>
+              </a:r>
+              <a:endParaRPr lang="en-US" dirty="0">
+                <a:solidFill>
+                  <a:schemeClr val="tx1"/>
+                </a:solidFill>
+              </a:endParaRPr>
+            </a:p>
+          </p:txBody>
+        </p:sp>
+        <p:cxnSp>
+          <p:nvCxnSpPr>
+            <p:cNvPr id="30" name="Straight Connector 29"/>
+            <p:cNvCxnSpPr>
+              <a:stCxn id="29" idx="3"/>
+              <a:endCxn id="30" idx="7"/>
+            </p:cNvCxnSpPr>
+            <p:nvPr/>
+          </p:nvCxnSpPr>
+          <p:spPr>
+            <a:xfrm flipH="1">
+              <a:off x="7811110" y="4137684"/>
+              <a:ext cx="633980" cy="304046"/>
+            </a:xfrm>
+            <a:prstGeom prst="line">
+              <a:avLst/>
+            </a:prstGeom>
+            <a:ln w="25400">
+              <a:solidFill>
+                <a:schemeClr val="tx1"/>
+              </a:solidFill>
+            </a:ln>
+          </p:spPr>
+          <p:style>
+            <a:lnRef idx="1">
+              <a:schemeClr val="accent1"/>
+            </a:lnRef>
+            <a:fillRef idx="0">
+              <a:schemeClr val="accent1"/>
+            </a:fillRef>
+            <a:effectRef idx="0">
+              <a:schemeClr val="accent1"/>
+            </a:effectRef>
+            <a:fontRef idx="minor">
+              <a:schemeClr val="tx1"/>
+            </a:fontRef>
+          </p:style>
+        </p:cxnSp>
+        <p:cxnSp>
+          <p:nvCxnSpPr>
+            <p:cNvPr id="31" name="Straight Connector 30"/>
+            <p:cNvCxnSpPr>
+              <a:stCxn id="30" idx="3"/>
+              <a:endCxn id="31" idx="7"/>
+            </p:cNvCxnSpPr>
+            <p:nvPr/>
+          </p:nvCxnSpPr>
+          <p:spPr>
+            <a:xfrm flipH="1">
+              <a:off x="7192149" y="4811721"/>
+              <a:ext cx="248970" cy="301485"/>
+            </a:xfrm>
+            <a:prstGeom prst="line">
+              <a:avLst/>
+            </a:prstGeom>
+            <a:ln w="25400">
+              <a:solidFill>
+                <a:schemeClr val="tx1"/>
+              </a:solidFill>
+            </a:ln>
+          </p:spPr>
+          <p:style>
+            <a:lnRef idx="1">
+              <a:schemeClr val="accent1"/>
+            </a:lnRef>
+            <a:fillRef idx="0">
+              <a:schemeClr val="accent1"/>
+            </a:fillRef>
+            <a:effectRef idx="0">
+              <a:schemeClr val="accent1"/>
+            </a:effectRef>
+            <a:fontRef idx="minor">
+              <a:schemeClr val="tx1"/>
+            </a:fontRef>
+          </p:style>
+        </p:cxnSp>
+        <p:sp>
+          <p:nvSpPr>
+            <p:cNvPr id="32" name="Oval 31"/>
+            <p:cNvSpPr/>
+            <p:nvPr/>
+          </p:nvSpPr>
+          <p:spPr>
+            <a:xfrm>
+              <a:off x="7983453" y="5036579"/>
+              <a:ext cx="523245" cy="523245"/>
+            </a:xfrm>
+            <a:prstGeom prst="ellipse">
+              <a:avLst/>
+            </a:prstGeom>
+            <a:ln w="28575">
+              <a:solidFill>
+                <a:schemeClr val="tx1"/>
+              </a:solidFill>
+            </a:ln>
+          </p:spPr>
+          <p:style>
+            <a:lnRef idx="2">
+              <a:schemeClr val="accent6"/>
+            </a:lnRef>
+            <a:fillRef idx="1">
+              <a:schemeClr val="lt1"/>
+            </a:fillRef>
+            <a:effectRef idx="0">
+              <a:schemeClr val="accent6"/>
+            </a:effectRef>
+            <a:fontRef idx="minor">
+              <a:schemeClr val="dk1"/>
+            </a:fontRef>
+          </p:style>
+          <p:txBody>
+            <a:bodyPr lIns="0" tIns="0" rIns="0" bIns="0" rtlCol="0" anchor="ctr"/>
+            <a:lstStyle/>
+            <a:p>
+              <a:pPr algn="ctr"/>
+              <a:r>
+                <a:rPr lang="en-US" dirty="0" smtClean="0">
+                  <a:solidFill>
+                    <a:schemeClr val="tx1"/>
+                  </a:solidFill>
+                </a:rPr>
+                <a:t>35</a:t>
+              </a:r>
+              <a:endParaRPr lang="en-US" dirty="0">
+                <a:solidFill>
+                  <a:schemeClr val="tx1"/>
+                </a:solidFill>
+              </a:endParaRPr>
+            </a:p>
+          </p:txBody>
+        </p:sp>
+        <p:cxnSp>
+          <p:nvCxnSpPr>
+            <p:cNvPr id="33" name="Straight Connector 32"/>
+            <p:cNvCxnSpPr/>
+            <p:nvPr/>
+          </p:nvCxnSpPr>
+          <p:spPr>
+            <a:xfrm>
+              <a:off x="7811110" y="4809160"/>
+              <a:ext cx="248970" cy="304046"/>
+            </a:xfrm>
+            <a:prstGeom prst="line">
+              <a:avLst/>
+            </a:prstGeom>
+            <a:ln w="25400">
+              <a:solidFill>
+                <a:schemeClr val="tx1"/>
+              </a:solidFill>
+            </a:ln>
+          </p:spPr>
+          <p:style>
+            <a:lnRef idx="1">
+              <a:schemeClr val="accent1"/>
+            </a:lnRef>
+            <a:fillRef idx="0">
+              <a:schemeClr val="accent1"/>
+            </a:fillRef>
+            <a:effectRef idx="0">
+              <a:schemeClr val="accent1"/>
+            </a:effectRef>
+            <a:fontRef idx="minor">
+              <a:schemeClr val="tx1"/>
+            </a:fontRef>
+          </p:style>
+        </p:cxnSp>
+        <p:sp>
+          <p:nvSpPr>
+            <p:cNvPr id="34" name="Oval 33"/>
+            <p:cNvSpPr/>
+            <p:nvPr/>
+          </p:nvSpPr>
+          <p:spPr>
+            <a:xfrm>
+              <a:off x="9380301" y="4365103"/>
+              <a:ext cx="523245" cy="523245"/>
+            </a:xfrm>
+            <a:prstGeom prst="ellipse">
+              <a:avLst/>
+            </a:prstGeom>
+            <a:ln w="28575">
+              <a:solidFill>
+                <a:schemeClr val="tx1"/>
+              </a:solidFill>
+            </a:ln>
+          </p:spPr>
+          <p:style>
+            <a:lnRef idx="2">
+              <a:schemeClr val="accent6"/>
+            </a:lnRef>
+            <a:fillRef idx="1">
+              <a:schemeClr val="lt1"/>
+            </a:fillRef>
+            <a:effectRef idx="0">
+              <a:schemeClr val="accent6"/>
+            </a:effectRef>
+            <a:fontRef idx="minor">
+              <a:schemeClr val="dk1"/>
+            </a:fontRef>
+          </p:style>
+          <p:txBody>
+            <a:bodyPr lIns="0" tIns="0" rIns="0" bIns="0" rtlCol="0" anchor="ctr"/>
+            <a:lstStyle/>
+            <a:p>
+              <a:pPr algn="ctr"/>
+              <a:r>
+                <a:rPr lang="en-US" dirty="0" smtClean="0">
+                  <a:solidFill>
+                    <a:schemeClr val="tx1"/>
+                  </a:solidFill>
+                </a:rPr>
+                <a:t>5</a:t>
+              </a:r>
+              <a:endParaRPr lang="en-US" dirty="0">
+                <a:solidFill>
+                  <a:schemeClr val="tx1"/>
+                </a:solidFill>
+              </a:endParaRPr>
+            </a:p>
+          </p:txBody>
+        </p:sp>
+        <p:cxnSp>
+          <p:nvCxnSpPr>
+            <p:cNvPr id="36" name="Straight Connector 35"/>
+            <p:cNvCxnSpPr>
+              <a:stCxn id="29" idx="5"/>
+            </p:cNvCxnSpPr>
+            <p:nvPr/>
+          </p:nvCxnSpPr>
+          <p:spPr>
+            <a:xfrm>
+              <a:off x="8815081" y="4137684"/>
+              <a:ext cx="641847" cy="304046"/>
+            </a:xfrm>
+            <a:prstGeom prst="line">
+              <a:avLst/>
+            </a:prstGeom>
+            <a:ln w="25400">
+              <a:solidFill>
+                <a:schemeClr val="tx1"/>
+              </a:solidFill>
+            </a:ln>
+          </p:spPr>
+          <p:style>
+            <a:lnRef idx="1">
+              <a:schemeClr val="accent1"/>
+            </a:lnRef>
+            <a:fillRef idx="0">
+              <a:schemeClr val="accent1"/>
+            </a:fillRef>
+            <a:effectRef idx="0">
+              <a:schemeClr val="accent1"/>
+            </a:effectRef>
+            <a:fontRef idx="minor">
+              <a:schemeClr val="tx1"/>
+            </a:fontRef>
+          </p:style>
+        </p:cxnSp>
+        <p:sp>
+          <p:nvSpPr>
+            <p:cNvPr id="39" name="Oval 38"/>
+            <p:cNvSpPr/>
+            <p:nvPr/>
+          </p:nvSpPr>
+          <p:spPr>
+            <a:xfrm>
+              <a:off x="9979169" y="5036579"/>
+              <a:ext cx="523245" cy="523245"/>
+            </a:xfrm>
+            <a:prstGeom prst="ellipse">
+              <a:avLst/>
+            </a:prstGeom>
+            <a:ln w="28575">
+              <a:solidFill>
+                <a:schemeClr val="tx1"/>
+              </a:solidFill>
+            </a:ln>
+          </p:spPr>
+          <p:style>
+            <a:lnRef idx="2">
+              <a:schemeClr val="accent6"/>
+            </a:lnRef>
+            <a:fillRef idx="1">
+              <a:schemeClr val="lt1"/>
+            </a:fillRef>
+            <a:effectRef idx="0">
+              <a:schemeClr val="accent6"/>
+            </a:effectRef>
+            <a:fontRef idx="minor">
+              <a:schemeClr val="dk1"/>
+            </a:fontRef>
+          </p:style>
+          <p:txBody>
+            <a:bodyPr lIns="0" tIns="0" rIns="0" bIns="0" rtlCol="0" anchor="ctr"/>
+            <a:lstStyle/>
+            <a:p>
+              <a:pPr algn="ctr"/>
+              <a:r>
+                <a:rPr lang="en-US" dirty="0" smtClean="0">
+                  <a:solidFill>
+                    <a:schemeClr val="tx1"/>
+                  </a:solidFill>
+                </a:rPr>
+                <a:t>2</a:t>
+              </a:r>
+              <a:endParaRPr lang="en-US" dirty="0">
+                <a:solidFill>
+                  <a:schemeClr val="tx1"/>
+                </a:solidFill>
+              </a:endParaRPr>
+            </a:p>
+          </p:txBody>
+        </p:sp>
+        <p:cxnSp>
+          <p:nvCxnSpPr>
+            <p:cNvPr id="40" name="Straight Connector 39"/>
+            <p:cNvCxnSpPr/>
+            <p:nvPr/>
+          </p:nvCxnSpPr>
+          <p:spPr>
+            <a:xfrm>
+              <a:off x="9806826" y="4845448"/>
+              <a:ext cx="248970" cy="267758"/>
+            </a:xfrm>
+            <a:prstGeom prst="line">
+              <a:avLst/>
+            </a:prstGeom>
+            <a:ln w="25400">
+              <a:solidFill>
+                <a:schemeClr val="tx1"/>
+              </a:solidFill>
+            </a:ln>
+          </p:spPr>
+          <p:style>
+            <a:lnRef idx="1">
+              <a:schemeClr val="accent1"/>
+            </a:lnRef>
+            <a:fillRef idx="0">
+              <a:schemeClr val="accent1"/>
+            </a:fillRef>
+            <a:effectRef idx="0">
+              <a:schemeClr val="accent1"/>
+            </a:effectRef>
+            <a:fontRef idx="minor">
+              <a:schemeClr val="tx1"/>
+            </a:fontRef>
+          </p:style>
+        </p:cxnSp>
+      </p:grpSp>
+    </p:spTree>
+    <p:extLst>
+      <p:ext uri="{BB962C8B-B14F-4D97-AF65-F5344CB8AC3E}">
+        <p14:creationId xmlns:p14="http://schemas.microsoft.com/office/powerpoint/2010/main" val="2023249232"/>
+      </p:ext>
+    </p:extLst>
+  </p:cSld>
+  <p:clrMapOvr>
+    <a:masterClrMapping/>
+  </p:clrMapOvr>
+</p:sld>
+</file>
+
+<file path=ppt/slides/slide38.xml><?xml version="1.0" encoding="utf-8"?>
+<p:sld xmlns:a="http://schemas.openxmlformats.org/drawingml/2006/main" xmlns:r="http://schemas.openxmlformats.org/officeDocument/2006/relationships" xmlns:p="http://schemas.openxmlformats.org/presentationml/2006/main">
+  <p:cSld>
+    <p:spTree>
+      <p:nvGrpSpPr>
+        <p:cNvPr id="1" name=""/>
+        <p:cNvGrpSpPr/>
+        <p:nvPr/>
+      </p:nvGrpSpPr>
+      <p:grpSpPr>
+        <a:xfrm>
+          <a:off x="0" y="0"/>
+          <a:ext cx="0" cy="0"/>
+          <a:chOff x="0" y="0"/>
+          <a:chExt cx="0" cy="0"/>
+        </a:xfrm>
+      </p:grpSpPr>
+      <p:grpSp>
+        <p:nvGrpSpPr>
+          <p:cNvPr id="2" name="Group 1"/>
+          <p:cNvGrpSpPr/>
+          <p:nvPr/>
+        </p:nvGrpSpPr>
+        <p:grpSpPr>
+          <a:xfrm flipH="1">
+            <a:off x="2726566" y="1435474"/>
+            <a:ext cx="3756883" cy="1868758"/>
+            <a:chOff x="2726566" y="1435474"/>
+            <a:chExt cx="3756883" cy="1868758"/>
+          </a:xfrm>
+        </p:grpSpPr>
+        <p:sp>
+          <p:nvSpPr>
+            <p:cNvPr id="4" name="Oval 3"/>
+            <p:cNvSpPr/>
+            <p:nvPr/>
+          </p:nvSpPr>
+          <p:spPr>
+            <a:xfrm>
+              <a:off x="4349498" y="1435474"/>
+              <a:ext cx="523245" cy="523245"/>
+            </a:xfrm>
+            <a:prstGeom prst="ellipse">
+              <a:avLst/>
+            </a:prstGeom>
+            <a:ln w="28575">
+              <a:solidFill>
+                <a:schemeClr val="tx1"/>
+              </a:solidFill>
+            </a:ln>
+          </p:spPr>
+          <p:style>
+            <a:lnRef idx="2">
+              <a:schemeClr val="accent6"/>
+            </a:lnRef>
+            <a:fillRef idx="1">
+              <a:schemeClr val="lt1"/>
+            </a:fillRef>
+            <a:effectRef idx="0">
+              <a:schemeClr val="accent6"/>
+            </a:effectRef>
+            <a:fontRef idx="minor">
+              <a:schemeClr val="dk1"/>
+            </a:fontRef>
+          </p:style>
+          <p:txBody>
+            <a:bodyPr lIns="0" tIns="0" rIns="0" bIns="0" rtlCol="0" anchor="ctr"/>
+            <a:lstStyle/>
+            <a:p>
+              <a:pPr algn="ctr"/>
+              <a:r>
+                <a:rPr lang="en-US" dirty="0">
+                  <a:solidFill>
+                    <a:schemeClr val="tx1"/>
+                  </a:solidFill>
+                </a:rPr>
+                <a:t>3</a:t>
+              </a:r>
+              <a:r>
+                <a:rPr lang="en-US" dirty="0" smtClean="0">
+                  <a:solidFill>
+                    <a:schemeClr val="tx1"/>
+                  </a:solidFill>
+                </a:rPr>
+                <a:t>0</a:t>
+              </a:r>
+              <a:endParaRPr lang="en-US" dirty="0">
+                <a:solidFill>
+                  <a:schemeClr val="tx1"/>
+                </a:solidFill>
+              </a:endParaRPr>
+            </a:p>
+          </p:txBody>
+        </p:sp>
+        <p:sp>
+          <p:nvSpPr>
+            <p:cNvPr id="5" name="Oval 4"/>
+            <p:cNvSpPr/>
+            <p:nvPr/>
+          </p:nvSpPr>
+          <p:spPr>
+            <a:xfrm>
+              <a:off x="3345527" y="2109511"/>
+              <a:ext cx="523245" cy="523245"/>
+            </a:xfrm>
+            <a:prstGeom prst="ellipse">
+              <a:avLst/>
+            </a:prstGeom>
+            <a:ln w="28575">
+              <a:solidFill>
+                <a:schemeClr val="tx1"/>
+              </a:solidFill>
+            </a:ln>
+          </p:spPr>
+          <p:style>
+            <a:lnRef idx="2">
+              <a:schemeClr val="accent6"/>
+            </a:lnRef>
+            <a:fillRef idx="1">
+              <a:schemeClr val="lt1"/>
+            </a:fillRef>
+            <a:effectRef idx="0">
+              <a:schemeClr val="accent6"/>
+            </a:effectRef>
+            <a:fontRef idx="minor">
+              <a:schemeClr val="dk1"/>
+            </a:fontRef>
+          </p:style>
+          <p:txBody>
+            <a:bodyPr lIns="0" tIns="0" rIns="0" bIns="0" rtlCol="0" anchor="ctr"/>
+            <a:lstStyle/>
+            <a:p>
+              <a:pPr algn="ctr"/>
+              <a:r>
+                <a:rPr lang="en-US" b="1" dirty="0" smtClean="0">
+                  <a:solidFill>
+                    <a:schemeClr val="tx1"/>
+                  </a:solidFill>
+                </a:rPr>
+                <a:t>40</a:t>
+              </a:r>
+              <a:endParaRPr lang="en-US" b="1" dirty="0">
+                <a:solidFill>
+                  <a:schemeClr val="tx1"/>
+                </a:solidFill>
+              </a:endParaRPr>
+            </a:p>
+          </p:txBody>
+        </p:sp>
+        <p:sp>
+          <p:nvSpPr>
+            <p:cNvPr id="6" name="Oval 5"/>
+            <p:cNvSpPr/>
+            <p:nvPr/>
+          </p:nvSpPr>
+          <p:spPr>
+            <a:xfrm>
+              <a:off x="2726566" y="2780987"/>
+              <a:ext cx="523245" cy="523245"/>
+            </a:xfrm>
+            <a:prstGeom prst="ellipse">
+              <a:avLst/>
+            </a:prstGeom>
+            <a:ln w="28575">
+              <a:solidFill>
+                <a:schemeClr val="tx1"/>
+              </a:solidFill>
+            </a:ln>
+          </p:spPr>
+          <p:style>
+            <a:lnRef idx="2">
+              <a:schemeClr val="accent6"/>
+            </a:lnRef>
+            <a:fillRef idx="1">
+              <a:schemeClr val="lt1"/>
+            </a:fillRef>
+            <a:effectRef idx="0">
+              <a:schemeClr val="accent6"/>
+            </a:effectRef>
+            <a:fontRef idx="minor">
+              <a:schemeClr val="dk1"/>
+            </a:fontRef>
+          </p:style>
+          <p:txBody>
+            <a:bodyPr lIns="0" tIns="0" rIns="0" bIns="0" rtlCol="0" anchor="ctr"/>
+            <a:lstStyle/>
+            <a:p>
+              <a:pPr algn="ctr"/>
+              <a:r>
+                <a:rPr lang="en-US" dirty="0" smtClean="0">
+                  <a:solidFill>
+                    <a:schemeClr val="tx1"/>
+                  </a:solidFill>
+                </a:rPr>
+                <a:t>80</a:t>
+              </a:r>
+              <a:endParaRPr lang="en-US" dirty="0">
+                <a:solidFill>
+                  <a:schemeClr val="tx1"/>
+                </a:solidFill>
+              </a:endParaRPr>
+            </a:p>
+          </p:txBody>
+        </p:sp>
+        <p:cxnSp>
+          <p:nvCxnSpPr>
+            <p:cNvPr id="8" name="Straight Connector 7"/>
+            <p:cNvCxnSpPr>
+              <a:stCxn id="4" idx="3"/>
+              <a:endCxn id="5" idx="7"/>
+            </p:cNvCxnSpPr>
+            <p:nvPr/>
+          </p:nvCxnSpPr>
+          <p:spPr>
+            <a:xfrm flipH="1">
+              <a:off x="3792145" y="1882092"/>
+              <a:ext cx="633980" cy="304046"/>
+            </a:xfrm>
+            <a:prstGeom prst="line">
+              <a:avLst/>
+            </a:prstGeom>
+            <a:ln w="25400">
+              <a:solidFill>
+                <a:schemeClr val="tx1"/>
+              </a:solidFill>
+            </a:ln>
+          </p:spPr>
+          <p:style>
+            <a:lnRef idx="1">
+              <a:schemeClr val="accent1"/>
+            </a:lnRef>
+            <a:fillRef idx="0">
+              <a:schemeClr val="accent1"/>
+            </a:fillRef>
+            <a:effectRef idx="0">
+              <a:schemeClr val="accent1"/>
+            </a:effectRef>
+            <a:fontRef idx="minor">
+              <a:schemeClr val="tx1"/>
+            </a:fontRef>
+          </p:style>
+        </p:cxnSp>
+        <p:cxnSp>
+          <p:nvCxnSpPr>
+            <p:cNvPr id="9" name="Straight Connector 8"/>
+            <p:cNvCxnSpPr>
+              <a:stCxn id="5" idx="3"/>
+              <a:endCxn id="6" idx="7"/>
+            </p:cNvCxnSpPr>
+            <p:nvPr/>
+          </p:nvCxnSpPr>
+          <p:spPr>
+            <a:xfrm flipH="1">
+              <a:off x="3173184" y="2556129"/>
+              <a:ext cx="248970" cy="301485"/>
+            </a:xfrm>
+            <a:prstGeom prst="line">
+              <a:avLst/>
+            </a:prstGeom>
+            <a:ln w="25400">
+              <a:solidFill>
+                <a:schemeClr val="tx1"/>
+              </a:solidFill>
+            </a:ln>
+          </p:spPr>
+          <p:style>
+            <a:lnRef idx="1">
+              <a:schemeClr val="accent1"/>
+            </a:lnRef>
+            <a:fillRef idx="0">
+              <a:schemeClr val="accent1"/>
+            </a:fillRef>
+            <a:effectRef idx="0">
+              <a:schemeClr val="accent1"/>
+            </a:effectRef>
+            <a:fontRef idx="minor">
+              <a:schemeClr val="tx1"/>
+            </a:fontRef>
+          </p:style>
+        </p:cxnSp>
+        <p:sp>
+          <p:nvSpPr>
+            <p:cNvPr id="17" name="Oval 16"/>
+            <p:cNvSpPr/>
+            <p:nvPr/>
+          </p:nvSpPr>
+          <p:spPr>
+            <a:xfrm>
+              <a:off x="5361336" y="2109511"/>
+              <a:ext cx="523245" cy="523245"/>
+            </a:xfrm>
+            <a:prstGeom prst="ellipse">
+              <a:avLst/>
+            </a:prstGeom>
+            <a:ln w="28575">
+              <a:solidFill>
+                <a:schemeClr val="tx1"/>
+              </a:solidFill>
+            </a:ln>
+          </p:spPr>
+          <p:style>
+            <a:lnRef idx="2">
+              <a:schemeClr val="accent6"/>
+            </a:lnRef>
+            <a:fillRef idx="1">
+              <a:schemeClr val="lt1"/>
+            </a:fillRef>
+            <a:effectRef idx="0">
+              <a:schemeClr val="accent6"/>
+            </a:effectRef>
+            <a:fontRef idx="minor">
+              <a:schemeClr val="dk1"/>
+            </a:fontRef>
+          </p:style>
+          <p:txBody>
+            <a:bodyPr lIns="0" tIns="0" rIns="0" bIns="0" rtlCol="0" anchor="ctr"/>
+            <a:lstStyle/>
+            <a:p>
+              <a:pPr algn="ctr"/>
+              <a:r>
+                <a:rPr lang="en-US" dirty="0" smtClean="0">
+                  <a:solidFill>
+                    <a:schemeClr val="tx1"/>
+                  </a:solidFill>
+                </a:rPr>
+                <a:t>5</a:t>
+              </a:r>
+              <a:endParaRPr lang="en-US" dirty="0">
+                <a:solidFill>
+                  <a:schemeClr val="tx1"/>
+                </a:solidFill>
+              </a:endParaRPr>
+            </a:p>
+          </p:txBody>
+        </p:sp>
+        <p:cxnSp>
+          <p:nvCxnSpPr>
+            <p:cNvPr id="24" name="Straight Connector 23"/>
+            <p:cNvCxnSpPr>
+              <a:stCxn id="4" idx="5"/>
+              <a:endCxn id="17" idx="1"/>
+            </p:cNvCxnSpPr>
+            <p:nvPr/>
+          </p:nvCxnSpPr>
+          <p:spPr>
+            <a:xfrm>
+              <a:off x="4796116" y="1882092"/>
+              <a:ext cx="641847" cy="304046"/>
+            </a:xfrm>
+            <a:prstGeom prst="line">
+              <a:avLst/>
+            </a:prstGeom>
+            <a:ln w="25400">
+              <a:solidFill>
+                <a:schemeClr val="tx1"/>
+              </a:solidFill>
+            </a:ln>
+          </p:spPr>
+          <p:style>
+            <a:lnRef idx="1">
+              <a:schemeClr val="accent1"/>
+            </a:lnRef>
+            <a:fillRef idx="0">
+              <a:schemeClr val="accent1"/>
+            </a:fillRef>
+            <a:effectRef idx="0">
+              <a:schemeClr val="accent1"/>
+            </a:effectRef>
+            <a:fontRef idx="minor">
+              <a:schemeClr val="tx1"/>
+            </a:fontRef>
+          </p:style>
+        </p:cxnSp>
+        <p:sp>
+          <p:nvSpPr>
+            <p:cNvPr id="35" name="Oval 34"/>
+            <p:cNvSpPr/>
+            <p:nvPr/>
+          </p:nvSpPr>
+          <p:spPr>
+            <a:xfrm>
+              <a:off x="5960204" y="2780987"/>
+              <a:ext cx="523245" cy="523245"/>
+            </a:xfrm>
+            <a:prstGeom prst="ellipse">
+              <a:avLst/>
+            </a:prstGeom>
+            <a:ln w="28575">
+              <a:solidFill>
+                <a:schemeClr val="tx1"/>
+              </a:solidFill>
+            </a:ln>
+          </p:spPr>
+          <p:style>
+            <a:lnRef idx="2">
+              <a:schemeClr val="accent6"/>
+            </a:lnRef>
+            <a:fillRef idx="1">
+              <a:schemeClr val="lt1"/>
+            </a:fillRef>
+            <a:effectRef idx="0">
+              <a:schemeClr val="accent6"/>
+            </a:effectRef>
+            <a:fontRef idx="minor">
+              <a:schemeClr val="dk1"/>
+            </a:fontRef>
+          </p:style>
+          <p:txBody>
+            <a:bodyPr lIns="0" tIns="0" rIns="0" bIns="0" rtlCol="0" anchor="ctr"/>
+            <a:lstStyle/>
+            <a:p>
+              <a:pPr algn="ctr"/>
+              <a:r>
+                <a:rPr lang="en-US" dirty="0" smtClean="0">
+                  <a:solidFill>
+                    <a:schemeClr val="tx1"/>
+                  </a:solidFill>
+                </a:rPr>
+                <a:t>2</a:t>
+              </a:r>
+              <a:endParaRPr lang="en-US" dirty="0">
+                <a:solidFill>
+                  <a:schemeClr val="tx1"/>
+                </a:solidFill>
+              </a:endParaRPr>
+            </a:p>
+          </p:txBody>
+        </p:sp>
+        <p:cxnSp>
+          <p:nvCxnSpPr>
+            <p:cNvPr id="37" name="Straight Connector 36"/>
+            <p:cNvCxnSpPr>
+              <a:endCxn id="35" idx="1"/>
+            </p:cNvCxnSpPr>
+            <p:nvPr/>
+          </p:nvCxnSpPr>
+          <p:spPr>
+            <a:xfrm>
+              <a:off x="5787861" y="2589856"/>
+              <a:ext cx="248970" cy="267758"/>
+            </a:xfrm>
+            <a:prstGeom prst="line">
+              <a:avLst/>
+            </a:prstGeom>
+            <a:ln w="25400">
+              <a:solidFill>
+                <a:schemeClr val="tx1"/>
+              </a:solidFill>
+            </a:ln>
+          </p:spPr>
+          <p:style>
+            <a:lnRef idx="1">
+              <a:schemeClr val="accent1"/>
+            </a:lnRef>
+            <a:fillRef idx="0">
+              <a:schemeClr val="accent1"/>
+            </a:fillRef>
+            <a:effectRef idx="0">
+              <a:schemeClr val="accent1"/>
+            </a:effectRef>
+            <a:fontRef idx="minor">
+              <a:schemeClr val="tx1"/>
+            </a:fontRef>
+          </p:style>
+        </p:cxnSp>
+      </p:grpSp>
+      <p:sp>
+        <p:nvSpPr>
+          <p:cNvPr id="38" name="Oval 37"/>
+          <p:cNvSpPr/>
+          <p:nvPr/>
+        </p:nvSpPr>
+        <p:spPr>
+          <a:xfrm>
+            <a:off x="4164502" y="3839297"/>
+            <a:ext cx="523245" cy="523245"/>
+          </a:xfrm>
+          <a:prstGeom prst="ellipse">
+            <a:avLst/>
+          </a:prstGeom>
+          <a:ln w="28575">
+            <a:solidFill>
+              <a:schemeClr val="tx1"/>
+            </a:solidFill>
+          </a:ln>
+        </p:spPr>
+        <p:style>
+          <a:lnRef idx="2">
+            <a:schemeClr val="accent6"/>
+          </a:lnRef>
+          <a:fillRef idx="1">
+            <a:schemeClr val="lt1"/>
+          </a:fillRef>
+          <a:effectRef idx="0">
+            <a:schemeClr val="accent6"/>
+          </a:effectRef>
+          <a:fontRef idx="minor">
+            <a:schemeClr val="dk1"/>
+          </a:fontRef>
+        </p:style>
+        <p:txBody>
+          <a:bodyPr lIns="0" tIns="0" rIns="0" bIns="0" rtlCol="0" anchor="ctr"/>
+          <a:lstStyle/>
+          <a:p>
+            <a:pPr algn="ctr"/>
+            <a:r>
+              <a:rPr lang="en-US" dirty="0">
+                <a:solidFill>
+                  <a:schemeClr val="tx1"/>
+                </a:solidFill>
+              </a:rPr>
+              <a:t>3</a:t>
+            </a:r>
+            <a:r>
+              <a:rPr lang="en-US" dirty="0" smtClean="0">
+                <a:solidFill>
+                  <a:schemeClr val="tx1"/>
+                </a:solidFill>
+              </a:rPr>
+              <a:t>0</a:t>
+            </a:r>
+            <a:endParaRPr lang="en-US" dirty="0">
+              <a:solidFill>
+                <a:schemeClr val="tx1"/>
+              </a:solidFill>
+            </a:endParaRPr>
+          </a:p>
+        </p:txBody>
+      </p:sp>
+      <p:sp>
+        <p:nvSpPr>
+          <p:cNvPr id="44" name="Oval 43"/>
+          <p:cNvSpPr/>
+          <p:nvPr/>
+        </p:nvSpPr>
+        <p:spPr>
+          <a:xfrm>
+            <a:off x="3160531" y="4513334"/>
+            <a:ext cx="523245" cy="523245"/>
+          </a:xfrm>
+          <a:prstGeom prst="ellipse">
+            <a:avLst/>
+          </a:prstGeom>
+          <a:ln w="28575">
+            <a:solidFill>
+              <a:schemeClr val="tx1"/>
+            </a:solidFill>
+          </a:ln>
+        </p:spPr>
+        <p:style>
+          <a:lnRef idx="2">
+            <a:schemeClr val="accent6"/>
+          </a:lnRef>
+          <a:fillRef idx="1">
+            <a:schemeClr val="lt1"/>
+          </a:fillRef>
+          <a:effectRef idx="0">
+            <a:schemeClr val="accent6"/>
+          </a:effectRef>
+          <a:fontRef idx="minor">
+            <a:schemeClr val="dk1"/>
+          </a:fontRef>
+        </p:style>
+        <p:txBody>
+          <a:bodyPr lIns="0" tIns="0" rIns="0" bIns="0" rtlCol="0" anchor="ctr"/>
+          <a:lstStyle/>
+          <a:p>
+            <a:pPr algn="ctr"/>
+            <a:r>
+              <a:rPr lang="en-US" dirty="0" smtClean="0">
+                <a:solidFill>
+                  <a:schemeClr val="tx1"/>
+                </a:solidFill>
+              </a:rPr>
+              <a:t>5</a:t>
+            </a:r>
+            <a:endParaRPr lang="en-US" dirty="0">
+              <a:solidFill>
+                <a:schemeClr val="tx1"/>
+              </a:solidFill>
+            </a:endParaRPr>
+          </a:p>
+        </p:txBody>
+      </p:sp>
+      <p:sp>
+        <p:nvSpPr>
+          <p:cNvPr id="45" name="Oval 44"/>
+          <p:cNvSpPr/>
+          <p:nvPr/>
+        </p:nvSpPr>
+        <p:spPr>
+          <a:xfrm>
+            <a:off x="2541570" y="5184810"/>
+            <a:ext cx="523245" cy="523245"/>
+          </a:xfrm>
+          <a:prstGeom prst="ellipse">
+            <a:avLst/>
+          </a:prstGeom>
+          <a:ln w="28575">
+            <a:solidFill>
+              <a:schemeClr val="tx1"/>
+            </a:solidFill>
+          </a:ln>
+        </p:spPr>
+        <p:style>
+          <a:lnRef idx="2">
+            <a:schemeClr val="accent6"/>
+          </a:lnRef>
+          <a:fillRef idx="1">
+            <a:schemeClr val="lt1"/>
+          </a:fillRef>
+          <a:effectRef idx="0">
+            <a:schemeClr val="accent6"/>
+          </a:effectRef>
+          <a:fontRef idx="minor">
+            <a:schemeClr val="dk1"/>
+          </a:fontRef>
+        </p:style>
+        <p:txBody>
+          <a:bodyPr lIns="0" tIns="0" rIns="0" bIns="0" rtlCol="0" anchor="ctr"/>
+          <a:lstStyle/>
+          <a:p>
+            <a:pPr algn="ctr"/>
+            <a:r>
+              <a:rPr lang="en-US" dirty="0" smtClean="0">
+                <a:solidFill>
+                  <a:schemeClr val="tx1"/>
+                </a:solidFill>
+              </a:rPr>
+              <a:t>2</a:t>
+            </a:r>
+            <a:endParaRPr lang="en-US" dirty="0">
+              <a:solidFill>
+                <a:schemeClr val="tx1"/>
+              </a:solidFill>
+            </a:endParaRPr>
+          </a:p>
+        </p:txBody>
+      </p:sp>
+      <p:cxnSp>
+        <p:nvCxnSpPr>
+          <p:cNvPr id="48" name="Straight Connector 47"/>
+          <p:cNvCxnSpPr>
+            <a:stCxn id="38" idx="3"/>
+            <a:endCxn id="44" idx="7"/>
+          </p:cNvCxnSpPr>
+          <p:nvPr/>
+        </p:nvCxnSpPr>
+        <p:spPr>
+          <a:xfrm flipH="1">
+            <a:off x="3607149" y="4285915"/>
+            <a:ext cx="633980" cy="304046"/>
+          </a:xfrm>
+          <a:prstGeom prst="line">
+            <a:avLst/>
+          </a:prstGeom>
+          <a:ln w="25400">
+            <a:solidFill>
+              <a:schemeClr val="tx1"/>
+            </a:solidFill>
+          </a:ln>
+        </p:spPr>
+        <p:style>
+          <a:lnRef idx="1">
+            <a:schemeClr val="accent1"/>
+          </a:lnRef>
+          <a:fillRef idx="0">
+            <a:schemeClr val="accent1"/>
+          </a:fillRef>
+          <a:effectRef idx="0">
+            <a:schemeClr val="accent1"/>
+          </a:effectRef>
+          <a:fontRef idx="minor">
+            <a:schemeClr val="tx1"/>
+          </a:fontRef>
+        </p:style>
+      </p:cxnSp>
+      <p:cxnSp>
+        <p:nvCxnSpPr>
+          <p:cNvPr id="50" name="Straight Connector 49"/>
+          <p:cNvCxnSpPr>
+            <a:stCxn id="44" idx="3"/>
+            <a:endCxn id="45" idx="7"/>
+          </p:cNvCxnSpPr>
+          <p:nvPr/>
+        </p:nvCxnSpPr>
+        <p:spPr>
+          <a:xfrm flipH="1">
+            <a:off x="2988188" y="4959952"/>
+            <a:ext cx="248970" cy="301485"/>
+          </a:xfrm>
+          <a:prstGeom prst="line">
+            <a:avLst/>
+          </a:prstGeom>
+          <a:ln w="25400">
+            <a:solidFill>
+              <a:schemeClr val="tx1"/>
+            </a:solidFill>
+          </a:ln>
+        </p:spPr>
+        <p:style>
+          <a:lnRef idx="1">
+            <a:schemeClr val="accent1"/>
+          </a:lnRef>
+          <a:fillRef idx="0">
+            <a:schemeClr val="accent1"/>
+          </a:fillRef>
+          <a:effectRef idx="0">
+            <a:schemeClr val="accent1"/>
+          </a:effectRef>
+          <a:fontRef idx="minor">
+            <a:schemeClr val="tx1"/>
+          </a:fontRef>
+        </p:style>
+      </p:cxnSp>
+      <p:sp>
+        <p:nvSpPr>
+          <p:cNvPr id="55" name="Oval 54"/>
+          <p:cNvSpPr/>
+          <p:nvPr/>
+        </p:nvSpPr>
+        <p:spPr>
+          <a:xfrm>
+            <a:off x="5176340" y="4513334"/>
+            <a:ext cx="523245" cy="523245"/>
+          </a:xfrm>
+          <a:prstGeom prst="ellipse">
+            <a:avLst/>
+          </a:prstGeom>
+          <a:ln w="28575">
+            <a:solidFill>
+              <a:schemeClr val="tx1"/>
+            </a:solidFill>
+          </a:ln>
+        </p:spPr>
+        <p:style>
+          <a:lnRef idx="2">
+            <a:schemeClr val="accent6"/>
+          </a:lnRef>
+          <a:fillRef idx="1">
+            <a:schemeClr val="lt1"/>
+          </a:fillRef>
+          <a:effectRef idx="0">
+            <a:schemeClr val="accent6"/>
+          </a:effectRef>
+          <a:fontRef idx="minor">
+            <a:schemeClr val="dk1"/>
+          </a:fontRef>
+        </p:style>
+        <p:txBody>
+          <a:bodyPr lIns="0" tIns="0" rIns="0" bIns="0" rtlCol="0" anchor="ctr"/>
+          <a:lstStyle/>
+          <a:p>
+            <a:pPr algn="ctr"/>
+            <a:r>
+              <a:rPr lang="en-US">
+                <a:solidFill>
+                  <a:schemeClr val="tx1"/>
+                </a:solidFill>
+              </a:rPr>
+              <a:t>8</a:t>
+            </a:r>
+            <a:r>
+              <a:rPr lang="en-US" smtClean="0">
+                <a:solidFill>
+                  <a:schemeClr val="tx1"/>
+                </a:solidFill>
+              </a:rPr>
+              <a:t>0</a:t>
+            </a:r>
+            <a:endParaRPr lang="en-US" dirty="0">
+              <a:solidFill>
+                <a:schemeClr val="tx1"/>
+              </a:solidFill>
+            </a:endParaRPr>
+          </a:p>
+        </p:txBody>
+      </p:sp>
+      <p:cxnSp>
+        <p:nvCxnSpPr>
+          <p:cNvPr id="56" name="Straight Connector 55"/>
+          <p:cNvCxnSpPr>
+            <a:stCxn id="38" idx="5"/>
+            <a:endCxn id="55" idx="1"/>
+          </p:cNvCxnSpPr>
+          <p:nvPr/>
+        </p:nvCxnSpPr>
+        <p:spPr>
+          <a:xfrm>
+            <a:off x="4611120" y="4285915"/>
+            <a:ext cx="641847" cy="304046"/>
+          </a:xfrm>
+          <a:prstGeom prst="line">
+            <a:avLst/>
+          </a:prstGeom>
+          <a:ln w="25400">
+            <a:solidFill>
+              <a:schemeClr val="tx1"/>
+            </a:solidFill>
+          </a:ln>
+        </p:spPr>
+        <p:style>
+          <a:lnRef idx="1">
+            <a:schemeClr val="accent1"/>
+          </a:lnRef>
+          <a:fillRef idx="0">
+            <a:schemeClr val="accent1"/>
+          </a:fillRef>
+          <a:effectRef idx="0">
+            <a:schemeClr val="accent1"/>
+          </a:effectRef>
+          <a:fontRef idx="minor">
+            <a:schemeClr val="tx1"/>
+          </a:fontRef>
+        </p:style>
+      </p:cxnSp>
+      <p:grpSp>
+        <p:nvGrpSpPr>
+          <p:cNvPr id="3" name="Group 2"/>
+          <p:cNvGrpSpPr/>
+          <p:nvPr/>
+        </p:nvGrpSpPr>
+        <p:grpSpPr>
+          <a:xfrm flipH="1">
+            <a:off x="6745531" y="3691066"/>
+            <a:ext cx="3756883" cy="1868758"/>
+            <a:chOff x="6745531" y="3691066"/>
+            <a:chExt cx="3756883" cy="1868758"/>
+          </a:xfrm>
+        </p:grpSpPr>
+        <p:sp>
+          <p:nvSpPr>
+            <p:cNvPr id="27" name="Oval 26"/>
+            <p:cNvSpPr/>
+            <p:nvPr/>
+          </p:nvSpPr>
+          <p:spPr>
+            <a:xfrm>
+              <a:off x="8368463" y="3691066"/>
+              <a:ext cx="523245" cy="523245"/>
+            </a:xfrm>
+            <a:prstGeom prst="ellipse">
+              <a:avLst/>
+            </a:prstGeom>
+            <a:ln w="28575">
+              <a:solidFill>
+                <a:schemeClr val="tx1"/>
+              </a:solidFill>
+            </a:ln>
+          </p:spPr>
+          <p:style>
+            <a:lnRef idx="2">
+              <a:schemeClr val="accent6"/>
+            </a:lnRef>
+            <a:fillRef idx="1">
+              <a:schemeClr val="lt1"/>
+            </a:fillRef>
+            <a:effectRef idx="0">
+              <a:schemeClr val="accent6"/>
+            </a:effectRef>
+            <a:fontRef idx="minor">
+              <a:schemeClr val="dk1"/>
+            </a:fontRef>
+          </p:style>
+          <p:txBody>
+            <a:bodyPr lIns="0" tIns="0" rIns="0" bIns="0" rtlCol="0" anchor="ctr"/>
+            <a:lstStyle/>
+            <a:p>
+              <a:pPr algn="ctr"/>
+              <a:r>
+                <a:rPr lang="en-US" dirty="0">
+                  <a:solidFill>
+                    <a:schemeClr val="tx1"/>
+                  </a:solidFill>
+                </a:rPr>
+                <a:t>3</a:t>
+              </a:r>
+              <a:r>
+                <a:rPr lang="en-US" dirty="0" smtClean="0">
+                  <a:solidFill>
+                    <a:schemeClr val="tx1"/>
+                  </a:solidFill>
+                </a:rPr>
+                <a:t>0</a:t>
+              </a:r>
+              <a:endParaRPr lang="en-US" dirty="0">
+                <a:solidFill>
+                  <a:schemeClr val="tx1"/>
+                </a:solidFill>
+              </a:endParaRPr>
+            </a:p>
+          </p:txBody>
+        </p:sp>
+        <p:sp>
+          <p:nvSpPr>
+            <p:cNvPr id="28" name="Oval 27"/>
+            <p:cNvSpPr/>
+            <p:nvPr/>
+          </p:nvSpPr>
+          <p:spPr>
+            <a:xfrm>
+              <a:off x="7364492" y="4365103"/>
+              <a:ext cx="523245" cy="523245"/>
+            </a:xfrm>
+            <a:prstGeom prst="ellipse">
+              <a:avLst/>
+            </a:prstGeom>
+            <a:ln w="28575">
+              <a:solidFill>
+                <a:schemeClr val="tx1"/>
+              </a:solidFill>
+            </a:ln>
+          </p:spPr>
+          <p:style>
+            <a:lnRef idx="2">
+              <a:schemeClr val="accent6"/>
+            </a:lnRef>
+            <a:fillRef idx="1">
+              <a:schemeClr val="lt1"/>
+            </a:fillRef>
+            <a:effectRef idx="0">
+              <a:schemeClr val="accent6"/>
+            </a:effectRef>
+            <a:fontRef idx="minor">
+              <a:schemeClr val="dk1"/>
+            </a:fontRef>
+          </p:style>
+          <p:txBody>
+            <a:bodyPr lIns="0" tIns="0" rIns="0" bIns="0" rtlCol="0" anchor="ctr"/>
+            <a:lstStyle/>
+            <a:p>
+              <a:pPr algn="ctr"/>
+              <a:r>
+                <a:rPr lang="en-US" dirty="0" smtClean="0">
+                  <a:solidFill>
+                    <a:schemeClr val="tx1"/>
+                  </a:solidFill>
+                </a:rPr>
+                <a:t>40</a:t>
+              </a:r>
+              <a:endParaRPr lang="en-US" dirty="0">
+                <a:solidFill>
+                  <a:schemeClr val="tx1"/>
+                </a:solidFill>
+              </a:endParaRPr>
+            </a:p>
+          </p:txBody>
+        </p:sp>
+        <p:sp>
+          <p:nvSpPr>
+            <p:cNvPr id="29" name="Oval 28"/>
+            <p:cNvSpPr/>
+            <p:nvPr/>
+          </p:nvSpPr>
+          <p:spPr>
+            <a:xfrm>
+              <a:off x="6745531" y="5036579"/>
+              <a:ext cx="523245" cy="523245"/>
+            </a:xfrm>
+            <a:prstGeom prst="ellipse">
+              <a:avLst/>
+            </a:prstGeom>
+            <a:ln w="28575">
+              <a:solidFill>
+                <a:schemeClr val="tx1"/>
+              </a:solidFill>
+            </a:ln>
+          </p:spPr>
+          <p:style>
+            <a:lnRef idx="2">
+              <a:schemeClr val="accent6"/>
+            </a:lnRef>
+            <a:fillRef idx="1">
+              <a:schemeClr val="lt1"/>
+            </a:fillRef>
+            <a:effectRef idx="0">
+              <a:schemeClr val="accent6"/>
+            </a:effectRef>
+            <a:fontRef idx="minor">
+              <a:schemeClr val="dk1"/>
+            </a:fontRef>
+          </p:style>
+          <p:txBody>
+            <a:bodyPr lIns="0" tIns="0" rIns="0" bIns="0" rtlCol="0" anchor="ctr"/>
+            <a:lstStyle/>
+            <a:p>
+              <a:pPr algn="ctr"/>
+              <a:r>
+                <a:rPr lang="en-US" dirty="0" smtClean="0">
+                  <a:solidFill>
+                    <a:schemeClr val="tx1"/>
+                  </a:solidFill>
+                </a:rPr>
+                <a:t>80</a:t>
+              </a:r>
+              <a:endParaRPr lang="en-US" dirty="0">
+                <a:solidFill>
+                  <a:schemeClr val="tx1"/>
+                </a:solidFill>
+              </a:endParaRPr>
+            </a:p>
+          </p:txBody>
+        </p:sp>
+        <p:cxnSp>
+          <p:nvCxnSpPr>
+            <p:cNvPr id="30" name="Straight Connector 29"/>
+            <p:cNvCxnSpPr>
+              <a:stCxn id="29" idx="3"/>
+              <a:endCxn id="30" idx="7"/>
+            </p:cNvCxnSpPr>
+            <p:nvPr/>
+          </p:nvCxnSpPr>
+          <p:spPr>
+            <a:xfrm flipH="1">
+              <a:off x="7811110" y="4137684"/>
+              <a:ext cx="633980" cy="304046"/>
+            </a:xfrm>
+            <a:prstGeom prst="line">
+              <a:avLst/>
+            </a:prstGeom>
+            <a:ln w="25400">
+              <a:solidFill>
+                <a:schemeClr val="tx1"/>
+              </a:solidFill>
+            </a:ln>
+          </p:spPr>
+          <p:style>
+            <a:lnRef idx="1">
+              <a:schemeClr val="accent1"/>
+            </a:lnRef>
+            <a:fillRef idx="0">
+              <a:schemeClr val="accent1"/>
+            </a:fillRef>
+            <a:effectRef idx="0">
+              <a:schemeClr val="accent1"/>
+            </a:effectRef>
+            <a:fontRef idx="minor">
+              <a:schemeClr val="tx1"/>
+            </a:fontRef>
+          </p:style>
+        </p:cxnSp>
+        <p:cxnSp>
+          <p:nvCxnSpPr>
+            <p:cNvPr id="31" name="Straight Connector 30"/>
+            <p:cNvCxnSpPr>
+              <a:stCxn id="30" idx="3"/>
+              <a:endCxn id="31" idx="7"/>
+            </p:cNvCxnSpPr>
+            <p:nvPr/>
+          </p:nvCxnSpPr>
+          <p:spPr>
+            <a:xfrm flipH="1">
+              <a:off x="7192149" y="4811721"/>
+              <a:ext cx="248970" cy="301485"/>
+            </a:xfrm>
+            <a:prstGeom prst="line">
+              <a:avLst/>
+            </a:prstGeom>
+            <a:ln w="25400">
+              <a:solidFill>
+                <a:schemeClr val="tx1"/>
+              </a:solidFill>
+            </a:ln>
+          </p:spPr>
+          <p:style>
+            <a:lnRef idx="1">
+              <a:schemeClr val="accent1"/>
+            </a:lnRef>
+            <a:fillRef idx="0">
+              <a:schemeClr val="accent1"/>
+            </a:fillRef>
+            <a:effectRef idx="0">
+              <a:schemeClr val="accent1"/>
+            </a:effectRef>
+            <a:fontRef idx="minor">
+              <a:schemeClr val="tx1"/>
+            </a:fontRef>
+          </p:style>
+        </p:cxnSp>
+        <p:sp>
+          <p:nvSpPr>
+            <p:cNvPr id="32" name="Oval 31"/>
+            <p:cNvSpPr/>
+            <p:nvPr/>
+          </p:nvSpPr>
+          <p:spPr>
+            <a:xfrm>
+              <a:off x="7983453" y="5036579"/>
+              <a:ext cx="523245" cy="523245"/>
+            </a:xfrm>
+            <a:prstGeom prst="ellipse">
+              <a:avLst/>
+            </a:prstGeom>
+            <a:ln w="28575">
+              <a:solidFill>
+                <a:schemeClr val="tx1"/>
+              </a:solidFill>
+            </a:ln>
+          </p:spPr>
+          <p:style>
+            <a:lnRef idx="2">
+              <a:schemeClr val="accent6"/>
+            </a:lnRef>
+            <a:fillRef idx="1">
+              <a:schemeClr val="lt1"/>
+            </a:fillRef>
+            <a:effectRef idx="0">
+              <a:schemeClr val="accent6"/>
+            </a:effectRef>
+            <a:fontRef idx="minor">
+              <a:schemeClr val="dk1"/>
+            </a:fontRef>
+          </p:style>
+          <p:txBody>
+            <a:bodyPr lIns="0" tIns="0" rIns="0" bIns="0" rtlCol="0" anchor="ctr"/>
+            <a:lstStyle/>
+            <a:p>
+              <a:pPr algn="ctr"/>
+              <a:r>
+                <a:rPr lang="en-US" b="1" dirty="0" smtClean="0">
+                  <a:solidFill>
+                    <a:schemeClr val="tx1"/>
+                  </a:solidFill>
+                </a:rPr>
+                <a:t>35</a:t>
+              </a:r>
+              <a:endParaRPr lang="en-US" b="1" dirty="0">
+                <a:solidFill>
+                  <a:schemeClr val="tx1"/>
+                </a:solidFill>
+              </a:endParaRPr>
+            </a:p>
+          </p:txBody>
+        </p:sp>
+        <p:cxnSp>
+          <p:nvCxnSpPr>
+            <p:cNvPr id="33" name="Straight Connector 32"/>
+            <p:cNvCxnSpPr/>
+            <p:nvPr/>
+          </p:nvCxnSpPr>
+          <p:spPr>
+            <a:xfrm>
+              <a:off x="7811110" y="4809160"/>
+              <a:ext cx="248970" cy="304046"/>
+            </a:xfrm>
+            <a:prstGeom prst="line">
+              <a:avLst/>
+            </a:prstGeom>
+            <a:ln w="25400">
+              <a:solidFill>
+                <a:schemeClr val="tx1"/>
+              </a:solidFill>
+            </a:ln>
+          </p:spPr>
+          <p:style>
+            <a:lnRef idx="1">
+              <a:schemeClr val="accent1"/>
+            </a:lnRef>
+            <a:fillRef idx="0">
+              <a:schemeClr val="accent1"/>
+            </a:fillRef>
+            <a:effectRef idx="0">
+              <a:schemeClr val="accent1"/>
+            </a:effectRef>
+            <a:fontRef idx="minor">
+              <a:schemeClr val="tx1"/>
+            </a:fontRef>
+          </p:style>
+        </p:cxnSp>
+        <p:sp>
+          <p:nvSpPr>
+            <p:cNvPr id="34" name="Oval 33"/>
+            <p:cNvSpPr/>
+            <p:nvPr/>
+          </p:nvSpPr>
+          <p:spPr>
+            <a:xfrm>
+              <a:off x="9380301" y="4365103"/>
+              <a:ext cx="523245" cy="523245"/>
+            </a:xfrm>
+            <a:prstGeom prst="ellipse">
+              <a:avLst/>
+            </a:prstGeom>
+            <a:ln w="28575">
+              <a:solidFill>
+                <a:schemeClr val="tx1"/>
+              </a:solidFill>
+            </a:ln>
+          </p:spPr>
+          <p:style>
+            <a:lnRef idx="2">
+              <a:schemeClr val="accent6"/>
+            </a:lnRef>
+            <a:fillRef idx="1">
+              <a:schemeClr val="lt1"/>
+            </a:fillRef>
+            <a:effectRef idx="0">
+              <a:schemeClr val="accent6"/>
+            </a:effectRef>
+            <a:fontRef idx="minor">
+              <a:schemeClr val="dk1"/>
+            </a:fontRef>
+          </p:style>
+          <p:txBody>
+            <a:bodyPr lIns="0" tIns="0" rIns="0" bIns="0" rtlCol="0" anchor="ctr"/>
+            <a:lstStyle/>
+            <a:p>
+              <a:pPr algn="ctr"/>
+              <a:r>
+                <a:rPr lang="en-US" dirty="0" smtClean="0">
+                  <a:solidFill>
+                    <a:schemeClr val="tx1"/>
+                  </a:solidFill>
+                </a:rPr>
+                <a:t>5</a:t>
+              </a:r>
+              <a:endParaRPr lang="en-US" dirty="0">
+                <a:solidFill>
+                  <a:schemeClr val="tx1"/>
+                </a:solidFill>
+              </a:endParaRPr>
+            </a:p>
+          </p:txBody>
+        </p:sp>
+        <p:cxnSp>
+          <p:nvCxnSpPr>
+            <p:cNvPr id="36" name="Straight Connector 35"/>
+            <p:cNvCxnSpPr>
+              <a:stCxn id="29" idx="5"/>
+            </p:cNvCxnSpPr>
+            <p:nvPr/>
+          </p:nvCxnSpPr>
+          <p:spPr>
+            <a:xfrm>
+              <a:off x="8815081" y="4137684"/>
+              <a:ext cx="641847" cy="304046"/>
+            </a:xfrm>
+            <a:prstGeom prst="line">
+              <a:avLst/>
+            </a:prstGeom>
+            <a:ln w="25400">
+              <a:solidFill>
+                <a:schemeClr val="tx1"/>
+              </a:solidFill>
+            </a:ln>
+          </p:spPr>
+          <p:style>
+            <a:lnRef idx="1">
+              <a:schemeClr val="accent1"/>
+            </a:lnRef>
+            <a:fillRef idx="0">
+              <a:schemeClr val="accent1"/>
+            </a:fillRef>
+            <a:effectRef idx="0">
+              <a:schemeClr val="accent1"/>
+            </a:effectRef>
+            <a:fontRef idx="minor">
+              <a:schemeClr val="tx1"/>
+            </a:fontRef>
+          </p:style>
+        </p:cxnSp>
+        <p:sp>
+          <p:nvSpPr>
+            <p:cNvPr id="39" name="Oval 38"/>
+            <p:cNvSpPr/>
+            <p:nvPr/>
+          </p:nvSpPr>
+          <p:spPr>
+            <a:xfrm>
+              <a:off x="9979169" y="5036579"/>
+              <a:ext cx="523245" cy="523245"/>
+            </a:xfrm>
+            <a:prstGeom prst="ellipse">
+              <a:avLst/>
+            </a:prstGeom>
+            <a:ln w="28575">
+              <a:solidFill>
+                <a:schemeClr val="tx1"/>
+              </a:solidFill>
+            </a:ln>
+          </p:spPr>
+          <p:style>
+            <a:lnRef idx="2">
+              <a:schemeClr val="accent6"/>
+            </a:lnRef>
+            <a:fillRef idx="1">
+              <a:schemeClr val="lt1"/>
+            </a:fillRef>
+            <a:effectRef idx="0">
+              <a:schemeClr val="accent6"/>
+            </a:effectRef>
+            <a:fontRef idx="minor">
+              <a:schemeClr val="dk1"/>
+            </a:fontRef>
+          </p:style>
+          <p:txBody>
+            <a:bodyPr lIns="0" tIns="0" rIns="0" bIns="0" rtlCol="0" anchor="ctr"/>
+            <a:lstStyle/>
+            <a:p>
+              <a:pPr algn="ctr"/>
+              <a:r>
+                <a:rPr lang="en-US" dirty="0" smtClean="0">
+                  <a:solidFill>
+                    <a:schemeClr val="tx1"/>
+                  </a:solidFill>
+                </a:rPr>
+                <a:t>2</a:t>
+              </a:r>
+              <a:endParaRPr lang="en-US" dirty="0">
+                <a:solidFill>
+                  <a:schemeClr val="tx1"/>
+                </a:solidFill>
+              </a:endParaRPr>
+            </a:p>
+          </p:txBody>
+        </p:sp>
+        <p:cxnSp>
+          <p:nvCxnSpPr>
+            <p:cNvPr id="40" name="Straight Connector 39"/>
+            <p:cNvCxnSpPr/>
+            <p:nvPr/>
+          </p:nvCxnSpPr>
+          <p:spPr>
+            <a:xfrm>
+              <a:off x="9806826" y="4845448"/>
+              <a:ext cx="248970" cy="267758"/>
+            </a:xfrm>
+            <a:prstGeom prst="line">
+              <a:avLst/>
+            </a:prstGeom>
+            <a:ln w="25400">
+              <a:solidFill>
+                <a:schemeClr val="tx1"/>
+              </a:solidFill>
+            </a:ln>
+          </p:spPr>
+          <p:style>
+            <a:lnRef idx="1">
+              <a:schemeClr val="accent1"/>
+            </a:lnRef>
+            <a:fillRef idx="0">
+              <a:schemeClr val="accent1"/>
+            </a:fillRef>
+            <a:effectRef idx="0">
+              <a:schemeClr val="accent1"/>
+            </a:effectRef>
+            <a:fontRef idx="minor">
+              <a:schemeClr val="tx1"/>
+            </a:fontRef>
+          </p:style>
+        </p:cxnSp>
+      </p:grpSp>
+    </p:spTree>
+    <p:extLst>
+      <p:ext uri="{BB962C8B-B14F-4D97-AF65-F5344CB8AC3E}">
+        <p14:creationId xmlns:p14="http://schemas.microsoft.com/office/powerpoint/2010/main" val="1111350540"/>
+      </p:ext>
+    </p:extLst>
+  </p:cSld>
+  <p:clrMapOvr>
+    <a:masterClrMapping/>
+  </p:clrMapOvr>
+</p:sld>
+</file>
+
+<file path=ppt/slides/slide39.xml><?xml version="1.0" encoding="utf-8"?>
+<p:sld xmlns:a="http://schemas.openxmlformats.org/drawingml/2006/main" xmlns:r="http://schemas.openxmlformats.org/officeDocument/2006/relationships" xmlns:p="http://schemas.openxmlformats.org/presentationml/2006/main">
+  <p:cSld>
+    <p:spTree>
+      <p:nvGrpSpPr>
+        <p:cNvPr id="1" name=""/>
+        <p:cNvGrpSpPr/>
+        <p:nvPr/>
+      </p:nvGrpSpPr>
+      <p:grpSpPr>
+        <a:xfrm>
+          <a:off x="0" y="0"/>
+          <a:ext cx="0" cy="0"/>
+          <a:chOff x="0" y="0"/>
+          <a:chExt cx="0" cy="0"/>
+        </a:xfrm>
+      </p:grpSpPr>
+      <p:sp>
+        <p:nvSpPr>
+          <p:cNvPr id="17" name="Oval 16"/>
+          <p:cNvSpPr/>
+          <p:nvPr/>
+        </p:nvSpPr>
+        <p:spPr>
+          <a:xfrm>
+            <a:off x="2959987" y="2109511"/>
+            <a:ext cx="523245" cy="523245"/>
+          </a:xfrm>
+          <a:prstGeom prst="ellipse">
+            <a:avLst/>
+          </a:prstGeom>
+          <a:ln w="28575">
+            <a:solidFill>
+              <a:schemeClr val="tx1"/>
+            </a:solidFill>
+          </a:ln>
+        </p:spPr>
+        <p:style>
+          <a:lnRef idx="2">
+            <a:schemeClr val="accent6"/>
+          </a:lnRef>
+          <a:fillRef idx="1">
+            <a:schemeClr val="lt1"/>
+          </a:fillRef>
+          <a:effectRef idx="0">
+            <a:schemeClr val="accent6"/>
+          </a:effectRef>
+          <a:fontRef idx="minor">
+            <a:schemeClr val="dk1"/>
+          </a:fontRef>
+        </p:style>
+        <p:txBody>
+          <a:bodyPr lIns="0" tIns="0" rIns="0" bIns="0" rtlCol="0" anchor="ctr"/>
+          <a:lstStyle/>
+          <a:p>
+            <a:pPr algn="ctr"/>
+            <a:r>
+              <a:rPr lang="en-US" dirty="0" smtClean="0">
+                <a:solidFill>
+                  <a:schemeClr val="tx1"/>
+                </a:solidFill>
+              </a:rPr>
+              <a:t>40</a:t>
+            </a:r>
+            <a:endParaRPr lang="en-US" dirty="0">
+              <a:solidFill>
+                <a:schemeClr val="tx1"/>
+              </a:solidFill>
+            </a:endParaRPr>
+          </a:p>
+        </p:txBody>
+      </p:sp>
+      <p:sp>
+        <p:nvSpPr>
+          <p:cNvPr id="18" name="Oval 17"/>
+          <p:cNvSpPr/>
+          <p:nvPr/>
+        </p:nvSpPr>
+        <p:spPr>
+          <a:xfrm>
+            <a:off x="1894656" y="2783548"/>
+            <a:ext cx="523245" cy="523245"/>
+          </a:xfrm>
+          <a:prstGeom prst="ellipse">
+            <a:avLst/>
+          </a:prstGeom>
+          <a:ln w="28575">
+            <a:solidFill>
+              <a:schemeClr val="tx1"/>
+            </a:solidFill>
+          </a:ln>
+        </p:spPr>
+        <p:style>
+          <a:lnRef idx="2">
+            <a:schemeClr val="accent6"/>
+          </a:lnRef>
+          <a:fillRef idx="1">
+            <a:schemeClr val="lt1"/>
+          </a:fillRef>
+          <a:effectRef idx="0">
+            <a:schemeClr val="accent6"/>
+          </a:effectRef>
+          <a:fontRef idx="minor">
+            <a:schemeClr val="dk1"/>
+          </a:fontRef>
+        </p:style>
+        <p:txBody>
+          <a:bodyPr lIns="0" tIns="0" rIns="0" bIns="0" rtlCol="0" anchor="ctr"/>
+          <a:lstStyle/>
+          <a:p>
+            <a:pPr algn="ctr"/>
+            <a:r>
+              <a:rPr lang="en-US" dirty="0" smtClean="0">
+                <a:solidFill>
+                  <a:schemeClr val="tx1"/>
+                </a:solidFill>
+              </a:rPr>
+              <a:t>20</a:t>
+            </a:r>
+            <a:endParaRPr lang="en-US" dirty="0">
+              <a:solidFill>
+                <a:schemeClr val="tx1"/>
+              </a:solidFill>
+            </a:endParaRPr>
+          </a:p>
+        </p:txBody>
+      </p:sp>
+      <p:cxnSp>
+        <p:nvCxnSpPr>
+          <p:cNvPr id="19" name="Straight Connector 18"/>
+          <p:cNvCxnSpPr>
+            <a:stCxn id="17" idx="3"/>
+            <a:endCxn id="18" idx="7"/>
+          </p:cNvCxnSpPr>
+          <p:nvPr/>
+        </p:nvCxnSpPr>
+        <p:spPr>
+          <a:xfrm flipH="1">
+            <a:off x="2341274" y="2556129"/>
+            <a:ext cx="695340" cy="304046"/>
+          </a:xfrm>
+          <a:prstGeom prst="line">
+            <a:avLst/>
+          </a:prstGeom>
+          <a:ln w="25400">
+            <a:solidFill>
+              <a:schemeClr val="tx1"/>
+            </a:solidFill>
+          </a:ln>
+        </p:spPr>
+        <p:style>
+          <a:lnRef idx="1">
+            <a:schemeClr val="accent1"/>
+          </a:lnRef>
+          <a:fillRef idx="0">
+            <a:schemeClr val="accent1"/>
+          </a:fillRef>
+          <a:effectRef idx="0">
+            <a:schemeClr val="accent1"/>
+          </a:effectRef>
+          <a:fontRef idx="minor">
+            <a:schemeClr val="tx1"/>
+          </a:fontRef>
+        </p:style>
+      </p:cxnSp>
+      <p:sp>
+        <p:nvSpPr>
+          <p:cNvPr id="20" name="Oval 19"/>
+          <p:cNvSpPr/>
+          <p:nvPr/>
+        </p:nvSpPr>
+        <p:spPr>
+          <a:xfrm>
+            <a:off x="4018782" y="2780987"/>
+            <a:ext cx="523245" cy="523245"/>
+          </a:xfrm>
+          <a:prstGeom prst="ellipse">
+            <a:avLst/>
+          </a:prstGeom>
+          <a:ln w="28575">
+            <a:solidFill>
+              <a:schemeClr val="tx1"/>
+            </a:solidFill>
+          </a:ln>
+        </p:spPr>
+        <p:style>
+          <a:lnRef idx="2">
+            <a:schemeClr val="accent6"/>
+          </a:lnRef>
+          <a:fillRef idx="1">
+            <a:schemeClr val="lt1"/>
+          </a:fillRef>
+          <a:effectRef idx="0">
+            <a:schemeClr val="accent6"/>
+          </a:effectRef>
+          <a:fontRef idx="minor">
+            <a:schemeClr val="dk1"/>
+          </a:fontRef>
+        </p:style>
+        <p:txBody>
+          <a:bodyPr lIns="0" tIns="0" rIns="0" bIns="0" rtlCol="0" anchor="ctr"/>
+          <a:lstStyle/>
+          <a:p>
+            <a:pPr algn="ctr"/>
+            <a:r>
+              <a:rPr lang="en-US" b="1" dirty="0" smtClean="0">
+                <a:solidFill>
+                  <a:schemeClr val="tx1"/>
+                </a:solidFill>
+              </a:rPr>
+              <a:t>60</a:t>
+            </a:r>
+            <a:endParaRPr lang="en-US" b="1" dirty="0">
+              <a:solidFill>
+                <a:schemeClr val="tx1"/>
+              </a:solidFill>
+            </a:endParaRPr>
+          </a:p>
+        </p:txBody>
+      </p:sp>
+      <p:cxnSp>
+        <p:nvCxnSpPr>
+          <p:cNvPr id="21" name="Straight Connector 20"/>
+          <p:cNvCxnSpPr>
+            <a:stCxn id="17" idx="5"/>
+            <a:endCxn id="20" idx="1"/>
+          </p:cNvCxnSpPr>
+          <p:nvPr/>
+        </p:nvCxnSpPr>
+        <p:spPr>
+          <a:xfrm>
+            <a:off x="3406605" y="2556129"/>
+            <a:ext cx="688804" cy="301485"/>
+          </a:xfrm>
+          <a:prstGeom prst="line">
+            <a:avLst/>
+          </a:prstGeom>
+          <a:ln w="25400">
+            <a:solidFill>
+              <a:schemeClr val="tx1"/>
+            </a:solidFill>
+          </a:ln>
+        </p:spPr>
+        <p:style>
+          <a:lnRef idx="1">
+            <a:schemeClr val="accent1"/>
+          </a:lnRef>
+          <a:fillRef idx="0">
+            <a:schemeClr val="accent1"/>
+          </a:fillRef>
+          <a:effectRef idx="0">
+            <a:schemeClr val="accent1"/>
+          </a:effectRef>
+          <a:fontRef idx="minor">
+            <a:schemeClr val="tx1"/>
+          </a:fontRef>
+        </p:style>
+      </p:cxnSp>
+      <p:sp>
+        <p:nvSpPr>
+          <p:cNvPr id="36" name="Oval 35"/>
+          <p:cNvSpPr/>
+          <p:nvPr/>
+        </p:nvSpPr>
+        <p:spPr>
+          <a:xfrm>
+            <a:off x="1248652" y="3450751"/>
+            <a:ext cx="523245" cy="523245"/>
+          </a:xfrm>
+          <a:prstGeom prst="ellipse">
+            <a:avLst/>
+          </a:prstGeom>
+          <a:ln w="28575">
+            <a:solidFill>
+              <a:schemeClr val="tx1"/>
+            </a:solidFill>
+          </a:ln>
+        </p:spPr>
+        <p:style>
+          <a:lnRef idx="2">
+            <a:schemeClr val="accent6"/>
+          </a:lnRef>
+          <a:fillRef idx="1">
+            <a:schemeClr val="lt1"/>
+          </a:fillRef>
+          <a:effectRef idx="0">
+            <a:schemeClr val="accent6"/>
+          </a:effectRef>
+          <a:fontRef idx="minor">
+            <a:schemeClr val="dk1"/>
+          </a:fontRef>
+        </p:style>
+        <p:txBody>
+          <a:bodyPr lIns="0" tIns="0" rIns="0" bIns="0" rtlCol="0" anchor="ctr"/>
+          <a:lstStyle/>
+          <a:p>
+            <a:pPr algn="ctr"/>
+            <a:r>
+              <a:rPr lang="en-US" dirty="0" smtClean="0">
+                <a:solidFill>
+                  <a:schemeClr val="tx1"/>
+                </a:solidFill>
+              </a:rPr>
+              <a:t>10</a:t>
+            </a:r>
+            <a:endParaRPr lang="en-US" dirty="0">
+              <a:solidFill>
+                <a:schemeClr val="tx1"/>
+              </a:solidFill>
+            </a:endParaRPr>
+          </a:p>
+        </p:txBody>
+      </p:sp>
+      <p:cxnSp>
+        <p:nvCxnSpPr>
+          <p:cNvPr id="37" name="Straight Connector 36"/>
+          <p:cNvCxnSpPr>
+            <a:endCxn id="36" idx="7"/>
+          </p:cNvCxnSpPr>
+          <p:nvPr/>
+        </p:nvCxnSpPr>
+        <p:spPr>
+          <a:xfrm flipH="1">
+            <a:off x="1695270" y="3223332"/>
+            <a:ext cx="248970" cy="304046"/>
+          </a:xfrm>
+          <a:prstGeom prst="line">
+            <a:avLst/>
+          </a:prstGeom>
+          <a:ln w="25400">
+            <a:solidFill>
+              <a:schemeClr val="tx1"/>
+            </a:solidFill>
+          </a:ln>
+        </p:spPr>
+        <p:style>
+          <a:lnRef idx="1">
+            <a:schemeClr val="accent1"/>
+          </a:lnRef>
+          <a:fillRef idx="0">
+            <a:schemeClr val="accent1"/>
+          </a:fillRef>
+          <a:effectRef idx="0">
+            <a:schemeClr val="accent1"/>
+          </a:effectRef>
+          <a:fontRef idx="minor">
+            <a:schemeClr val="tx1"/>
+          </a:fontRef>
+        </p:style>
+      </p:cxnSp>
+      <p:sp>
+        <p:nvSpPr>
+          <p:cNvPr id="38" name="Oval 37"/>
+          <p:cNvSpPr/>
+          <p:nvPr/>
+        </p:nvSpPr>
+        <p:spPr>
+          <a:xfrm>
+            <a:off x="2486574" y="3450751"/>
+            <a:ext cx="523245" cy="523245"/>
+          </a:xfrm>
+          <a:prstGeom prst="ellipse">
+            <a:avLst/>
+          </a:prstGeom>
+          <a:ln w="28575">
+            <a:solidFill>
+              <a:schemeClr val="tx1"/>
+            </a:solidFill>
+          </a:ln>
+        </p:spPr>
+        <p:style>
+          <a:lnRef idx="2">
+            <a:schemeClr val="accent6"/>
+          </a:lnRef>
+          <a:fillRef idx="1">
+            <a:schemeClr val="lt1"/>
+          </a:fillRef>
+          <a:effectRef idx="0">
+            <a:schemeClr val="accent6"/>
+          </a:effectRef>
+          <a:fontRef idx="minor">
+            <a:schemeClr val="dk1"/>
+          </a:fontRef>
+        </p:style>
+        <p:txBody>
+          <a:bodyPr lIns="0" tIns="0" rIns="0" bIns="0" rtlCol="0" anchor="ctr"/>
+          <a:lstStyle/>
+          <a:p>
+            <a:pPr algn="ctr"/>
+            <a:r>
+              <a:rPr lang="en-US" dirty="0" smtClean="0">
+                <a:solidFill>
+                  <a:schemeClr val="tx1"/>
+                </a:solidFill>
+              </a:rPr>
+              <a:t>30</a:t>
+            </a:r>
+            <a:endParaRPr lang="en-US" dirty="0">
+              <a:solidFill>
+                <a:schemeClr val="tx1"/>
+              </a:solidFill>
+            </a:endParaRPr>
+          </a:p>
+        </p:txBody>
+      </p:sp>
+      <p:cxnSp>
+        <p:nvCxnSpPr>
+          <p:cNvPr id="39" name="Straight Connector 38"/>
+          <p:cNvCxnSpPr>
+            <a:endCxn id="38" idx="1"/>
+          </p:cNvCxnSpPr>
+          <p:nvPr/>
+        </p:nvCxnSpPr>
+        <p:spPr>
+          <a:xfrm>
+            <a:off x="2314231" y="3223332"/>
+            <a:ext cx="248970" cy="304046"/>
+          </a:xfrm>
+          <a:prstGeom prst="line">
+            <a:avLst/>
+          </a:prstGeom>
+          <a:ln w="25400">
+            <a:solidFill>
+              <a:schemeClr val="tx1"/>
+            </a:solidFill>
+          </a:ln>
+        </p:spPr>
+        <p:style>
+          <a:lnRef idx="1">
+            <a:schemeClr val="accent1"/>
+          </a:lnRef>
+          <a:fillRef idx="0">
+            <a:schemeClr val="accent1"/>
+          </a:fillRef>
+          <a:effectRef idx="0">
+            <a:schemeClr val="accent1"/>
+          </a:effectRef>
+          <a:fontRef idx="minor">
+            <a:schemeClr val="tx1"/>
+          </a:fontRef>
+        </p:style>
+      </p:cxnSp>
+      <p:sp>
+        <p:nvSpPr>
+          <p:cNvPr id="40" name="Oval 39"/>
+          <p:cNvSpPr/>
+          <p:nvPr/>
+        </p:nvSpPr>
+        <p:spPr>
+          <a:xfrm>
+            <a:off x="3423569" y="3445629"/>
+            <a:ext cx="523245" cy="523245"/>
+          </a:xfrm>
+          <a:prstGeom prst="ellipse">
+            <a:avLst/>
+          </a:prstGeom>
+          <a:ln w="28575">
+            <a:solidFill>
+              <a:schemeClr val="tx1"/>
+            </a:solidFill>
+          </a:ln>
+        </p:spPr>
+        <p:style>
+          <a:lnRef idx="2">
+            <a:schemeClr val="accent6"/>
+          </a:lnRef>
+          <a:fillRef idx="1">
+            <a:schemeClr val="lt1"/>
+          </a:fillRef>
+          <a:effectRef idx="0">
+            <a:schemeClr val="accent6"/>
+          </a:effectRef>
+          <a:fontRef idx="minor">
+            <a:schemeClr val="dk1"/>
+          </a:fontRef>
+        </p:style>
+        <p:txBody>
+          <a:bodyPr lIns="0" tIns="0" rIns="0" bIns="0" rtlCol="0" anchor="ctr"/>
+          <a:lstStyle/>
+          <a:p>
+            <a:pPr algn="ctr"/>
+            <a:r>
+              <a:rPr lang="en-US" dirty="0" smtClean="0">
+                <a:solidFill>
+                  <a:schemeClr val="tx1"/>
+                </a:solidFill>
+              </a:rPr>
+              <a:t>50</a:t>
+            </a:r>
+            <a:endParaRPr lang="en-US" dirty="0">
+              <a:solidFill>
+                <a:schemeClr val="tx1"/>
+              </a:solidFill>
+            </a:endParaRPr>
+          </a:p>
+        </p:txBody>
+      </p:sp>
+      <p:cxnSp>
+        <p:nvCxnSpPr>
+          <p:cNvPr id="41" name="Straight Connector 40"/>
+          <p:cNvCxnSpPr>
+            <a:endCxn id="40" idx="7"/>
+          </p:cNvCxnSpPr>
+          <p:nvPr/>
+        </p:nvCxnSpPr>
+        <p:spPr>
+          <a:xfrm flipH="1">
+            <a:off x="3870187" y="3218210"/>
+            <a:ext cx="248970" cy="304046"/>
+          </a:xfrm>
+          <a:prstGeom prst="line">
+            <a:avLst/>
+          </a:prstGeom>
+          <a:ln w="25400">
+            <a:solidFill>
+              <a:schemeClr val="tx1"/>
+            </a:solidFill>
+          </a:ln>
+        </p:spPr>
+        <p:style>
+          <a:lnRef idx="1">
+            <a:schemeClr val="accent1"/>
+          </a:lnRef>
+          <a:fillRef idx="0">
+            <a:schemeClr val="accent1"/>
+          </a:fillRef>
+          <a:effectRef idx="0">
+            <a:schemeClr val="accent1"/>
+          </a:effectRef>
+          <a:fontRef idx="minor">
+            <a:schemeClr val="tx1"/>
+          </a:fontRef>
+        </p:style>
+      </p:cxnSp>
+      <p:sp>
+        <p:nvSpPr>
+          <p:cNvPr id="42" name="Oval 41"/>
+          <p:cNvSpPr/>
+          <p:nvPr/>
+        </p:nvSpPr>
+        <p:spPr>
+          <a:xfrm>
+            <a:off x="4661491" y="3445629"/>
+            <a:ext cx="523245" cy="523245"/>
+          </a:xfrm>
+          <a:prstGeom prst="ellipse">
+            <a:avLst/>
+          </a:prstGeom>
+          <a:ln w="28575">
+            <a:solidFill>
+              <a:schemeClr val="tx1"/>
+            </a:solidFill>
+          </a:ln>
+        </p:spPr>
+        <p:style>
+          <a:lnRef idx="2">
+            <a:schemeClr val="accent6"/>
+          </a:lnRef>
+          <a:fillRef idx="1">
+            <a:schemeClr val="lt1"/>
+          </a:fillRef>
+          <a:effectRef idx="0">
+            <a:schemeClr val="accent6"/>
+          </a:effectRef>
+          <a:fontRef idx="minor">
+            <a:schemeClr val="dk1"/>
+          </a:fontRef>
+        </p:style>
+        <p:txBody>
+          <a:bodyPr lIns="0" tIns="0" rIns="0" bIns="0" rtlCol="0" anchor="ctr"/>
+          <a:lstStyle/>
+          <a:p>
+            <a:pPr algn="ctr"/>
+            <a:r>
+              <a:rPr lang="en-US" dirty="0" smtClean="0">
+                <a:solidFill>
+                  <a:schemeClr val="tx1"/>
+                </a:solidFill>
+              </a:rPr>
+              <a:t>70</a:t>
+            </a:r>
+            <a:endParaRPr lang="en-US" dirty="0">
+              <a:solidFill>
+                <a:schemeClr val="tx1"/>
+              </a:solidFill>
+            </a:endParaRPr>
+          </a:p>
+        </p:txBody>
+      </p:sp>
+      <p:cxnSp>
+        <p:nvCxnSpPr>
+          <p:cNvPr id="43" name="Straight Connector 42"/>
+          <p:cNvCxnSpPr>
+            <a:endCxn id="42" idx="1"/>
+          </p:cNvCxnSpPr>
+          <p:nvPr/>
+        </p:nvCxnSpPr>
+        <p:spPr>
+          <a:xfrm>
+            <a:off x="4489148" y="3218210"/>
+            <a:ext cx="248970" cy="304046"/>
+          </a:xfrm>
+          <a:prstGeom prst="line">
+            <a:avLst/>
+          </a:prstGeom>
+          <a:ln w="25400">
+            <a:solidFill>
+              <a:schemeClr val="tx1"/>
+            </a:solidFill>
+          </a:ln>
+        </p:spPr>
+        <p:style>
+          <a:lnRef idx="1">
+            <a:schemeClr val="accent1"/>
+          </a:lnRef>
+          <a:fillRef idx="0">
+            <a:schemeClr val="accent1"/>
+          </a:fillRef>
+          <a:effectRef idx="0">
+            <a:schemeClr val="accent1"/>
+          </a:effectRef>
+          <a:fontRef idx="minor">
+            <a:schemeClr val="tx1"/>
+          </a:fontRef>
+        </p:style>
+      </p:cxnSp>
+      <p:sp>
+        <p:nvSpPr>
+          <p:cNvPr id="32" name="Oval 31"/>
+          <p:cNvSpPr/>
+          <p:nvPr/>
+        </p:nvSpPr>
+        <p:spPr>
+          <a:xfrm>
+            <a:off x="2780860" y="4110271"/>
+            <a:ext cx="523245" cy="523245"/>
+          </a:xfrm>
+          <a:prstGeom prst="ellipse">
+            <a:avLst/>
+          </a:prstGeom>
+          <a:ln w="28575">
+            <a:solidFill>
+              <a:schemeClr val="tx1"/>
+            </a:solidFill>
+          </a:ln>
+        </p:spPr>
+        <p:style>
+          <a:lnRef idx="2">
+            <a:schemeClr val="accent6"/>
+          </a:lnRef>
+          <a:fillRef idx="1">
+            <a:schemeClr val="lt1"/>
+          </a:fillRef>
+          <a:effectRef idx="0">
+            <a:schemeClr val="accent6"/>
+          </a:effectRef>
+          <a:fontRef idx="minor">
+            <a:schemeClr val="dk1"/>
+          </a:fontRef>
+        </p:style>
+        <p:txBody>
+          <a:bodyPr lIns="0" tIns="0" rIns="0" bIns="0" rtlCol="0" anchor="ctr"/>
+          <a:lstStyle/>
+          <a:p>
+            <a:pPr algn="ctr"/>
+            <a:r>
+              <a:rPr lang="en-US" dirty="0" smtClean="0">
+                <a:solidFill>
+                  <a:schemeClr val="tx1"/>
+                </a:solidFill>
+              </a:rPr>
+              <a:t>45</a:t>
+            </a:r>
+            <a:endParaRPr lang="en-US" dirty="0">
+              <a:solidFill>
+                <a:schemeClr val="tx1"/>
+              </a:solidFill>
+            </a:endParaRPr>
+          </a:p>
+        </p:txBody>
+      </p:sp>
+      <p:cxnSp>
+        <p:nvCxnSpPr>
+          <p:cNvPr id="33" name="Straight Connector 32"/>
+          <p:cNvCxnSpPr>
+            <a:endCxn id="32" idx="7"/>
+          </p:cNvCxnSpPr>
+          <p:nvPr/>
+        </p:nvCxnSpPr>
+        <p:spPr>
+          <a:xfrm flipH="1">
+            <a:off x="3227478" y="3882852"/>
+            <a:ext cx="248970" cy="304046"/>
+          </a:xfrm>
+          <a:prstGeom prst="line">
+            <a:avLst/>
+          </a:prstGeom>
+          <a:ln w="25400">
+            <a:solidFill>
+              <a:schemeClr val="tx1"/>
+            </a:solidFill>
+          </a:ln>
+        </p:spPr>
+        <p:style>
+          <a:lnRef idx="1">
+            <a:schemeClr val="accent1"/>
+          </a:lnRef>
+          <a:fillRef idx="0">
+            <a:schemeClr val="accent1"/>
+          </a:fillRef>
+          <a:effectRef idx="0">
+            <a:schemeClr val="accent1"/>
+          </a:effectRef>
+          <a:fontRef idx="minor">
+            <a:schemeClr val="tx1"/>
+          </a:fontRef>
+        </p:style>
+      </p:cxnSp>
+      <p:sp>
+        <p:nvSpPr>
+          <p:cNvPr id="34" name="Oval 33"/>
+          <p:cNvSpPr/>
+          <p:nvPr/>
+        </p:nvSpPr>
+        <p:spPr>
+          <a:xfrm>
+            <a:off x="4018782" y="4110271"/>
+            <a:ext cx="523245" cy="523245"/>
+          </a:xfrm>
+          <a:prstGeom prst="ellipse">
+            <a:avLst/>
+          </a:prstGeom>
+          <a:solidFill>
+            <a:srgbClr val="FFFF00"/>
+          </a:solidFill>
+          <a:ln w="28575">
+            <a:solidFill>
+              <a:schemeClr val="tx1"/>
+            </a:solidFill>
+          </a:ln>
+        </p:spPr>
+        <p:style>
+          <a:lnRef idx="2">
+            <a:schemeClr val="accent6"/>
+          </a:lnRef>
+          <a:fillRef idx="1">
+            <a:schemeClr val="lt1"/>
+          </a:fillRef>
+          <a:effectRef idx="0">
+            <a:schemeClr val="accent6"/>
+          </a:effectRef>
+          <a:fontRef idx="minor">
+            <a:schemeClr val="dk1"/>
+          </a:fontRef>
+        </p:style>
+        <p:txBody>
+          <a:bodyPr lIns="0" tIns="0" rIns="0" bIns="0" rtlCol="0" anchor="ctr"/>
+          <a:lstStyle/>
+          <a:p>
+            <a:pPr algn="ctr"/>
+            <a:r>
+              <a:rPr lang="en-US" dirty="0">
+                <a:solidFill>
+                  <a:schemeClr val="tx1"/>
+                </a:solidFill>
+              </a:rPr>
+              <a:t>5</a:t>
+            </a:r>
+            <a:r>
+              <a:rPr lang="en-US" dirty="0" smtClean="0">
+                <a:solidFill>
+                  <a:schemeClr val="tx1"/>
+                </a:solidFill>
+              </a:rPr>
+              <a:t>5</a:t>
+            </a:r>
+            <a:endParaRPr lang="en-US" dirty="0">
+              <a:solidFill>
+                <a:schemeClr val="tx1"/>
+              </a:solidFill>
+            </a:endParaRPr>
+          </a:p>
+        </p:txBody>
+      </p:sp>
+      <p:cxnSp>
+        <p:nvCxnSpPr>
+          <p:cNvPr id="35" name="Straight Connector 34"/>
+          <p:cNvCxnSpPr>
+            <a:endCxn id="34" idx="1"/>
+          </p:cNvCxnSpPr>
+          <p:nvPr/>
+        </p:nvCxnSpPr>
+        <p:spPr>
+          <a:xfrm>
+            <a:off x="3846439" y="3882852"/>
+            <a:ext cx="248970" cy="304046"/>
+          </a:xfrm>
+          <a:prstGeom prst="line">
+            <a:avLst/>
+          </a:prstGeom>
+          <a:ln w="25400">
+            <a:solidFill>
+              <a:schemeClr val="tx1"/>
+            </a:solidFill>
+          </a:ln>
+        </p:spPr>
+        <p:style>
+          <a:lnRef idx="1">
+            <a:schemeClr val="accent1"/>
+          </a:lnRef>
+          <a:fillRef idx="0">
+            <a:schemeClr val="accent1"/>
+          </a:fillRef>
+          <a:effectRef idx="0">
+            <a:schemeClr val="accent1"/>
+          </a:effectRef>
+          <a:fontRef idx="minor">
+            <a:schemeClr val="tx1"/>
+          </a:fontRef>
+        </p:style>
+      </p:cxnSp>
+      <p:sp>
+        <p:nvSpPr>
+          <p:cNvPr id="44" name="Oval 43"/>
+          <p:cNvSpPr/>
+          <p:nvPr/>
+        </p:nvSpPr>
+        <p:spPr>
+          <a:xfrm>
+            <a:off x="3476448" y="4838411"/>
+            <a:ext cx="523245" cy="523245"/>
+          </a:xfrm>
+          <a:prstGeom prst="ellipse">
+            <a:avLst/>
+          </a:prstGeom>
+          <a:solidFill>
+            <a:srgbClr val="FFFF00"/>
+          </a:solidFill>
+          <a:ln w="28575">
+            <a:solidFill>
+              <a:schemeClr val="tx1"/>
+            </a:solidFill>
+          </a:ln>
+        </p:spPr>
+        <p:style>
+          <a:lnRef idx="2">
+            <a:schemeClr val="accent6"/>
+          </a:lnRef>
+          <a:fillRef idx="1">
+            <a:schemeClr val="lt1"/>
+          </a:fillRef>
+          <a:effectRef idx="0">
+            <a:schemeClr val="accent6"/>
+          </a:effectRef>
+          <a:fontRef idx="minor">
+            <a:schemeClr val="dk1"/>
+          </a:fontRef>
+        </p:style>
+        <p:txBody>
+          <a:bodyPr lIns="0" tIns="0" rIns="0" bIns="0" rtlCol="0" anchor="ctr"/>
+          <a:lstStyle/>
+          <a:p>
+            <a:pPr algn="ctr"/>
+            <a:r>
+              <a:rPr lang="en-US" dirty="0" smtClean="0">
+                <a:solidFill>
+                  <a:schemeClr val="tx1"/>
+                </a:solidFill>
+              </a:rPr>
+              <a:t>52</a:t>
+            </a:r>
+            <a:endParaRPr lang="en-US" dirty="0">
+              <a:solidFill>
+                <a:schemeClr val="tx1"/>
+              </a:solidFill>
+            </a:endParaRPr>
+          </a:p>
+        </p:txBody>
+      </p:sp>
+      <p:cxnSp>
+        <p:nvCxnSpPr>
+          <p:cNvPr id="45" name="Straight Connector 44"/>
+          <p:cNvCxnSpPr>
+            <a:endCxn id="44" idx="7"/>
+          </p:cNvCxnSpPr>
+          <p:nvPr/>
+        </p:nvCxnSpPr>
+        <p:spPr>
+          <a:xfrm flipH="1">
+            <a:off x="3923066" y="4610992"/>
+            <a:ext cx="248970" cy="304046"/>
+          </a:xfrm>
+          <a:prstGeom prst="line">
+            <a:avLst/>
+          </a:prstGeom>
+          <a:ln w="25400">
+            <a:solidFill>
+              <a:schemeClr val="tx1"/>
+            </a:solidFill>
+          </a:ln>
+        </p:spPr>
+        <p:style>
+          <a:lnRef idx="1">
+            <a:schemeClr val="accent1"/>
+          </a:lnRef>
+          <a:fillRef idx="0">
+            <a:schemeClr val="accent1"/>
+          </a:fillRef>
+          <a:effectRef idx="0">
+            <a:schemeClr val="accent1"/>
+          </a:effectRef>
+          <a:fontRef idx="minor">
+            <a:schemeClr val="tx1"/>
+          </a:fontRef>
+        </p:style>
+      </p:cxnSp>
+      <p:sp>
+        <p:nvSpPr>
+          <p:cNvPr id="46" name="Oval 45"/>
+          <p:cNvSpPr/>
+          <p:nvPr/>
+        </p:nvSpPr>
+        <p:spPr>
+          <a:xfrm>
+            <a:off x="7620700" y="2144263"/>
+            <a:ext cx="523245" cy="523245"/>
+          </a:xfrm>
+          <a:prstGeom prst="ellipse">
+            <a:avLst/>
+          </a:prstGeom>
+          <a:ln w="28575">
+            <a:solidFill>
+              <a:schemeClr val="tx1"/>
+            </a:solidFill>
+          </a:ln>
+        </p:spPr>
+        <p:style>
+          <a:lnRef idx="2">
+            <a:schemeClr val="accent6"/>
+          </a:lnRef>
+          <a:fillRef idx="1">
+            <a:schemeClr val="lt1"/>
+          </a:fillRef>
+          <a:effectRef idx="0">
+            <a:schemeClr val="accent6"/>
+          </a:effectRef>
+          <a:fontRef idx="minor">
+            <a:schemeClr val="dk1"/>
+          </a:fontRef>
+        </p:style>
+        <p:txBody>
+          <a:bodyPr lIns="0" tIns="0" rIns="0" bIns="0" rtlCol="0" anchor="ctr"/>
+          <a:lstStyle/>
+          <a:p>
+            <a:pPr algn="ctr"/>
+            <a:r>
+              <a:rPr lang="en-US" dirty="0" smtClean="0">
+                <a:solidFill>
+                  <a:schemeClr val="tx1"/>
+                </a:solidFill>
+              </a:rPr>
+              <a:t>40</a:t>
+            </a:r>
+            <a:endParaRPr lang="en-US" dirty="0">
+              <a:solidFill>
+                <a:schemeClr val="tx1"/>
+              </a:solidFill>
+            </a:endParaRPr>
+          </a:p>
+        </p:txBody>
+      </p:sp>
+      <p:sp>
+        <p:nvSpPr>
+          <p:cNvPr id="47" name="Oval 46"/>
+          <p:cNvSpPr/>
+          <p:nvPr/>
+        </p:nvSpPr>
+        <p:spPr>
+          <a:xfrm>
+            <a:off x="6555369" y="2818300"/>
+            <a:ext cx="523245" cy="523245"/>
+          </a:xfrm>
+          <a:prstGeom prst="ellipse">
+            <a:avLst/>
+          </a:prstGeom>
+          <a:ln w="28575">
+            <a:solidFill>
+              <a:schemeClr val="tx1"/>
+            </a:solidFill>
+          </a:ln>
+        </p:spPr>
+        <p:style>
+          <a:lnRef idx="2">
+            <a:schemeClr val="accent6"/>
+          </a:lnRef>
+          <a:fillRef idx="1">
+            <a:schemeClr val="lt1"/>
+          </a:fillRef>
+          <a:effectRef idx="0">
+            <a:schemeClr val="accent6"/>
+          </a:effectRef>
+          <a:fontRef idx="minor">
+            <a:schemeClr val="dk1"/>
+          </a:fontRef>
+        </p:style>
+        <p:txBody>
+          <a:bodyPr lIns="0" tIns="0" rIns="0" bIns="0" rtlCol="0" anchor="ctr"/>
+          <a:lstStyle/>
+          <a:p>
+            <a:pPr algn="ctr"/>
+            <a:r>
+              <a:rPr lang="en-US" dirty="0" smtClean="0">
+                <a:solidFill>
+                  <a:schemeClr val="tx1"/>
+                </a:solidFill>
+              </a:rPr>
+              <a:t>20</a:t>
+            </a:r>
+            <a:endParaRPr lang="en-US" dirty="0">
+              <a:solidFill>
+                <a:schemeClr val="tx1"/>
+              </a:solidFill>
+            </a:endParaRPr>
+          </a:p>
+        </p:txBody>
+      </p:sp>
+      <p:cxnSp>
+        <p:nvCxnSpPr>
+          <p:cNvPr id="48" name="Straight Connector 47"/>
+          <p:cNvCxnSpPr>
+            <a:stCxn id="61" idx="3"/>
+            <a:endCxn id="62" idx="7"/>
+          </p:cNvCxnSpPr>
+          <p:nvPr/>
+        </p:nvCxnSpPr>
+        <p:spPr>
+          <a:xfrm flipH="1">
+            <a:off x="7001987" y="2590881"/>
+            <a:ext cx="695340" cy="304046"/>
+          </a:xfrm>
+          <a:prstGeom prst="line">
+            <a:avLst/>
+          </a:prstGeom>
+          <a:ln w="25400">
+            <a:solidFill>
+              <a:schemeClr val="tx1"/>
+            </a:solidFill>
+          </a:ln>
+        </p:spPr>
+        <p:style>
+          <a:lnRef idx="1">
+            <a:schemeClr val="accent1"/>
+          </a:lnRef>
+          <a:fillRef idx="0">
+            <a:schemeClr val="accent1"/>
+          </a:fillRef>
+          <a:effectRef idx="0">
+            <a:schemeClr val="accent1"/>
+          </a:effectRef>
+          <a:fontRef idx="minor">
+            <a:schemeClr val="tx1"/>
+          </a:fontRef>
+        </p:style>
+      </p:cxnSp>
+      <p:sp>
+        <p:nvSpPr>
+          <p:cNvPr id="49" name="Oval 48"/>
+          <p:cNvSpPr/>
+          <p:nvPr/>
+        </p:nvSpPr>
+        <p:spPr>
+          <a:xfrm>
+            <a:off x="8679495" y="2815739"/>
+            <a:ext cx="523245" cy="523245"/>
+          </a:xfrm>
+          <a:prstGeom prst="ellipse">
+            <a:avLst/>
+          </a:prstGeom>
+          <a:solidFill>
+            <a:srgbClr val="FFFF00"/>
+          </a:solidFill>
+          <a:ln w="28575">
+            <a:solidFill>
+              <a:schemeClr val="tx1"/>
+            </a:solidFill>
+          </a:ln>
+        </p:spPr>
+        <p:style>
+          <a:lnRef idx="2">
+            <a:schemeClr val="accent6"/>
+          </a:lnRef>
+          <a:fillRef idx="1">
+            <a:schemeClr val="lt1"/>
+          </a:fillRef>
+          <a:effectRef idx="0">
+            <a:schemeClr val="accent6"/>
+          </a:effectRef>
+          <a:fontRef idx="minor">
+            <a:schemeClr val="dk1"/>
+          </a:fontRef>
+        </p:style>
+        <p:txBody>
+          <a:bodyPr lIns="0" tIns="0" rIns="0" bIns="0" rtlCol="0" anchor="ctr"/>
+          <a:lstStyle/>
+          <a:p>
+            <a:pPr algn="ctr"/>
+            <a:r>
+              <a:rPr lang="en-US" dirty="0" smtClean="0">
+                <a:solidFill>
+                  <a:schemeClr val="tx1"/>
+                </a:solidFill>
+              </a:rPr>
+              <a:t>55</a:t>
+            </a:r>
+            <a:endParaRPr lang="en-US" dirty="0">
+              <a:solidFill>
+                <a:schemeClr val="tx1"/>
+              </a:solidFill>
+            </a:endParaRPr>
+          </a:p>
+        </p:txBody>
+      </p:sp>
+      <p:cxnSp>
+        <p:nvCxnSpPr>
+          <p:cNvPr id="50" name="Straight Connector 49"/>
+          <p:cNvCxnSpPr>
+            <a:stCxn id="61" idx="5"/>
+          </p:cNvCxnSpPr>
+          <p:nvPr/>
+        </p:nvCxnSpPr>
+        <p:spPr>
+          <a:xfrm>
+            <a:off x="8067318" y="2590881"/>
+            <a:ext cx="688804" cy="301485"/>
+          </a:xfrm>
+          <a:prstGeom prst="line">
+            <a:avLst/>
+          </a:prstGeom>
+          <a:ln w="25400">
+            <a:solidFill>
+              <a:schemeClr val="tx1"/>
+            </a:solidFill>
+          </a:ln>
+        </p:spPr>
+        <p:style>
+          <a:lnRef idx="1">
+            <a:schemeClr val="accent1"/>
+          </a:lnRef>
+          <a:fillRef idx="0">
+            <a:schemeClr val="accent1"/>
+          </a:fillRef>
+          <a:effectRef idx="0">
+            <a:schemeClr val="accent1"/>
+          </a:effectRef>
+          <a:fontRef idx="minor">
+            <a:schemeClr val="tx1"/>
+          </a:fontRef>
+        </p:style>
+      </p:cxnSp>
+      <p:sp>
+        <p:nvSpPr>
+          <p:cNvPr id="51" name="Oval 50"/>
+          <p:cNvSpPr/>
+          <p:nvPr/>
+        </p:nvSpPr>
+        <p:spPr>
+          <a:xfrm>
+            <a:off x="5909365" y="3485503"/>
+            <a:ext cx="523245" cy="523245"/>
+          </a:xfrm>
+          <a:prstGeom prst="ellipse">
+            <a:avLst/>
+          </a:prstGeom>
+          <a:ln w="28575">
+            <a:solidFill>
+              <a:schemeClr val="tx1"/>
+            </a:solidFill>
+          </a:ln>
+        </p:spPr>
+        <p:style>
+          <a:lnRef idx="2">
+            <a:schemeClr val="accent6"/>
+          </a:lnRef>
+          <a:fillRef idx="1">
+            <a:schemeClr val="lt1"/>
+          </a:fillRef>
+          <a:effectRef idx="0">
+            <a:schemeClr val="accent6"/>
+          </a:effectRef>
+          <a:fontRef idx="minor">
+            <a:schemeClr val="dk1"/>
+          </a:fontRef>
+        </p:style>
+        <p:txBody>
+          <a:bodyPr lIns="0" tIns="0" rIns="0" bIns="0" rtlCol="0" anchor="ctr"/>
+          <a:lstStyle/>
+          <a:p>
+            <a:pPr algn="ctr"/>
+            <a:r>
+              <a:rPr lang="en-US" dirty="0" smtClean="0">
+                <a:solidFill>
+                  <a:schemeClr val="tx1"/>
+                </a:solidFill>
+              </a:rPr>
+              <a:t>10</a:t>
+            </a:r>
+            <a:endParaRPr lang="en-US" dirty="0">
+              <a:solidFill>
+                <a:schemeClr val="tx1"/>
+              </a:solidFill>
+            </a:endParaRPr>
+          </a:p>
+        </p:txBody>
+      </p:sp>
+      <p:cxnSp>
+        <p:nvCxnSpPr>
+          <p:cNvPr id="52" name="Straight Connector 51"/>
+          <p:cNvCxnSpPr/>
+          <p:nvPr/>
+        </p:nvCxnSpPr>
+        <p:spPr>
+          <a:xfrm flipH="1">
+            <a:off x="6355983" y="3258084"/>
+            <a:ext cx="248970" cy="304046"/>
+          </a:xfrm>
+          <a:prstGeom prst="line">
+            <a:avLst/>
+          </a:prstGeom>
+          <a:ln w="25400">
+            <a:solidFill>
+              <a:schemeClr val="tx1"/>
+            </a:solidFill>
+          </a:ln>
+        </p:spPr>
+        <p:style>
+          <a:lnRef idx="1">
+            <a:schemeClr val="accent1"/>
+          </a:lnRef>
+          <a:fillRef idx="0">
+            <a:schemeClr val="accent1"/>
+          </a:fillRef>
+          <a:effectRef idx="0">
+            <a:schemeClr val="accent1"/>
+          </a:effectRef>
+          <a:fontRef idx="minor">
+            <a:schemeClr val="tx1"/>
+          </a:fontRef>
+        </p:style>
+      </p:cxnSp>
+      <p:sp>
+        <p:nvSpPr>
+          <p:cNvPr id="53" name="Oval 52"/>
+          <p:cNvSpPr/>
+          <p:nvPr/>
+        </p:nvSpPr>
+        <p:spPr>
+          <a:xfrm>
+            <a:off x="7147287" y="3485503"/>
+            <a:ext cx="523245" cy="523245"/>
+          </a:xfrm>
+          <a:prstGeom prst="ellipse">
+            <a:avLst/>
+          </a:prstGeom>
+          <a:ln w="28575">
+            <a:solidFill>
+              <a:schemeClr val="tx1"/>
+            </a:solidFill>
+          </a:ln>
+        </p:spPr>
+        <p:style>
+          <a:lnRef idx="2">
+            <a:schemeClr val="accent6"/>
+          </a:lnRef>
+          <a:fillRef idx="1">
+            <a:schemeClr val="lt1"/>
+          </a:fillRef>
+          <a:effectRef idx="0">
+            <a:schemeClr val="accent6"/>
+          </a:effectRef>
+          <a:fontRef idx="minor">
+            <a:schemeClr val="dk1"/>
+          </a:fontRef>
+        </p:style>
+        <p:txBody>
+          <a:bodyPr lIns="0" tIns="0" rIns="0" bIns="0" rtlCol="0" anchor="ctr"/>
+          <a:lstStyle/>
+          <a:p>
+            <a:pPr algn="ctr"/>
+            <a:r>
+              <a:rPr lang="en-US" dirty="0" smtClean="0">
+                <a:solidFill>
+                  <a:schemeClr val="tx1"/>
+                </a:solidFill>
+              </a:rPr>
+              <a:t>30</a:t>
+            </a:r>
+            <a:endParaRPr lang="en-US" dirty="0">
+              <a:solidFill>
+                <a:schemeClr val="tx1"/>
+              </a:solidFill>
+            </a:endParaRPr>
+          </a:p>
+        </p:txBody>
+      </p:sp>
+      <p:cxnSp>
+        <p:nvCxnSpPr>
+          <p:cNvPr id="54" name="Straight Connector 53"/>
+          <p:cNvCxnSpPr/>
+          <p:nvPr/>
+        </p:nvCxnSpPr>
+        <p:spPr>
+          <a:xfrm>
+            <a:off x="6974944" y="3258084"/>
+            <a:ext cx="248970" cy="304046"/>
+          </a:xfrm>
+          <a:prstGeom prst="line">
+            <a:avLst/>
+          </a:prstGeom>
+          <a:ln w="25400">
+            <a:solidFill>
+              <a:schemeClr val="tx1"/>
+            </a:solidFill>
+          </a:ln>
+        </p:spPr>
+        <p:style>
+          <a:lnRef idx="1">
+            <a:schemeClr val="accent1"/>
+          </a:lnRef>
+          <a:fillRef idx="0">
+            <a:schemeClr val="accent1"/>
+          </a:fillRef>
+          <a:effectRef idx="0">
+            <a:schemeClr val="accent1"/>
+          </a:effectRef>
+          <a:fontRef idx="minor">
+            <a:schemeClr val="tx1"/>
+          </a:fontRef>
+        </p:style>
+      </p:cxnSp>
+      <p:sp>
+        <p:nvSpPr>
+          <p:cNvPr id="55" name="Oval 54"/>
+          <p:cNvSpPr/>
+          <p:nvPr/>
+        </p:nvSpPr>
+        <p:spPr>
+          <a:xfrm>
+            <a:off x="8084282" y="3480381"/>
+            <a:ext cx="523245" cy="523245"/>
+          </a:xfrm>
+          <a:prstGeom prst="ellipse">
+            <a:avLst/>
+          </a:prstGeom>
+          <a:ln w="28575">
+            <a:solidFill>
+              <a:schemeClr val="tx1"/>
+            </a:solidFill>
+          </a:ln>
+        </p:spPr>
+        <p:style>
+          <a:lnRef idx="2">
+            <a:schemeClr val="accent6"/>
+          </a:lnRef>
+          <a:fillRef idx="1">
+            <a:schemeClr val="lt1"/>
+          </a:fillRef>
+          <a:effectRef idx="0">
+            <a:schemeClr val="accent6"/>
+          </a:effectRef>
+          <a:fontRef idx="minor">
+            <a:schemeClr val="dk1"/>
+          </a:fontRef>
+        </p:style>
+        <p:txBody>
+          <a:bodyPr lIns="0" tIns="0" rIns="0" bIns="0" rtlCol="0" anchor="ctr"/>
+          <a:lstStyle/>
+          <a:p>
+            <a:pPr algn="ctr"/>
+            <a:r>
+              <a:rPr lang="en-US" dirty="0" smtClean="0">
+                <a:solidFill>
+                  <a:schemeClr val="tx1"/>
+                </a:solidFill>
+              </a:rPr>
+              <a:t>50</a:t>
+            </a:r>
+            <a:endParaRPr lang="en-US" dirty="0">
+              <a:solidFill>
+                <a:schemeClr val="tx1"/>
+              </a:solidFill>
+            </a:endParaRPr>
+          </a:p>
+        </p:txBody>
+      </p:sp>
+      <p:cxnSp>
+        <p:nvCxnSpPr>
+          <p:cNvPr id="56" name="Straight Connector 55"/>
+          <p:cNvCxnSpPr/>
+          <p:nvPr/>
+        </p:nvCxnSpPr>
+        <p:spPr>
+          <a:xfrm flipH="1">
+            <a:off x="8530900" y="3252962"/>
+            <a:ext cx="248970" cy="304046"/>
+          </a:xfrm>
+          <a:prstGeom prst="line">
+            <a:avLst/>
+          </a:prstGeom>
+          <a:ln w="25400">
+            <a:solidFill>
+              <a:schemeClr val="tx1"/>
+            </a:solidFill>
+          </a:ln>
+        </p:spPr>
+        <p:style>
+          <a:lnRef idx="1">
+            <a:schemeClr val="accent1"/>
+          </a:lnRef>
+          <a:fillRef idx="0">
+            <a:schemeClr val="accent1"/>
+          </a:fillRef>
+          <a:effectRef idx="0">
+            <a:schemeClr val="accent1"/>
+          </a:effectRef>
+          <a:fontRef idx="minor">
+            <a:schemeClr val="tx1"/>
+          </a:fontRef>
+        </p:style>
+      </p:cxnSp>
+      <p:sp>
+        <p:nvSpPr>
+          <p:cNvPr id="57" name="Oval 56"/>
+          <p:cNvSpPr/>
+          <p:nvPr/>
+        </p:nvSpPr>
+        <p:spPr>
+          <a:xfrm>
+            <a:off x="9322204" y="3480381"/>
+            <a:ext cx="523245" cy="523245"/>
+          </a:xfrm>
+          <a:prstGeom prst="ellipse">
+            <a:avLst/>
+          </a:prstGeom>
+          <a:ln w="28575">
+            <a:solidFill>
+              <a:schemeClr val="tx1"/>
+            </a:solidFill>
+          </a:ln>
+        </p:spPr>
+        <p:style>
+          <a:lnRef idx="2">
+            <a:schemeClr val="accent6"/>
+          </a:lnRef>
+          <a:fillRef idx="1">
+            <a:schemeClr val="lt1"/>
+          </a:fillRef>
+          <a:effectRef idx="0">
+            <a:schemeClr val="accent6"/>
+          </a:effectRef>
+          <a:fontRef idx="minor">
+            <a:schemeClr val="dk1"/>
+          </a:fontRef>
+        </p:style>
+        <p:txBody>
+          <a:bodyPr lIns="0" tIns="0" rIns="0" bIns="0" rtlCol="0" anchor="ctr"/>
+          <a:lstStyle/>
+          <a:p>
+            <a:pPr algn="ctr"/>
+            <a:r>
+              <a:rPr lang="en-US" dirty="0" smtClean="0">
+                <a:solidFill>
+                  <a:schemeClr val="tx1"/>
+                </a:solidFill>
+              </a:rPr>
+              <a:t>70</a:t>
+            </a:r>
+            <a:endParaRPr lang="en-US" dirty="0">
+              <a:solidFill>
+                <a:schemeClr val="tx1"/>
+              </a:solidFill>
+            </a:endParaRPr>
+          </a:p>
+        </p:txBody>
+      </p:sp>
+      <p:cxnSp>
+        <p:nvCxnSpPr>
+          <p:cNvPr id="58" name="Straight Connector 57"/>
+          <p:cNvCxnSpPr/>
+          <p:nvPr/>
+        </p:nvCxnSpPr>
+        <p:spPr>
+          <a:xfrm>
+            <a:off x="9149861" y="3252962"/>
+            <a:ext cx="248970" cy="304046"/>
+          </a:xfrm>
+          <a:prstGeom prst="line">
+            <a:avLst/>
+          </a:prstGeom>
+          <a:ln w="25400">
+            <a:solidFill>
+              <a:schemeClr val="tx1"/>
+            </a:solidFill>
+          </a:ln>
+        </p:spPr>
+        <p:style>
+          <a:lnRef idx="1">
+            <a:schemeClr val="accent1"/>
+          </a:lnRef>
+          <a:fillRef idx="0">
+            <a:schemeClr val="accent1"/>
+          </a:fillRef>
+          <a:effectRef idx="0">
+            <a:schemeClr val="accent1"/>
+          </a:effectRef>
+          <a:fontRef idx="minor">
+            <a:schemeClr val="tx1"/>
+          </a:fontRef>
+        </p:style>
+      </p:cxnSp>
+      <p:sp>
+        <p:nvSpPr>
+          <p:cNvPr id="59" name="Oval 58"/>
+          <p:cNvSpPr/>
+          <p:nvPr/>
+        </p:nvSpPr>
+        <p:spPr>
+          <a:xfrm>
+            <a:off x="7441573" y="4145023"/>
+            <a:ext cx="523245" cy="523245"/>
+          </a:xfrm>
+          <a:prstGeom prst="ellipse">
+            <a:avLst/>
+          </a:prstGeom>
+          <a:ln w="28575">
+            <a:solidFill>
+              <a:schemeClr val="tx1"/>
+            </a:solidFill>
+          </a:ln>
+        </p:spPr>
+        <p:style>
+          <a:lnRef idx="2">
+            <a:schemeClr val="accent6"/>
+          </a:lnRef>
+          <a:fillRef idx="1">
+            <a:schemeClr val="lt1"/>
+          </a:fillRef>
+          <a:effectRef idx="0">
+            <a:schemeClr val="accent6"/>
+          </a:effectRef>
+          <a:fontRef idx="minor">
+            <a:schemeClr val="dk1"/>
+          </a:fontRef>
+        </p:style>
+        <p:txBody>
+          <a:bodyPr lIns="0" tIns="0" rIns="0" bIns="0" rtlCol="0" anchor="ctr"/>
+          <a:lstStyle/>
+          <a:p>
+            <a:pPr algn="ctr"/>
+            <a:r>
+              <a:rPr lang="en-US" dirty="0" smtClean="0">
+                <a:solidFill>
+                  <a:schemeClr val="tx1"/>
+                </a:solidFill>
+              </a:rPr>
+              <a:t>45</a:t>
+            </a:r>
+            <a:endParaRPr lang="en-US" dirty="0">
+              <a:solidFill>
+                <a:schemeClr val="tx1"/>
+              </a:solidFill>
+            </a:endParaRPr>
+          </a:p>
+        </p:txBody>
+      </p:sp>
+      <p:cxnSp>
+        <p:nvCxnSpPr>
+          <p:cNvPr id="60" name="Straight Connector 59"/>
+          <p:cNvCxnSpPr/>
+          <p:nvPr/>
+        </p:nvCxnSpPr>
+        <p:spPr>
+          <a:xfrm flipH="1">
+            <a:off x="7888191" y="3917604"/>
+            <a:ext cx="248970" cy="304046"/>
+          </a:xfrm>
+          <a:prstGeom prst="line">
+            <a:avLst/>
+          </a:prstGeom>
+          <a:ln w="25400">
+            <a:solidFill>
+              <a:schemeClr val="tx1"/>
+            </a:solidFill>
+          </a:ln>
+        </p:spPr>
+        <p:style>
+          <a:lnRef idx="1">
+            <a:schemeClr val="accent1"/>
+          </a:lnRef>
+          <a:fillRef idx="0">
+            <a:schemeClr val="accent1"/>
+          </a:fillRef>
+          <a:effectRef idx="0">
+            <a:schemeClr val="accent1"/>
+          </a:effectRef>
+          <a:fontRef idx="minor">
+            <a:schemeClr val="tx1"/>
+          </a:fontRef>
+        </p:style>
+      </p:cxnSp>
+      <p:sp>
+        <p:nvSpPr>
+          <p:cNvPr id="61" name="Oval 60"/>
+          <p:cNvSpPr/>
+          <p:nvPr/>
+        </p:nvSpPr>
+        <p:spPr>
+          <a:xfrm>
+            <a:off x="8679495" y="4145023"/>
+            <a:ext cx="523245" cy="523245"/>
+          </a:xfrm>
+          <a:prstGeom prst="ellipse">
+            <a:avLst/>
+          </a:prstGeom>
+          <a:solidFill>
+            <a:srgbClr val="FFFF00"/>
+          </a:solidFill>
+          <a:ln w="28575">
+            <a:solidFill>
+              <a:schemeClr val="tx1"/>
+            </a:solidFill>
+          </a:ln>
+        </p:spPr>
+        <p:style>
+          <a:lnRef idx="2">
+            <a:schemeClr val="accent6"/>
+          </a:lnRef>
+          <a:fillRef idx="1">
+            <a:schemeClr val="lt1"/>
+          </a:fillRef>
+          <a:effectRef idx="0">
+            <a:schemeClr val="accent6"/>
+          </a:effectRef>
+          <a:fontRef idx="minor">
+            <a:schemeClr val="dk1"/>
+          </a:fontRef>
+        </p:style>
+        <p:txBody>
+          <a:bodyPr lIns="0" tIns="0" rIns="0" bIns="0" rtlCol="0" anchor="ctr"/>
+          <a:lstStyle/>
+          <a:p>
+            <a:pPr algn="ctr"/>
+            <a:r>
+              <a:rPr lang="en-US" dirty="0" smtClean="0">
+                <a:solidFill>
+                  <a:schemeClr val="tx1"/>
+                </a:solidFill>
+              </a:rPr>
+              <a:t>5</a:t>
+            </a:r>
+            <a:r>
+              <a:rPr lang="en-US" dirty="0" smtClean="0">
+                <a:solidFill>
+                  <a:schemeClr val="tx1"/>
+                </a:solidFill>
+              </a:rPr>
+              <a:t>2</a:t>
+            </a:r>
+            <a:endParaRPr lang="en-US" dirty="0">
+              <a:solidFill>
+                <a:schemeClr val="tx1"/>
+              </a:solidFill>
+            </a:endParaRPr>
+          </a:p>
+        </p:txBody>
+      </p:sp>
+      <p:cxnSp>
+        <p:nvCxnSpPr>
+          <p:cNvPr id="62" name="Straight Connector 61"/>
+          <p:cNvCxnSpPr/>
+          <p:nvPr/>
+        </p:nvCxnSpPr>
+        <p:spPr>
+          <a:xfrm>
+            <a:off x="8507152" y="3917604"/>
+            <a:ext cx="248970" cy="304046"/>
+          </a:xfrm>
+          <a:prstGeom prst="line">
+            <a:avLst/>
+          </a:prstGeom>
+          <a:ln w="25400">
+            <a:solidFill>
+              <a:schemeClr val="tx1"/>
+            </a:solidFill>
+          </a:ln>
+        </p:spPr>
+        <p:style>
+          <a:lnRef idx="1">
+            <a:schemeClr val="accent1"/>
+          </a:lnRef>
+          <a:fillRef idx="0">
+            <a:schemeClr val="accent1"/>
+          </a:fillRef>
+          <a:effectRef idx="0">
+            <a:schemeClr val="accent1"/>
+          </a:effectRef>
+          <a:fontRef idx="minor">
+            <a:schemeClr val="tx1"/>
+          </a:fontRef>
+        </p:style>
+      </p:cxnSp>
+    </p:spTree>
+    <p:extLst>
+      <p:ext uri="{BB962C8B-B14F-4D97-AF65-F5344CB8AC3E}">
+        <p14:creationId xmlns:p14="http://schemas.microsoft.com/office/powerpoint/2010/main" val="335243459"/>
+      </p:ext>
+    </p:extLst>
+  </p:cSld>
+  <p:clrMapOvr>
+    <a:masterClrMapping/>
+  </p:clrMapOvr>
+</p:sld>
+</file>
+
 <file path=ppt/slides/slide4.xml><?xml version="1.0" encoding="utf-8"?>
 <p:sld xmlns:a="http://schemas.openxmlformats.org/drawingml/2006/main" xmlns:r="http://schemas.openxmlformats.org/officeDocument/2006/relationships" xmlns:p="http://schemas.openxmlformats.org/presentationml/2006/main">
   <p:cSld>

--- a/DSA07-Tree/figures/figures.pptx
+++ b/DSA07-Tree/figures/figures.pptx
@@ -5,7 +5,7 @@
     <p:sldMasterId id="2147483648" r:id="rId1"/>
   </p:sldMasterIdLst>
   <p:notesMasterIdLst>
-    <p:notesMasterId r:id="rId41"/>
+    <p:notesMasterId r:id="rId42"/>
   </p:notesMasterIdLst>
   <p:sldIdLst>
     <p:sldId id="256" r:id="rId2"/>
@@ -47,6 +47,7 @@
     <p:sldId id="292" r:id="rId38"/>
     <p:sldId id="293" r:id="rId39"/>
     <p:sldId id="294" r:id="rId40"/>
+    <p:sldId id="296" r:id="rId41"/>
   </p:sldIdLst>
   <p:sldSz cx="12192000" cy="6858000"/>
   <p:notesSz cx="6858000" cy="9144000"/>
@@ -235,7 +236,7 @@
           <a:p>
             <a:fld id="{584920C7-C25A-664B-9A52-492C7F15B7FA}" type="datetimeFigureOut">
               <a:rPr lang="en-US" smtClean="0"/>
-              <a:t>4/21/17</a:t>
+              <a:t>4/26/17</a:t>
             </a:fld>
             <a:endParaRPr lang="en-US"/>
           </a:p>
@@ -634,7 +635,7 @@
           <a:p>
             <a:fld id="{0E479A5B-CC94-9547-97CB-F1593DCBBC82}" type="datetimeFigureOut">
               <a:rPr lang="en-US" smtClean="0"/>
-              <a:t>4/21/17</a:t>
+              <a:t>4/26/17</a:t>
             </a:fld>
             <a:endParaRPr lang="en-US"/>
           </a:p>
@@ -804,7 +805,7 @@
           <a:p>
             <a:fld id="{0E479A5B-CC94-9547-97CB-F1593DCBBC82}" type="datetimeFigureOut">
               <a:rPr lang="en-US" smtClean="0"/>
-              <a:t>4/21/17</a:t>
+              <a:t>4/26/17</a:t>
             </a:fld>
             <a:endParaRPr lang="en-US"/>
           </a:p>
@@ -984,7 +985,7 @@
           <a:p>
             <a:fld id="{0E479A5B-CC94-9547-97CB-F1593DCBBC82}" type="datetimeFigureOut">
               <a:rPr lang="en-US" smtClean="0"/>
-              <a:t>4/21/17</a:t>
+              <a:t>4/26/17</a:t>
             </a:fld>
             <a:endParaRPr lang="en-US"/>
           </a:p>
@@ -1154,7 +1155,7 @@
           <a:p>
             <a:fld id="{0E479A5B-CC94-9547-97CB-F1593DCBBC82}" type="datetimeFigureOut">
               <a:rPr lang="en-US" smtClean="0"/>
-              <a:t>4/21/17</a:t>
+              <a:t>4/26/17</a:t>
             </a:fld>
             <a:endParaRPr lang="en-US"/>
           </a:p>
@@ -1400,7 +1401,7 @@
           <a:p>
             <a:fld id="{0E479A5B-CC94-9547-97CB-F1593DCBBC82}" type="datetimeFigureOut">
               <a:rPr lang="en-US" smtClean="0"/>
-              <a:t>4/21/17</a:t>
+              <a:t>4/26/17</a:t>
             </a:fld>
             <a:endParaRPr lang="en-US"/>
           </a:p>
@@ -1632,7 +1633,7 @@
           <a:p>
             <a:fld id="{0E479A5B-CC94-9547-97CB-F1593DCBBC82}" type="datetimeFigureOut">
               <a:rPr lang="en-US" smtClean="0"/>
-              <a:t>4/21/17</a:t>
+              <a:t>4/26/17</a:t>
             </a:fld>
             <a:endParaRPr lang="en-US"/>
           </a:p>
@@ -1999,7 +2000,7 @@
           <a:p>
             <a:fld id="{0E479A5B-CC94-9547-97CB-F1593DCBBC82}" type="datetimeFigureOut">
               <a:rPr lang="en-US" smtClean="0"/>
-              <a:t>4/21/17</a:t>
+              <a:t>4/26/17</a:t>
             </a:fld>
             <a:endParaRPr lang="en-US"/>
           </a:p>
@@ -2117,7 +2118,7 @@
           <a:p>
             <a:fld id="{0E479A5B-CC94-9547-97CB-F1593DCBBC82}" type="datetimeFigureOut">
               <a:rPr lang="en-US" smtClean="0"/>
-              <a:t>4/21/17</a:t>
+              <a:t>4/26/17</a:t>
             </a:fld>
             <a:endParaRPr lang="en-US"/>
           </a:p>
@@ -2212,7 +2213,7 @@
           <a:p>
             <a:fld id="{0E479A5B-CC94-9547-97CB-F1593DCBBC82}" type="datetimeFigureOut">
               <a:rPr lang="en-US" smtClean="0"/>
-              <a:t>4/21/17</a:t>
+              <a:t>4/26/17</a:t>
             </a:fld>
             <a:endParaRPr lang="en-US"/>
           </a:p>
@@ -2489,7 +2490,7 @@
           <a:p>
             <a:fld id="{0E479A5B-CC94-9547-97CB-F1593DCBBC82}" type="datetimeFigureOut">
               <a:rPr lang="en-US" smtClean="0"/>
-              <a:t>4/21/17</a:t>
+              <a:t>4/26/17</a:t>
             </a:fld>
             <a:endParaRPr lang="en-US"/>
           </a:p>
@@ -2742,7 +2743,7 @@
           <a:p>
             <a:fld id="{0E479A5B-CC94-9547-97CB-F1593DCBBC82}" type="datetimeFigureOut">
               <a:rPr lang="en-US" smtClean="0"/>
-              <a:t>4/21/17</a:t>
+              <a:t>4/26/17</a:t>
             </a:fld>
             <a:endParaRPr lang="en-US"/>
           </a:p>
@@ -2955,7 +2956,7 @@
           <a:p>
             <a:fld id="{0E479A5B-CC94-9547-97CB-F1593DCBBC82}" type="datetimeFigureOut">
               <a:rPr lang="en-US" smtClean="0"/>
-              <a:t>4/21/17</a:t>
+              <a:t>4/26/17</a:t>
             </a:fld>
             <a:endParaRPr lang="en-US"/>
           </a:p>
@@ -45822,11 +45823,6 @@
               </a:rPr>
               <a:t>4</a:t>
             </a:r>
-            <a:endParaRPr lang="en-US" dirty="0">
-              <a:solidFill>
-                <a:schemeClr val="tx1"/>
-              </a:solidFill>
-            </a:endParaRPr>
           </a:p>
         </p:txBody>
       </p:sp>
@@ -57287,15 +57283,7 @@
                   <a:schemeClr val="tx1"/>
                 </a:solidFill>
               </a:rPr>
-              <a:t>5</a:t>
-            </a:r>
-            <a:r>
-              <a:rPr lang="en-US" dirty="0" smtClean="0">
-                <a:solidFill>
-                  <a:schemeClr val="tx1"/>
-                </a:solidFill>
-              </a:rPr>
-              <a:t>2</a:t>
+              <a:t>52</a:t>
             </a:r>
             <a:endParaRPr lang="en-US" dirty="0">
               <a:solidFill>
@@ -59770,6 +59758,1172 @@
 </p:sld>
 </file>
 
+<file path=ppt/slides/slide40.xml><?xml version="1.0" encoding="utf-8"?>
+<p:sld xmlns:a="http://schemas.openxmlformats.org/drawingml/2006/main" xmlns:r="http://schemas.openxmlformats.org/officeDocument/2006/relationships" xmlns:p="http://schemas.openxmlformats.org/presentationml/2006/main">
+  <p:cSld>
+    <p:spTree>
+      <p:nvGrpSpPr>
+        <p:cNvPr id="1" name=""/>
+        <p:cNvGrpSpPr/>
+        <p:nvPr/>
+      </p:nvGrpSpPr>
+      <p:grpSpPr>
+        <a:xfrm>
+          <a:off x="0" y="0"/>
+          <a:ext cx="0" cy="0"/>
+          <a:chOff x="0" y="0"/>
+          <a:chExt cx="0" cy="0"/>
+        </a:xfrm>
+      </p:grpSpPr>
+      <p:sp>
+        <p:nvSpPr>
+          <p:cNvPr id="92" name="Rectangle 91"/>
+          <p:cNvSpPr/>
+          <p:nvPr/>
+        </p:nvSpPr>
+        <p:spPr>
+          <a:xfrm>
+            <a:off x="568034" y="374073"/>
+            <a:ext cx="9531930" cy="5717293"/>
+          </a:xfrm>
+          <a:prstGeom prst="rect">
+            <a:avLst/>
+          </a:prstGeom>
+          <a:ln>
+            <a:noFill/>
+          </a:ln>
+        </p:spPr>
+        <p:style>
+          <a:lnRef idx="2">
+            <a:schemeClr val="accent6"/>
+          </a:lnRef>
+          <a:fillRef idx="1">
+            <a:schemeClr val="lt1"/>
+          </a:fillRef>
+          <a:effectRef idx="0">
+            <a:schemeClr val="accent6"/>
+          </a:effectRef>
+          <a:fontRef idx="minor">
+            <a:schemeClr val="dk1"/>
+          </a:fontRef>
+        </p:style>
+        <p:txBody>
+          <a:bodyPr rtlCol="0" anchor="ctr"/>
+          <a:lstStyle/>
+          <a:p>
+            <a:pPr algn="ctr"/>
+            <a:endParaRPr lang="en-US"/>
+          </a:p>
+        </p:txBody>
+      </p:sp>
+      <p:sp>
+        <p:nvSpPr>
+          <p:cNvPr id="4" name="Oval 3"/>
+          <p:cNvSpPr/>
+          <p:nvPr/>
+        </p:nvSpPr>
+        <p:spPr>
+          <a:xfrm>
+            <a:off x="720436" y="5043055"/>
+            <a:ext cx="914400" cy="914400"/>
+          </a:xfrm>
+          <a:prstGeom prst="ellipse">
+            <a:avLst/>
+          </a:prstGeom>
+          <a:ln w="28575">
+            <a:solidFill>
+              <a:schemeClr val="tx1"/>
+            </a:solidFill>
+          </a:ln>
+        </p:spPr>
+        <p:style>
+          <a:lnRef idx="2">
+            <a:schemeClr val="accent6"/>
+          </a:lnRef>
+          <a:fillRef idx="1">
+            <a:schemeClr val="lt1"/>
+          </a:fillRef>
+          <a:effectRef idx="0">
+            <a:schemeClr val="accent6"/>
+          </a:effectRef>
+          <a:fontRef idx="minor">
+            <a:schemeClr val="dk1"/>
+          </a:fontRef>
+        </p:style>
+        <p:txBody>
+          <a:bodyPr rtlCol="0" anchor="ctr"/>
+          <a:lstStyle/>
+          <a:p>
+            <a:pPr algn="ctr"/>
+            <a:r>
+              <a:rPr lang="en-US" dirty="0"/>
+              <a:t>K</a:t>
+            </a:r>
+          </a:p>
+        </p:txBody>
+      </p:sp>
+      <p:sp>
+        <p:nvSpPr>
+          <p:cNvPr id="5" name="Oval 4"/>
+          <p:cNvSpPr/>
+          <p:nvPr/>
+        </p:nvSpPr>
+        <p:spPr>
+          <a:xfrm>
+            <a:off x="1939636" y="5043055"/>
+            <a:ext cx="914400" cy="914400"/>
+          </a:xfrm>
+          <a:prstGeom prst="ellipse">
+            <a:avLst/>
+          </a:prstGeom>
+          <a:ln w="28575">
+            <a:solidFill>
+              <a:schemeClr val="tx1"/>
+            </a:solidFill>
+          </a:ln>
+        </p:spPr>
+        <p:style>
+          <a:lnRef idx="2">
+            <a:schemeClr val="accent6"/>
+          </a:lnRef>
+          <a:fillRef idx="1">
+            <a:schemeClr val="lt1"/>
+          </a:fillRef>
+          <a:effectRef idx="0">
+            <a:schemeClr val="accent6"/>
+          </a:effectRef>
+          <a:fontRef idx="minor">
+            <a:schemeClr val="dk1"/>
+          </a:fontRef>
+        </p:style>
+        <p:txBody>
+          <a:bodyPr rtlCol="0" anchor="ctr"/>
+          <a:lstStyle/>
+          <a:p>
+            <a:pPr algn="ctr"/>
+            <a:r>
+              <a:rPr lang="en-US" dirty="0" smtClean="0"/>
+              <a:t>L</a:t>
+            </a:r>
+            <a:endParaRPr lang="en-US" dirty="0"/>
+          </a:p>
+        </p:txBody>
+      </p:sp>
+      <p:sp>
+        <p:nvSpPr>
+          <p:cNvPr id="8" name="Oval 7"/>
+          <p:cNvSpPr/>
+          <p:nvPr/>
+        </p:nvSpPr>
+        <p:spPr>
+          <a:xfrm>
+            <a:off x="4946072" y="5043055"/>
+            <a:ext cx="914400" cy="914400"/>
+          </a:xfrm>
+          <a:prstGeom prst="ellipse">
+            <a:avLst/>
+          </a:prstGeom>
+          <a:ln w="28575">
+            <a:solidFill>
+              <a:schemeClr val="tx1"/>
+            </a:solidFill>
+          </a:ln>
+        </p:spPr>
+        <p:style>
+          <a:lnRef idx="2">
+            <a:schemeClr val="accent6"/>
+          </a:lnRef>
+          <a:fillRef idx="1">
+            <a:schemeClr val="lt1"/>
+          </a:fillRef>
+          <a:effectRef idx="0">
+            <a:schemeClr val="accent6"/>
+          </a:effectRef>
+          <a:fontRef idx="minor">
+            <a:schemeClr val="dk1"/>
+          </a:fontRef>
+        </p:style>
+        <p:txBody>
+          <a:bodyPr rtlCol="0" anchor="ctr"/>
+          <a:lstStyle/>
+          <a:p>
+            <a:pPr algn="ctr"/>
+            <a:r>
+              <a:rPr lang="en-US" dirty="0" smtClean="0"/>
+              <a:t>M</a:t>
+            </a:r>
+            <a:endParaRPr lang="en-US" dirty="0"/>
+          </a:p>
+        </p:txBody>
+      </p:sp>
+      <p:sp>
+        <p:nvSpPr>
+          <p:cNvPr id="12" name="Oval 11"/>
+          <p:cNvSpPr/>
+          <p:nvPr/>
+        </p:nvSpPr>
+        <p:spPr>
+          <a:xfrm>
+            <a:off x="1288472" y="3629892"/>
+            <a:ext cx="914400" cy="914400"/>
+          </a:xfrm>
+          <a:prstGeom prst="ellipse">
+            <a:avLst/>
+          </a:prstGeom>
+          <a:ln w="28575">
+            <a:solidFill>
+              <a:schemeClr val="tx1"/>
+            </a:solidFill>
+          </a:ln>
+        </p:spPr>
+        <p:style>
+          <a:lnRef idx="2">
+            <a:schemeClr val="accent6"/>
+          </a:lnRef>
+          <a:fillRef idx="1">
+            <a:schemeClr val="lt1"/>
+          </a:fillRef>
+          <a:effectRef idx="0">
+            <a:schemeClr val="accent6"/>
+          </a:effectRef>
+          <a:fontRef idx="minor">
+            <a:schemeClr val="dk1"/>
+          </a:fontRef>
+        </p:style>
+        <p:txBody>
+          <a:bodyPr rtlCol="0" anchor="ctr"/>
+          <a:lstStyle/>
+          <a:p>
+            <a:pPr algn="ctr"/>
+            <a:r>
+              <a:rPr lang="en-US" dirty="0" smtClean="0"/>
+              <a:t>E</a:t>
+            </a:r>
+            <a:endParaRPr lang="en-US" dirty="0"/>
+          </a:p>
+        </p:txBody>
+      </p:sp>
+      <p:sp>
+        <p:nvSpPr>
+          <p:cNvPr id="13" name="Oval 12"/>
+          <p:cNvSpPr/>
+          <p:nvPr/>
+        </p:nvSpPr>
+        <p:spPr>
+          <a:xfrm>
+            <a:off x="2507672" y="3629892"/>
+            <a:ext cx="914400" cy="914400"/>
+          </a:xfrm>
+          <a:prstGeom prst="ellipse">
+            <a:avLst/>
+          </a:prstGeom>
+          <a:ln w="28575">
+            <a:solidFill>
+              <a:schemeClr val="tx1"/>
+            </a:solidFill>
+          </a:ln>
+        </p:spPr>
+        <p:style>
+          <a:lnRef idx="2">
+            <a:schemeClr val="accent6"/>
+          </a:lnRef>
+          <a:fillRef idx="1">
+            <a:schemeClr val="lt1"/>
+          </a:fillRef>
+          <a:effectRef idx="0">
+            <a:schemeClr val="accent6"/>
+          </a:effectRef>
+          <a:fontRef idx="minor">
+            <a:schemeClr val="dk1"/>
+          </a:fontRef>
+        </p:style>
+        <p:txBody>
+          <a:bodyPr rtlCol="0" anchor="ctr"/>
+          <a:lstStyle/>
+          <a:p>
+            <a:pPr algn="ctr"/>
+            <a:r>
+              <a:rPr lang="en-US" dirty="0" smtClean="0"/>
+              <a:t>F</a:t>
+            </a:r>
+            <a:endParaRPr lang="en-US" dirty="0"/>
+          </a:p>
+        </p:txBody>
+      </p:sp>
+      <p:sp>
+        <p:nvSpPr>
+          <p:cNvPr id="14" name="Oval 13"/>
+          <p:cNvSpPr/>
+          <p:nvPr/>
+        </p:nvSpPr>
+        <p:spPr>
+          <a:xfrm>
+            <a:off x="3726872" y="3629892"/>
+            <a:ext cx="914400" cy="914400"/>
+          </a:xfrm>
+          <a:prstGeom prst="ellipse">
+            <a:avLst/>
+          </a:prstGeom>
+          <a:ln w="28575">
+            <a:solidFill>
+              <a:schemeClr val="tx1"/>
+            </a:solidFill>
+          </a:ln>
+        </p:spPr>
+        <p:style>
+          <a:lnRef idx="2">
+            <a:schemeClr val="accent6"/>
+          </a:lnRef>
+          <a:fillRef idx="1">
+            <a:schemeClr val="lt1"/>
+          </a:fillRef>
+          <a:effectRef idx="0">
+            <a:schemeClr val="accent6"/>
+          </a:effectRef>
+          <a:fontRef idx="minor">
+            <a:schemeClr val="dk1"/>
+          </a:fontRef>
+        </p:style>
+        <p:txBody>
+          <a:bodyPr rtlCol="0" anchor="ctr"/>
+          <a:lstStyle/>
+          <a:p>
+            <a:pPr algn="ctr"/>
+            <a:r>
+              <a:rPr lang="en-US" dirty="0" smtClean="0"/>
+              <a:t>G</a:t>
+            </a:r>
+            <a:endParaRPr lang="en-US" dirty="0"/>
+          </a:p>
+        </p:txBody>
+      </p:sp>
+      <p:sp>
+        <p:nvSpPr>
+          <p:cNvPr id="16" name="Oval 15"/>
+          <p:cNvSpPr/>
+          <p:nvPr/>
+        </p:nvSpPr>
+        <p:spPr>
+          <a:xfrm>
+            <a:off x="5514108" y="3629892"/>
+            <a:ext cx="914400" cy="914400"/>
+          </a:xfrm>
+          <a:prstGeom prst="ellipse">
+            <a:avLst/>
+          </a:prstGeom>
+          <a:ln w="28575">
+            <a:solidFill>
+              <a:schemeClr val="tx1"/>
+            </a:solidFill>
+          </a:ln>
+        </p:spPr>
+        <p:style>
+          <a:lnRef idx="2">
+            <a:schemeClr val="accent6"/>
+          </a:lnRef>
+          <a:fillRef idx="1">
+            <a:schemeClr val="lt1"/>
+          </a:fillRef>
+          <a:effectRef idx="0">
+            <a:schemeClr val="accent6"/>
+          </a:effectRef>
+          <a:fontRef idx="minor">
+            <a:schemeClr val="dk1"/>
+          </a:fontRef>
+        </p:style>
+        <p:txBody>
+          <a:bodyPr rtlCol="0" anchor="ctr"/>
+          <a:lstStyle/>
+          <a:p>
+            <a:pPr algn="ctr"/>
+            <a:r>
+              <a:rPr lang="en-US" dirty="0"/>
+              <a:t>H</a:t>
+            </a:r>
+          </a:p>
+        </p:txBody>
+      </p:sp>
+      <p:sp>
+        <p:nvSpPr>
+          <p:cNvPr id="17" name="Oval 16"/>
+          <p:cNvSpPr/>
+          <p:nvPr/>
+        </p:nvSpPr>
+        <p:spPr>
+          <a:xfrm>
+            <a:off x="6733308" y="3629892"/>
+            <a:ext cx="914400" cy="914400"/>
+          </a:xfrm>
+          <a:prstGeom prst="ellipse">
+            <a:avLst/>
+          </a:prstGeom>
+          <a:ln w="28575">
+            <a:solidFill>
+              <a:schemeClr val="tx1"/>
+            </a:solidFill>
+          </a:ln>
+        </p:spPr>
+        <p:style>
+          <a:lnRef idx="2">
+            <a:schemeClr val="accent6"/>
+          </a:lnRef>
+          <a:fillRef idx="1">
+            <a:schemeClr val="lt1"/>
+          </a:fillRef>
+          <a:effectRef idx="0">
+            <a:schemeClr val="accent6"/>
+          </a:effectRef>
+          <a:fontRef idx="minor">
+            <a:schemeClr val="dk1"/>
+          </a:fontRef>
+        </p:style>
+        <p:txBody>
+          <a:bodyPr rtlCol="0" anchor="ctr"/>
+          <a:lstStyle/>
+          <a:p>
+            <a:pPr algn="ctr"/>
+            <a:r>
+              <a:rPr lang="en-US" dirty="0" smtClean="0"/>
+              <a:t>I</a:t>
+            </a:r>
+            <a:endParaRPr lang="en-US" dirty="0"/>
+          </a:p>
+        </p:txBody>
+      </p:sp>
+      <p:sp>
+        <p:nvSpPr>
+          <p:cNvPr id="18" name="Oval 17"/>
+          <p:cNvSpPr/>
+          <p:nvPr/>
+        </p:nvSpPr>
+        <p:spPr>
+          <a:xfrm>
+            <a:off x="7952508" y="3629892"/>
+            <a:ext cx="914400" cy="914400"/>
+          </a:xfrm>
+          <a:prstGeom prst="ellipse">
+            <a:avLst/>
+          </a:prstGeom>
+          <a:ln w="28575">
+            <a:solidFill>
+              <a:schemeClr val="tx1"/>
+            </a:solidFill>
+          </a:ln>
+        </p:spPr>
+        <p:style>
+          <a:lnRef idx="2">
+            <a:schemeClr val="accent6"/>
+          </a:lnRef>
+          <a:fillRef idx="1">
+            <a:schemeClr val="lt1"/>
+          </a:fillRef>
+          <a:effectRef idx="0">
+            <a:schemeClr val="accent6"/>
+          </a:effectRef>
+          <a:fontRef idx="minor">
+            <a:schemeClr val="dk1"/>
+          </a:fontRef>
+        </p:style>
+        <p:txBody>
+          <a:bodyPr rtlCol="0" anchor="ctr"/>
+          <a:lstStyle/>
+          <a:p>
+            <a:pPr algn="ctr"/>
+            <a:r>
+              <a:rPr lang="en-US" dirty="0" smtClean="0"/>
+              <a:t>J</a:t>
+            </a:r>
+            <a:endParaRPr lang="en-US" dirty="0"/>
+          </a:p>
+        </p:txBody>
+      </p:sp>
+      <p:sp>
+        <p:nvSpPr>
+          <p:cNvPr id="20" name="Oval 19"/>
+          <p:cNvSpPr/>
+          <p:nvPr/>
+        </p:nvSpPr>
+        <p:spPr>
+          <a:xfrm>
+            <a:off x="1856508" y="2216729"/>
+            <a:ext cx="914400" cy="914400"/>
+          </a:xfrm>
+          <a:prstGeom prst="ellipse">
+            <a:avLst/>
+          </a:prstGeom>
+          <a:ln w="28575">
+            <a:solidFill>
+              <a:schemeClr val="tx1"/>
+            </a:solidFill>
+          </a:ln>
+        </p:spPr>
+        <p:style>
+          <a:lnRef idx="2">
+            <a:schemeClr val="accent6"/>
+          </a:lnRef>
+          <a:fillRef idx="1">
+            <a:schemeClr val="lt1"/>
+          </a:fillRef>
+          <a:effectRef idx="0">
+            <a:schemeClr val="accent6"/>
+          </a:effectRef>
+          <a:fontRef idx="minor">
+            <a:schemeClr val="dk1"/>
+          </a:fontRef>
+        </p:style>
+        <p:txBody>
+          <a:bodyPr rtlCol="0" anchor="ctr"/>
+          <a:lstStyle/>
+          <a:p>
+            <a:pPr algn="ctr"/>
+            <a:r>
+              <a:rPr lang="en-US" dirty="0" smtClean="0"/>
+              <a:t>B</a:t>
+            </a:r>
+            <a:endParaRPr lang="en-US" dirty="0"/>
+          </a:p>
+        </p:txBody>
+      </p:sp>
+      <p:sp>
+        <p:nvSpPr>
+          <p:cNvPr id="22" name="Oval 21"/>
+          <p:cNvSpPr/>
+          <p:nvPr/>
+        </p:nvSpPr>
+        <p:spPr>
+          <a:xfrm>
+            <a:off x="4294908" y="2216729"/>
+            <a:ext cx="914400" cy="914400"/>
+          </a:xfrm>
+          <a:prstGeom prst="ellipse">
+            <a:avLst/>
+          </a:prstGeom>
+          <a:ln w="28575">
+            <a:solidFill>
+              <a:schemeClr val="tx1"/>
+            </a:solidFill>
+          </a:ln>
+        </p:spPr>
+        <p:style>
+          <a:lnRef idx="2">
+            <a:schemeClr val="accent6"/>
+          </a:lnRef>
+          <a:fillRef idx="1">
+            <a:schemeClr val="lt1"/>
+          </a:fillRef>
+          <a:effectRef idx="0">
+            <a:schemeClr val="accent6"/>
+          </a:effectRef>
+          <a:fontRef idx="minor">
+            <a:schemeClr val="dk1"/>
+          </a:fontRef>
+        </p:style>
+        <p:txBody>
+          <a:bodyPr rtlCol="0" anchor="ctr"/>
+          <a:lstStyle/>
+          <a:p>
+            <a:pPr algn="ctr"/>
+            <a:r>
+              <a:rPr lang="en-US" dirty="0" smtClean="0"/>
+              <a:t>C</a:t>
+            </a:r>
+            <a:endParaRPr lang="en-US" dirty="0"/>
+          </a:p>
+        </p:txBody>
+      </p:sp>
+      <p:sp>
+        <p:nvSpPr>
+          <p:cNvPr id="24" name="Oval 23"/>
+          <p:cNvSpPr/>
+          <p:nvPr/>
+        </p:nvSpPr>
+        <p:spPr>
+          <a:xfrm>
+            <a:off x="6733308" y="2216729"/>
+            <a:ext cx="914400" cy="914400"/>
+          </a:xfrm>
+          <a:prstGeom prst="ellipse">
+            <a:avLst/>
+          </a:prstGeom>
+          <a:ln w="28575">
+            <a:solidFill>
+              <a:schemeClr val="tx1"/>
+            </a:solidFill>
+          </a:ln>
+        </p:spPr>
+        <p:style>
+          <a:lnRef idx="2">
+            <a:schemeClr val="accent6"/>
+          </a:lnRef>
+          <a:fillRef idx="1">
+            <a:schemeClr val="lt1"/>
+          </a:fillRef>
+          <a:effectRef idx="0">
+            <a:schemeClr val="accent6"/>
+          </a:effectRef>
+          <a:fontRef idx="minor">
+            <a:schemeClr val="dk1"/>
+          </a:fontRef>
+        </p:style>
+        <p:txBody>
+          <a:bodyPr rtlCol="0" anchor="ctr"/>
+          <a:lstStyle/>
+          <a:p>
+            <a:pPr algn="ctr"/>
+            <a:r>
+              <a:rPr lang="en-US" dirty="0" smtClean="0"/>
+              <a:t>D</a:t>
+            </a:r>
+            <a:endParaRPr lang="en-US" dirty="0"/>
+          </a:p>
+        </p:txBody>
+      </p:sp>
+      <p:sp>
+        <p:nvSpPr>
+          <p:cNvPr id="30" name="Oval 29"/>
+          <p:cNvSpPr/>
+          <p:nvPr/>
+        </p:nvSpPr>
+        <p:spPr>
+          <a:xfrm>
+            <a:off x="4306445" y="803566"/>
+            <a:ext cx="914400" cy="914400"/>
+          </a:xfrm>
+          <a:prstGeom prst="ellipse">
+            <a:avLst/>
+          </a:prstGeom>
+          <a:ln w="28575">
+            <a:solidFill>
+              <a:schemeClr val="tx1"/>
+            </a:solidFill>
+          </a:ln>
+        </p:spPr>
+        <p:style>
+          <a:lnRef idx="2">
+            <a:schemeClr val="accent6"/>
+          </a:lnRef>
+          <a:fillRef idx="1">
+            <a:schemeClr val="lt1"/>
+          </a:fillRef>
+          <a:effectRef idx="0">
+            <a:schemeClr val="accent6"/>
+          </a:effectRef>
+          <a:fontRef idx="minor">
+            <a:schemeClr val="dk1"/>
+          </a:fontRef>
+        </p:style>
+        <p:txBody>
+          <a:bodyPr rtlCol="0" anchor="ctr"/>
+          <a:lstStyle/>
+          <a:p>
+            <a:pPr algn="ctr"/>
+            <a:r>
+              <a:rPr lang="en-US" smtClean="0"/>
+              <a:t>A</a:t>
+            </a:r>
+            <a:endParaRPr lang="en-US"/>
+          </a:p>
+        </p:txBody>
+      </p:sp>
+      <p:cxnSp>
+        <p:nvCxnSpPr>
+          <p:cNvPr id="45" name="Straight Connector 44"/>
+          <p:cNvCxnSpPr>
+            <a:stCxn id="30" idx="4"/>
+            <a:endCxn id="22" idx="0"/>
+          </p:cNvCxnSpPr>
+          <p:nvPr/>
+        </p:nvCxnSpPr>
+        <p:spPr>
+          <a:xfrm flipH="1">
+            <a:off x="4752108" y="1717966"/>
+            <a:ext cx="11537" cy="498763"/>
+          </a:xfrm>
+          <a:prstGeom prst="line">
+            <a:avLst/>
+          </a:prstGeom>
+          <a:ln w="25400">
+            <a:solidFill>
+              <a:schemeClr val="tx1"/>
+            </a:solidFill>
+          </a:ln>
+        </p:spPr>
+        <p:style>
+          <a:lnRef idx="1">
+            <a:schemeClr val="accent1"/>
+          </a:lnRef>
+          <a:fillRef idx="0">
+            <a:schemeClr val="accent1"/>
+          </a:fillRef>
+          <a:effectRef idx="0">
+            <a:schemeClr val="accent1"/>
+          </a:effectRef>
+          <a:fontRef idx="minor">
+            <a:schemeClr val="tx1"/>
+          </a:fontRef>
+        </p:style>
+      </p:cxnSp>
+      <p:cxnSp>
+        <p:nvCxnSpPr>
+          <p:cNvPr id="46" name="Straight Connector 45"/>
+          <p:cNvCxnSpPr>
+            <a:stCxn id="30" idx="5"/>
+            <a:endCxn id="24" idx="1"/>
+          </p:cNvCxnSpPr>
+          <p:nvPr/>
+        </p:nvCxnSpPr>
+        <p:spPr>
+          <a:xfrm>
+            <a:off x="5086934" y="1584055"/>
+            <a:ext cx="1780285" cy="766585"/>
+          </a:xfrm>
+          <a:prstGeom prst="line">
+            <a:avLst/>
+          </a:prstGeom>
+          <a:ln w="25400">
+            <a:solidFill>
+              <a:schemeClr val="tx1"/>
+            </a:solidFill>
+          </a:ln>
+        </p:spPr>
+        <p:style>
+          <a:lnRef idx="1">
+            <a:schemeClr val="accent1"/>
+          </a:lnRef>
+          <a:fillRef idx="0">
+            <a:schemeClr val="accent1"/>
+          </a:fillRef>
+          <a:effectRef idx="0">
+            <a:schemeClr val="accent1"/>
+          </a:effectRef>
+          <a:fontRef idx="minor">
+            <a:schemeClr val="tx1"/>
+          </a:fontRef>
+        </p:style>
+      </p:cxnSp>
+      <p:cxnSp>
+        <p:nvCxnSpPr>
+          <p:cNvPr id="49" name="Straight Connector 48"/>
+          <p:cNvCxnSpPr>
+            <a:stCxn id="30" idx="3"/>
+            <a:endCxn id="20" idx="7"/>
+          </p:cNvCxnSpPr>
+          <p:nvPr/>
+        </p:nvCxnSpPr>
+        <p:spPr>
+          <a:xfrm flipH="1">
+            <a:off x="2636997" y="1584055"/>
+            <a:ext cx="1803359" cy="766585"/>
+          </a:xfrm>
+          <a:prstGeom prst="line">
+            <a:avLst/>
+          </a:prstGeom>
+          <a:ln w="25400">
+            <a:solidFill>
+              <a:schemeClr val="tx1"/>
+            </a:solidFill>
+          </a:ln>
+        </p:spPr>
+        <p:style>
+          <a:lnRef idx="1">
+            <a:schemeClr val="accent1"/>
+          </a:lnRef>
+          <a:fillRef idx="0">
+            <a:schemeClr val="accent1"/>
+          </a:fillRef>
+          <a:effectRef idx="0">
+            <a:schemeClr val="accent1"/>
+          </a:effectRef>
+          <a:fontRef idx="minor">
+            <a:schemeClr val="tx1"/>
+          </a:fontRef>
+        </p:style>
+      </p:cxnSp>
+      <p:cxnSp>
+        <p:nvCxnSpPr>
+          <p:cNvPr id="52" name="Straight Connector 51"/>
+          <p:cNvCxnSpPr>
+            <a:stCxn id="20" idx="3"/>
+            <a:endCxn id="12" idx="0"/>
+          </p:cNvCxnSpPr>
+          <p:nvPr/>
+        </p:nvCxnSpPr>
+        <p:spPr>
+          <a:xfrm flipH="1">
+            <a:off x="1745672" y="2997218"/>
+            <a:ext cx="244747" cy="632674"/>
+          </a:xfrm>
+          <a:prstGeom prst="line">
+            <a:avLst/>
+          </a:prstGeom>
+          <a:ln w="25400">
+            <a:solidFill>
+              <a:schemeClr val="tx1"/>
+            </a:solidFill>
+          </a:ln>
+        </p:spPr>
+        <p:style>
+          <a:lnRef idx="1">
+            <a:schemeClr val="accent1"/>
+          </a:lnRef>
+          <a:fillRef idx="0">
+            <a:schemeClr val="accent1"/>
+          </a:fillRef>
+          <a:effectRef idx="0">
+            <a:schemeClr val="accent1"/>
+          </a:effectRef>
+          <a:fontRef idx="minor">
+            <a:schemeClr val="tx1"/>
+          </a:fontRef>
+        </p:style>
+      </p:cxnSp>
+      <p:cxnSp>
+        <p:nvCxnSpPr>
+          <p:cNvPr id="55" name="Straight Connector 54"/>
+          <p:cNvCxnSpPr>
+            <a:stCxn id="20" idx="5"/>
+            <a:endCxn id="13" idx="0"/>
+          </p:cNvCxnSpPr>
+          <p:nvPr/>
+        </p:nvCxnSpPr>
+        <p:spPr>
+          <a:xfrm>
+            <a:off x="2636997" y="2997218"/>
+            <a:ext cx="327875" cy="632674"/>
+          </a:xfrm>
+          <a:prstGeom prst="line">
+            <a:avLst/>
+          </a:prstGeom>
+          <a:ln w="25400">
+            <a:solidFill>
+              <a:schemeClr val="tx1"/>
+            </a:solidFill>
+          </a:ln>
+        </p:spPr>
+        <p:style>
+          <a:lnRef idx="1">
+            <a:schemeClr val="accent1"/>
+          </a:lnRef>
+          <a:fillRef idx="0">
+            <a:schemeClr val="accent1"/>
+          </a:fillRef>
+          <a:effectRef idx="0">
+            <a:schemeClr val="accent1"/>
+          </a:effectRef>
+          <a:fontRef idx="minor">
+            <a:schemeClr val="tx1"/>
+          </a:fontRef>
+        </p:style>
+      </p:cxnSp>
+      <p:cxnSp>
+        <p:nvCxnSpPr>
+          <p:cNvPr id="58" name="Straight Connector 57"/>
+          <p:cNvCxnSpPr>
+            <a:stCxn id="12" idx="3"/>
+            <a:endCxn id="4" idx="0"/>
+          </p:cNvCxnSpPr>
+          <p:nvPr/>
+        </p:nvCxnSpPr>
+        <p:spPr>
+          <a:xfrm flipH="1">
+            <a:off x="1177636" y="4410381"/>
+            <a:ext cx="244747" cy="632674"/>
+          </a:xfrm>
+          <a:prstGeom prst="line">
+            <a:avLst/>
+          </a:prstGeom>
+          <a:ln w="25400">
+            <a:solidFill>
+              <a:schemeClr val="tx1"/>
+            </a:solidFill>
+          </a:ln>
+        </p:spPr>
+        <p:style>
+          <a:lnRef idx="1">
+            <a:schemeClr val="accent1"/>
+          </a:lnRef>
+          <a:fillRef idx="0">
+            <a:schemeClr val="accent1"/>
+          </a:fillRef>
+          <a:effectRef idx="0">
+            <a:schemeClr val="accent1"/>
+          </a:effectRef>
+          <a:fontRef idx="minor">
+            <a:schemeClr val="tx1"/>
+          </a:fontRef>
+        </p:style>
+      </p:cxnSp>
+      <p:cxnSp>
+        <p:nvCxnSpPr>
+          <p:cNvPr id="61" name="Straight Connector 60"/>
+          <p:cNvCxnSpPr>
+            <a:stCxn id="12" idx="5"/>
+            <a:endCxn id="5" idx="0"/>
+          </p:cNvCxnSpPr>
+          <p:nvPr/>
+        </p:nvCxnSpPr>
+        <p:spPr>
+          <a:xfrm>
+            <a:off x="2068961" y="4410381"/>
+            <a:ext cx="327875" cy="632674"/>
+          </a:xfrm>
+          <a:prstGeom prst="line">
+            <a:avLst/>
+          </a:prstGeom>
+          <a:ln w="25400">
+            <a:solidFill>
+              <a:schemeClr val="tx1"/>
+            </a:solidFill>
+          </a:ln>
+        </p:spPr>
+        <p:style>
+          <a:lnRef idx="1">
+            <a:schemeClr val="accent1"/>
+          </a:lnRef>
+          <a:fillRef idx="0">
+            <a:schemeClr val="accent1"/>
+          </a:fillRef>
+          <a:effectRef idx="0">
+            <a:schemeClr val="accent1"/>
+          </a:effectRef>
+          <a:fontRef idx="minor">
+            <a:schemeClr val="tx1"/>
+          </a:fontRef>
+        </p:style>
+      </p:cxnSp>
+      <p:cxnSp>
+        <p:nvCxnSpPr>
+          <p:cNvPr id="64" name="Straight Connector 63"/>
+          <p:cNvCxnSpPr>
+            <a:stCxn id="22" idx="3"/>
+            <a:endCxn id="14" idx="0"/>
+          </p:cNvCxnSpPr>
+          <p:nvPr/>
+        </p:nvCxnSpPr>
+        <p:spPr>
+          <a:xfrm flipH="1">
+            <a:off x="4184072" y="2997218"/>
+            <a:ext cx="244747" cy="632674"/>
+          </a:xfrm>
+          <a:prstGeom prst="line">
+            <a:avLst/>
+          </a:prstGeom>
+          <a:ln w="25400">
+            <a:solidFill>
+              <a:schemeClr val="tx1"/>
+            </a:solidFill>
+          </a:ln>
+        </p:spPr>
+        <p:style>
+          <a:lnRef idx="1">
+            <a:schemeClr val="accent1"/>
+          </a:lnRef>
+          <a:fillRef idx="0">
+            <a:schemeClr val="accent1"/>
+          </a:fillRef>
+          <a:effectRef idx="0">
+            <a:schemeClr val="accent1"/>
+          </a:effectRef>
+          <a:fontRef idx="minor">
+            <a:schemeClr val="tx1"/>
+          </a:fontRef>
+        </p:style>
+      </p:cxnSp>
+      <p:cxnSp>
+        <p:nvCxnSpPr>
+          <p:cNvPr id="67" name="Straight Connector 66"/>
+          <p:cNvCxnSpPr>
+            <a:stCxn id="24" idx="3"/>
+            <a:endCxn id="16" idx="0"/>
+          </p:cNvCxnSpPr>
+          <p:nvPr/>
+        </p:nvCxnSpPr>
+        <p:spPr>
+          <a:xfrm flipH="1">
+            <a:off x="5971308" y="2997218"/>
+            <a:ext cx="895911" cy="632674"/>
+          </a:xfrm>
+          <a:prstGeom prst="line">
+            <a:avLst/>
+          </a:prstGeom>
+          <a:ln w="25400">
+            <a:solidFill>
+              <a:schemeClr val="tx1"/>
+            </a:solidFill>
+          </a:ln>
+        </p:spPr>
+        <p:style>
+          <a:lnRef idx="1">
+            <a:schemeClr val="accent1"/>
+          </a:lnRef>
+          <a:fillRef idx="0">
+            <a:schemeClr val="accent1"/>
+          </a:fillRef>
+          <a:effectRef idx="0">
+            <a:schemeClr val="accent1"/>
+          </a:effectRef>
+          <a:fontRef idx="minor">
+            <a:schemeClr val="tx1"/>
+          </a:fontRef>
+        </p:style>
+      </p:cxnSp>
+      <p:cxnSp>
+        <p:nvCxnSpPr>
+          <p:cNvPr id="70" name="Straight Connector 69"/>
+          <p:cNvCxnSpPr>
+            <a:stCxn id="24" idx="5"/>
+            <a:endCxn id="18" idx="0"/>
+          </p:cNvCxnSpPr>
+          <p:nvPr/>
+        </p:nvCxnSpPr>
+        <p:spPr>
+          <a:xfrm>
+            <a:off x="7513797" y="2997218"/>
+            <a:ext cx="895911" cy="632674"/>
+          </a:xfrm>
+          <a:prstGeom prst="line">
+            <a:avLst/>
+          </a:prstGeom>
+          <a:ln w="25400">
+            <a:solidFill>
+              <a:schemeClr val="tx1"/>
+            </a:solidFill>
+          </a:ln>
+        </p:spPr>
+        <p:style>
+          <a:lnRef idx="1">
+            <a:schemeClr val="accent1"/>
+          </a:lnRef>
+          <a:fillRef idx="0">
+            <a:schemeClr val="accent1"/>
+          </a:fillRef>
+          <a:effectRef idx="0">
+            <a:schemeClr val="accent1"/>
+          </a:effectRef>
+          <a:fontRef idx="minor">
+            <a:schemeClr val="tx1"/>
+          </a:fontRef>
+        </p:style>
+      </p:cxnSp>
+      <p:cxnSp>
+        <p:nvCxnSpPr>
+          <p:cNvPr id="74" name="Straight Connector 73"/>
+          <p:cNvCxnSpPr>
+            <a:stCxn id="24" idx="4"/>
+            <a:endCxn id="17" idx="0"/>
+          </p:cNvCxnSpPr>
+          <p:nvPr/>
+        </p:nvCxnSpPr>
+        <p:spPr>
+          <a:xfrm>
+            <a:off x="7190508" y="3131129"/>
+            <a:ext cx="0" cy="498763"/>
+          </a:xfrm>
+          <a:prstGeom prst="line">
+            <a:avLst/>
+          </a:prstGeom>
+          <a:ln w="25400">
+            <a:solidFill>
+              <a:schemeClr val="tx1"/>
+            </a:solidFill>
+          </a:ln>
+        </p:spPr>
+        <p:style>
+          <a:lnRef idx="1">
+            <a:schemeClr val="accent1"/>
+          </a:lnRef>
+          <a:fillRef idx="0">
+            <a:schemeClr val="accent1"/>
+          </a:fillRef>
+          <a:effectRef idx="0">
+            <a:schemeClr val="accent1"/>
+          </a:effectRef>
+          <a:fontRef idx="minor">
+            <a:schemeClr val="tx1"/>
+          </a:fontRef>
+        </p:style>
+      </p:cxnSp>
+      <p:cxnSp>
+        <p:nvCxnSpPr>
+          <p:cNvPr id="77" name="Straight Connector 76"/>
+          <p:cNvCxnSpPr>
+            <a:stCxn id="16" idx="3"/>
+            <a:endCxn id="8" idx="0"/>
+          </p:cNvCxnSpPr>
+          <p:nvPr/>
+        </p:nvCxnSpPr>
+        <p:spPr>
+          <a:xfrm flipH="1">
+            <a:off x="5403272" y="4410381"/>
+            <a:ext cx="244747" cy="632674"/>
+          </a:xfrm>
+          <a:prstGeom prst="line">
+            <a:avLst/>
+          </a:prstGeom>
+          <a:ln w="25400">
+            <a:solidFill>
+              <a:schemeClr val="tx1"/>
+            </a:solidFill>
+          </a:ln>
+        </p:spPr>
+        <p:style>
+          <a:lnRef idx="1">
+            <a:schemeClr val="accent1"/>
+          </a:lnRef>
+          <a:fillRef idx="0">
+            <a:schemeClr val="accent1"/>
+          </a:fillRef>
+          <a:effectRef idx="0">
+            <a:schemeClr val="accent1"/>
+          </a:effectRef>
+          <a:fontRef idx="minor">
+            <a:schemeClr val="tx1"/>
+          </a:fontRef>
+        </p:style>
+      </p:cxnSp>
+      <p:sp>
+        <p:nvSpPr>
+          <p:cNvPr id="91" name="TextBox 90"/>
+          <p:cNvSpPr txBox="1"/>
+          <p:nvPr/>
+        </p:nvSpPr>
+        <p:spPr>
+          <a:xfrm>
+            <a:off x="9171707" y="485095"/>
+            <a:ext cx="667427" cy="369332"/>
+          </a:xfrm>
+          <a:prstGeom prst="rect">
+            <a:avLst/>
+          </a:prstGeom>
+          <a:noFill/>
+        </p:spPr>
+        <p:txBody>
+          <a:bodyPr wrap="none" rtlCol="0">
+            <a:spAutoFit/>
+          </a:bodyPr>
+          <a:lstStyle/>
+          <a:p>
+            <a:r>
+              <a:rPr lang="en-US" dirty="0" smtClean="0"/>
+              <a:t>Level</a:t>
+            </a:r>
+            <a:endParaRPr lang="en-US" dirty="0"/>
+          </a:p>
+        </p:txBody>
+      </p:sp>
+    </p:spTree>
+    <p:extLst>
+      <p:ext uri="{BB962C8B-B14F-4D97-AF65-F5344CB8AC3E}">
+        <p14:creationId xmlns:p14="http://schemas.microsoft.com/office/powerpoint/2010/main" val="1044218633"/>
+      </p:ext>
+    </p:extLst>
+  </p:cSld>
+  <p:clrMapOvr>
+    <a:masterClrMapping/>
+  </p:clrMapOvr>
+</p:sld>
+</file>
+
 <file path=ppt/slides/slide5.xml><?xml version="1.0" encoding="utf-8"?>
 <p:sld xmlns:a="http://schemas.openxmlformats.org/drawingml/2006/main" xmlns:r="http://schemas.openxmlformats.org/officeDocument/2006/relationships" xmlns:p="http://schemas.openxmlformats.org/presentationml/2006/main">
   <p:cSld>
